--- a/aifin/2021/slides/Xiu_Reimage.pptx
+++ b/aifin/2021/slides/Xiu_Reimage.pptx
@@ -20,6 +20,12 @@
     <p:sldId id="271" r:id="rId14"/>
     <p:sldId id="268" r:id="rId15"/>
     <p:sldId id="269" r:id="rId16"/>
+    <p:sldId id="272" r:id="rId17"/>
+    <p:sldId id="273" r:id="rId18"/>
+    <p:sldId id="274" r:id="rId19"/>
+    <p:sldId id="275" r:id="rId20"/>
+    <p:sldId id="276" r:id="rId21"/>
+    <p:sldId id="277" r:id="rId22"/>
   </p:sldIdLst>
   <p:sldSz cx="12192000" cy="6858000"/>
   <p:notesSz cx="6858000" cy="9144000"/>
@@ -1795,6 +1801,13 @@
         </dgm:presLayoutVars>
       </dgm:prSet>
       <dgm:spPr/>
+      <dgm:t>
+        <a:bodyPr/>
+        <a:lstStyle/>
+        <a:p>
+          <a:endParaRPr lang="en-US"/>
+        </a:p>
+      </dgm:t>
     </dgm:pt>
     <dgm:pt modelId="{6D3C3473-B9B3-4244-B5CE-6C738D6B2E14}" type="pres">
       <dgm:prSet presAssocID="{E90898FD-0B0B-4CF7-9DAC-6732EFCC707F}" presName="thickLine" presStyleLbl="alignNode1" presStyleIdx="0" presStyleCnt="3"/>
@@ -1807,6 +1820,13 @@
     <dgm:pt modelId="{DD0E30A4-B61A-464C-94E0-3A38E2012027}" type="pres">
       <dgm:prSet presAssocID="{E90898FD-0B0B-4CF7-9DAC-6732EFCC707F}" presName="tx1" presStyleLbl="revTx" presStyleIdx="0" presStyleCnt="3"/>
       <dgm:spPr/>
+      <dgm:t>
+        <a:bodyPr/>
+        <a:lstStyle/>
+        <a:p>
+          <a:endParaRPr lang="en-US"/>
+        </a:p>
+      </dgm:t>
     </dgm:pt>
     <dgm:pt modelId="{CE3CBFCC-DE3F-44B2-8C41-78420519E9C2}" type="pres">
       <dgm:prSet presAssocID="{E90898FD-0B0B-4CF7-9DAC-6732EFCC707F}" presName="vert1" presStyleCnt="0"/>
@@ -1823,6 +1843,13 @@
     <dgm:pt modelId="{7C761D7A-C141-4D53-8CE2-B5A549718AF5}" type="pres">
       <dgm:prSet presAssocID="{31685B8C-348E-4E32-B129-B694B64E6C2F}" presName="tx1" presStyleLbl="revTx" presStyleIdx="1" presStyleCnt="3"/>
       <dgm:spPr/>
+      <dgm:t>
+        <a:bodyPr/>
+        <a:lstStyle/>
+        <a:p>
+          <a:endParaRPr lang="en-US"/>
+        </a:p>
+      </dgm:t>
     </dgm:pt>
     <dgm:pt modelId="{41CEF390-55C9-46B9-8D17-46807909462C}" type="pres">
       <dgm:prSet presAssocID="{31685B8C-348E-4E32-B129-B694B64E6C2F}" presName="vert1" presStyleCnt="0"/>
@@ -1839,6 +1866,13 @@
     <dgm:pt modelId="{FF7C4291-E62B-4010-A842-146F6E9086E5}" type="pres">
       <dgm:prSet presAssocID="{B23F8D17-4FB3-4793-B901-B83C3DFF87E2}" presName="tx1" presStyleLbl="revTx" presStyleIdx="2" presStyleCnt="3"/>
       <dgm:spPr/>
+      <dgm:t>
+        <a:bodyPr/>
+        <a:lstStyle/>
+        <a:p>
+          <a:endParaRPr lang="en-US"/>
+        </a:p>
+      </dgm:t>
     </dgm:pt>
     <dgm:pt modelId="{5CB1E77C-792C-4360-8D71-4B5C3FBAC838}" type="pres">
       <dgm:prSet presAssocID="{B23F8D17-4FB3-4793-B901-B83C3DFF87E2}" presName="vert1" presStyleCnt="0"/>
@@ -1846,13 +1880,13 @@
     </dgm:pt>
   </dgm:ptLst>
   <dgm:cxnLst>
+    <dgm:cxn modelId="{8127B145-DBBE-4687-B6E7-F7E94FF7A292}" type="presOf" srcId="{E90898FD-0B0B-4CF7-9DAC-6732EFCC707F}" destId="{DD0E30A4-B61A-464C-94E0-3A38E2012027}" srcOrd="0" destOrd="0" presId="urn:microsoft.com/office/officeart/2008/layout/LinedList"/>
     <dgm:cxn modelId="{FBF3B821-507A-4BCD-8B62-EB3A79F53D57}" type="presOf" srcId="{EE115BE2-8A72-4246-B270-7157A7E1651C}" destId="{226907AE-FED1-45B1-838E-9458E78D8F23}" srcOrd="0" destOrd="0" presId="urn:microsoft.com/office/officeart/2008/layout/LinedList"/>
-    <dgm:cxn modelId="{8127B145-DBBE-4687-B6E7-F7E94FF7A292}" type="presOf" srcId="{E90898FD-0B0B-4CF7-9DAC-6732EFCC707F}" destId="{DD0E30A4-B61A-464C-94E0-3A38E2012027}" srcOrd="0" destOrd="0" presId="urn:microsoft.com/office/officeart/2008/layout/LinedList"/>
+    <dgm:cxn modelId="{2FA52CC9-5A31-445E-8633-B6BF3B2F7937}" type="presOf" srcId="{31685B8C-348E-4E32-B129-B694B64E6C2F}" destId="{7C761D7A-C141-4D53-8CE2-B5A549718AF5}" srcOrd="0" destOrd="0" presId="urn:microsoft.com/office/officeart/2008/layout/LinedList"/>
     <dgm:cxn modelId="{2B1DE15A-AEC3-4F2F-B548-D2673A6110D0}" srcId="{EE115BE2-8A72-4246-B270-7157A7E1651C}" destId="{B23F8D17-4FB3-4793-B901-B83C3DFF87E2}" srcOrd="2" destOrd="0" parTransId="{9E221118-8B4D-4E4A-9B49-88D573C40BB1}" sibTransId="{03CC4A9E-6929-4A40-AE84-3363150E1490}"/>
     <dgm:cxn modelId="{18AA478E-5E37-4F64-99BF-63D5B5C96F5B}" srcId="{EE115BE2-8A72-4246-B270-7157A7E1651C}" destId="{31685B8C-348E-4E32-B129-B694B64E6C2F}" srcOrd="1" destOrd="0" parTransId="{3D04B590-4CA1-40E9-8DD5-6B54CF4EF8BA}" sibTransId="{931EB2D9-2C43-4E82-AE3D-EFEC62F98BF3}"/>
+    <dgm:cxn modelId="{CE7515D9-C3EF-4919-B2F4-066E2E504FCF}" type="presOf" srcId="{B23F8D17-4FB3-4793-B901-B83C3DFF87E2}" destId="{FF7C4291-E62B-4010-A842-146F6E9086E5}" srcOrd="0" destOrd="0" presId="urn:microsoft.com/office/officeart/2008/layout/LinedList"/>
     <dgm:cxn modelId="{EDEA2F94-78F3-4228-8421-0286BF5BDB79}" srcId="{EE115BE2-8A72-4246-B270-7157A7E1651C}" destId="{E90898FD-0B0B-4CF7-9DAC-6732EFCC707F}" srcOrd="0" destOrd="0" parTransId="{3157942B-C9AF-43B3-A902-CC1F7B2C08D1}" sibTransId="{CA03E501-7DB1-4C6F-A5A8-F18B99C23828}"/>
-    <dgm:cxn modelId="{2FA52CC9-5A31-445E-8633-B6BF3B2F7937}" type="presOf" srcId="{31685B8C-348E-4E32-B129-B694B64E6C2F}" destId="{7C761D7A-C141-4D53-8CE2-B5A549718AF5}" srcOrd="0" destOrd="0" presId="urn:microsoft.com/office/officeart/2008/layout/LinedList"/>
-    <dgm:cxn modelId="{CE7515D9-C3EF-4919-B2F4-066E2E504FCF}" type="presOf" srcId="{B23F8D17-4FB3-4793-B901-B83C3DFF87E2}" destId="{FF7C4291-E62B-4010-A842-146F6E9086E5}" srcOrd="0" destOrd="0" presId="urn:microsoft.com/office/officeart/2008/layout/LinedList"/>
     <dgm:cxn modelId="{436DB9B4-E7D7-4BDE-9115-D9A5CF29B707}" type="presParOf" srcId="{226907AE-FED1-45B1-838E-9458E78D8F23}" destId="{6D3C3473-B9B3-4244-B5CE-6C738D6B2E14}" srcOrd="0" destOrd="0" presId="urn:microsoft.com/office/officeart/2008/layout/LinedList"/>
     <dgm:cxn modelId="{DB1DF711-E766-4676-B6FE-5A0E1E2D2AC5}" type="presParOf" srcId="{226907AE-FED1-45B1-838E-9458E78D8F23}" destId="{FF70D413-16D4-4CCC-B322-9D6291E28212}" srcOrd="1" destOrd="0" presId="urn:microsoft.com/office/officeart/2008/layout/LinedList"/>
     <dgm:cxn modelId="{AFD9438E-A645-4DCD-8F04-21762850FFD4}" type="presParOf" srcId="{FF70D413-16D4-4CCC-B322-9D6291E28212}" destId="{DD0E30A4-B61A-464C-94E0-3A38E2012027}" srcOrd="0" destOrd="0" presId="urn:microsoft.com/office/officeart/2008/layout/LinedList"/>
@@ -2043,6 +2077,13 @@
         </dgm:presLayoutVars>
       </dgm:prSet>
       <dgm:spPr/>
+      <dgm:t>
+        <a:bodyPr/>
+        <a:lstStyle/>
+        <a:p>
+          <a:endParaRPr lang="en-US"/>
+        </a:p>
+      </dgm:t>
     </dgm:pt>
     <dgm:pt modelId="{CABC4517-A123-40FF-8988-31831E1D125A}" type="pres">
       <dgm:prSet presAssocID="{4AA6D40E-F487-45BD-B27B-2B2C89B2C35E}" presName="thickLine" presStyleLbl="alignNode1" presStyleIdx="0" presStyleCnt="4"/>
@@ -2055,6 +2096,13 @@
     <dgm:pt modelId="{C56B4DD2-91A9-4C67-8652-FA5E56D34483}" type="pres">
       <dgm:prSet presAssocID="{4AA6D40E-F487-45BD-B27B-2B2C89B2C35E}" presName="tx1" presStyleLbl="revTx" presStyleIdx="0" presStyleCnt="4"/>
       <dgm:spPr/>
+      <dgm:t>
+        <a:bodyPr/>
+        <a:lstStyle/>
+        <a:p>
+          <a:endParaRPr lang="en-US"/>
+        </a:p>
+      </dgm:t>
     </dgm:pt>
     <dgm:pt modelId="{91708F97-8227-4270-870A-AAE29BFCD4B3}" type="pres">
       <dgm:prSet presAssocID="{4AA6D40E-F487-45BD-B27B-2B2C89B2C35E}" presName="vert1" presStyleCnt="0"/>
@@ -2071,6 +2119,13 @@
     <dgm:pt modelId="{9B0E2301-EB2F-407E-98A4-BBEC83499490}" type="pres">
       <dgm:prSet presAssocID="{65EA3158-A2DC-472F-B7CC-764C23D98704}" presName="tx1" presStyleLbl="revTx" presStyleIdx="1" presStyleCnt="4"/>
       <dgm:spPr/>
+      <dgm:t>
+        <a:bodyPr/>
+        <a:lstStyle/>
+        <a:p>
+          <a:endParaRPr lang="en-US"/>
+        </a:p>
+      </dgm:t>
     </dgm:pt>
     <dgm:pt modelId="{CFF570BD-99B7-4C6A-A77A-C78B9755EBF7}" type="pres">
       <dgm:prSet presAssocID="{65EA3158-A2DC-472F-B7CC-764C23D98704}" presName="vert1" presStyleCnt="0"/>
@@ -2087,6 +2142,13 @@
     <dgm:pt modelId="{8754B32D-3B5B-47A6-8FB9-7717690FEA8E}" type="pres">
       <dgm:prSet presAssocID="{B3E5611F-B20A-44B8-91E7-76BD91EA5E4D}" presName="tx1" presStyleLbl="revTx" presStyleIdx="2" presStyleCnt="4"/>
       <dgm:spPr/>
+      <dgm:t>
+        <a:bodyPr/>
+        <a:lstStyle/>
+        <a:p>
+          <a:endParaRPr lang="en-US"/>
+        </a:p>
+      </dgm:t>
     </dgm:pt>
     <dgm:pt modelId="{12618BCA-1AD5-4C69-A248-A516A40B7E15}" type="pres">
       <dgm:prSet presAssocID="{B3E5611F-B20A-44B8-91E7-76BD91EA5E4D}" presName="vert1" presStyleCnt="0"/>
@@ -2103,6 +2165,13 @@
     <dgm:pt modelId="{C02BD1A2-C468-47C8-9969-3D1DF60D93BF}" type="pres">
       <dgm:prSet presAssocID="{4EE67F43-68B9-46A6-ADF1-D4CDB3179A1D}" presName="tx1" presStyleLbl="revTx" presStyleIdx="3" presStyleCnt="4"/>
       <dgm:spPr/>
+      <dgm:t>
+        <a:bodyPr/>
+        <a:lstStyle/>
+        <a:p>
+          <a:endParaRPr lang="en-US"/>
+        </a:p>
+      </dgm:t>
     </dgm:pt>
     <dgm:pt modelId="{D6BFC062-ED75-4A1D-A9F1-471A6ED3B1BD}" type="pres">
       <dgm:prSet presAssocID="{4EE67F43-68B9-46A6-ADF1-D4CDB3179A1D}" presName="vert1" presStyleCnt="0"/>
@@ -2110,14 +2179,14 @@
     </dgm:pt>
   </dgm:ptLst>
   <dgm:cxnLst>
-    <dgm:cxn modelId="{FFD7CA1F-6D58-4CAB-9B9E-8C7E6EABD806}" srcId="{23F639B7-815E-4D51-81F3-A1A1147ECF3C}" destId="{4AA6D40E-F487-45BD-B27B-2B2C89B2C35E}" srcOrd="0" destOrd="0" parTransId="{4FAEB62D-6516-4F20-8EB7-1886BDD02A5C}" sibTransId="{1995BCE4-C22A-414F-9A2D-3BDBB405DBCB}"/>
-    <dgm:cxn modelId="{AC420245-25C4-4A05-AFD9-2FAB33737D9E}" type="presOf" srcId="{65EA3158-A2DC-472F-B7CC-764C23D98704}" destId="{9B0E2301-EB2F-407E-98A4-BBEC83499490}" srcOrd="0" destOrd="0" presId="urn:microsoft.com/office/officeart/2008/layout/LinedList"/>
-    <dgm:cxn modelId="{6A47ED4B-EE42-4855-B215-9405324E3F5B}" type="presOf" srcId="{23F639B7-815E-4D51-81F3-A1A1147ECF3C}" destId="{613006BF-FEC5-4C63-A7DB-D8D9A1B91BD3}" srcOrd="0" destOrd="0" presId="urn:microsoft.com/office/officeart/2008/layout/LinedList"/>
-    <dgm:cxn modelId="{6A3B514D-8CDD-4CA7-86A2-607B50991C2F}" srcId="{23F639B7-815E-4D51-81F3-A1A1147ECF3C}" destId="{4EE67F43-68B9-46A6-ADF1-D4CDB3179A1D}" srcOrd="3" destOrd="0" parTransId="{F897C61D-AAD1-4CED-B07B-47FC5FE85AC1}" sibTransId="{44BE83D5-1086-41C3-BC7C-4B651E2B3FCF}"/>
-    <dgm:cxn modelId="{4EA54B92-9F61-4769-99F1-15439B48521F}" type="presOf" srcId="{B3E5611F-B20A-44B8-91E7-76BD91EA5E4D}" destId="{8754B32D-3B5B-47A6-8FB9-7717690FEA8E}" srcOrd="0" destOrd="0" presId="urn:microsoft.com/office/officeart/2008/layout/LinedList"/>
     <dgm:cxn modelId="{75C2C1A8-245E-4DF3-A082-F07A6AC3517F}" type="presOf" srcId="{4EE67F43-68B9-46A6-ADF1-D4CDB3179A1D}" destId="{C02BD1A2-C468-47C8-9969-3D1DF60D93BF}" srcOrd="0" destOrd="0" presId="urn:microsoft.com/office/officeart/2008/layout/LinedList"/>
     <dgm:cxn modelId="{750008BD-297F-439E-A5D4-EC38C9DE08B6}" type="presOf" srcId="{4AA6D40E-F487-45BD-B27B-2B2C89B2C35E}" destId="{C56B4DD2-91A9-4C67-8652-FA5E56D34483}" srcOrd="0" destOrd="0" presId="urn:microsoft.com/office/officeart/2008/layout/LinedList"/>
+    <dgm:cxn modelId="{6A47ED4B-EE42-4855-B215-9405324E3F5B}" type="presOf" srcId="{23F639B7-815E-4D51-81F3-A1A1147ECF3C}" destId="{613006BF-FEC5-4C63-A7DB-D8D9A1B91BD3}" srcOrd="0" destOrd="0" presId="urn:microsoft.com/office/officeart/2008/layout/LinedList"/>
+    <dgm:cxn modelId="{AC420245-25C4-4A05-AFD9-2FAB33737D9E}" type="presOf" srcId="{65EA3158-A2DC-472F-B7CC-764C23D98704}" destId="{9B0E2301-EB2F-407E-98A4-BBEC83499490}" srcOrd="0" destOrd="0" presId="urn:microsoft.com/office/officeart/2008/layout/LinedList"/>
     <dgm:cxn modelId="{90BC1ADE-12D1-4767-9226-23908D81C481}" srcId="{23F639B7-815E-4D51-81F3-A1A1147ECF3C}" destId="{B3E5611F-B20A-44B8-91E7-76BD91EA5E4D}" srcOrd="2" destOrd="0" parTransId="{ED472AC1-0E8B-4D17-961F-A34A40F48FF2}" sibTransId="{C8C67AB9-B03E-49F9-AF08-F8F3D036C2B4}"/>
+    <dgm:cxn modelId="{4EA54B92-9F61-4769-99F1-15439B48521F}" type="presOf" srcId="{B3E5611F-B20A-44B8-91E7-76BD91EA5E4D}" destId="{8754B32D-3B5B-47A6-8FB9-7717690FEA8E}" srcOrd="0" destOrd="0" presId="urn:microsoft.com/office/officeart/2008/layout/LinedList"/>
+    <dgm:cxn modelId="{6A3B514D-8CDD-4CA7-86A2-607B50991C2F}" srcId="{23F639B7-815E-4D51-81F3-A1A1147ECF3C}" destId="{4EE67F43-68B9-46A6-ADF1-D4CDB3179A1D}" srcOrd="3" destOrd="0" parTransId="{F897C61D-AAD1-4CED-B07B-47FC5FE85AC1}" sibTransId="{44BE83D5-1086-41C3-BC7C-4B651E2B3FCF}"/>
+    <dgm:cxn modelId="{FFD7CA1F-6D58-4CAB-9B9E-8C7E6EABD806}" srcId="{23F639B7-815E-4D51-81F3-A1A1147ECF3C}" destId="{4AA6D40E-F487-45BD-B27B-2B2C89B2C35E}" srcOrd="0" destOrd="0" parTransId="{4FAEB62D-6516-4F20-8EB7-1886BDD02A5C}" sibTransId="{1995BCE4-C22A-414F-9A2D-3BDBB405DBCB}"/>
     <dgm:cxn modelId="{79A6BFFC-C450-4616-BD35-F7B6C0AC109B}" srcId="{23F639B7-815E-4D51-81F3-A1A1147ECF3C}" destId="{65EA3158-A2DC-472F-B7CC-764C23D98704}" srcOrd="1" destOrd="0" parTransId="{B29FA054-E74A-4B18-8365-761FA82AF126}" sibTransId="{0C5202B0-136A-4CA7-8F14-4D38146D181A}"/>
     <dgm:cxn modelId="{41A9CD1F-7642-4C2B-A7B1-9FCA6366CAC3}" type="presParOf" srcId="{613006BF-FEC5-4C63-A7DB-D8D9A1B91BD3}" destId="{CABC4517-A123-40FF-8988-31831E1D125A}" srcOrd="0" destOrd="0" presId="urn:microsoft.com/office/officeart/2008/layout/LinedList"/>
     <dgm:cxn modelId="{DB987C23-3698-44E9-A895-6FEF97BA882F}" type="presParOf" srcId="{613006BF-FEC5-4C63-A7DB-D8D9A1B91BD3}" destId="{04E9CAFF-C097-40BE-B0FD-96B1C76D3E39}" srcOrd="1" destOrd="0" presId="urn:microsoft.com/office/officeart/2008/layout/LinedList"/>
@@ -2241,7 +2310,7 @@
         </a:bodyPr>
         <a:lstStyle/>
         <a:p>
-          <a:pPr marL="0" lvl="0" indent="0" algn="l" defTabSz="1022350">
+          <a:pPr lvl="0" algn="l" defTabSz="1022350">
             <a:lnSpc>
               <a:spcPct val="90000"/>
             </a:lnSpc>
@@ -2251,7 +2320,6 @@
             <a:spcAft>
               <a:spcPct val="35000"/>
             </a:spcAft>
-            <a:buNone/>
           </a:pPr>
           <a:r>
             <a:rPr lang="en-US" sz="2300" kern="1200" dirty="0"/>
@@ -2351,7 +2419,7 @@
         </a:bodyPr>
         <a:lstStyle/>
         <a:p>
-          <a:pPr marL="0" lvl="0" indent="0" algn="l" defTabSz="1022350" rtl="0">
+          <a:pPr lvl="0" algn="l" defTabSz="1022350" rtl="0">
             <a:lnSpc>
               <a:spcPct val="90000"/>
             </a:lnSpc>
@@ -2361,7 +2429,6 @@
             <a:spcAft>
               <a:spcPct val="35000"/>
             </a:spcAft>
-            <a:buNone/>
           </a:pPr>
           <a:r>
             <a:rPr lang="en-US" sz="2300" kern="1200" dirty="0"/>
@@ -2492,7 +2559,7 @@
         </a:bodyPr>
         <a:lstStyle/>
         <a:p>
-          <a:pPr marL="0" lvl="0" indent="0" algn="l" defTabSz="1022350">
+          <a:pPr lvl="0" algn="l" defTabSz="1022350">
             <a:lnSpc>
               <a:spcPct val="90000"/>
             </a:lnSpc>
@@ -2502,7 +2569,6 @@
             <a:spcAft>
               <a:spcPct val="35000"/>
             </a:spcAft>
-            <a:buNone/>
           </a:pPr>
           <a:r>
             <a:rPr lang="en-US" sz="2300" kern="1200" dirty="0"/>
@@ -2614,7 +2680,7 @@
         </a:bodyPr>
         <a:lstStyle/>
         <a:p>
-          <a:pPr marL="0" lvl="0" indent="0" algn="l" defTabSz="933450">
+          <a:pPr lvl="0" algn="l" defTabSz="933450">
             <a:lnSpc>
               <a:spcPct val="90000"/>
             </a:lnSpc>
@@ -2624,7 +2690,6 @@
             <a:spcAft>
               <a:spcPct val="35000"/>
             </a:spcAft>
-            <a:buNone/>
           </a:pPr>
           <a:r>
             <a:rPr lang="en-US" sz="2100" kern="1200"/>
@@ -2724,7 +2789,7 @@
         </a:bodyPr>
         <a:lstStyle/>
         <a:p>
-          <a:pPr marL="0" lvl="0" indent="0" algn="l" defTabSz="933450">
+          <a:pPr lvl="0" algn="l" defTabSz="933450">
             <a:lnSpc>
               <a:spcPct val="90000"/>
             </a:lnSpc>
@@ -2734,7 +2799,6 @@
             <a:spcAft>
               <a:spcPct val="35000"/>
             </a:spcAft>
-            <a:buNone/>
           </a:pPr>
           <a:r>
             <a:rPr lang="en-US" sz="2100" kern="1200"/>
@@ -2834,7 +2898,7 @@
         </a:bodyPr>
         <a:lstStyle/>
         <a:p>
-          <a:pPr marL="0" lvl="0" indent="0" algn="l" defTabSz="933450">
+          <a:pPr lvl="0" algn="l" defTabSz="933450">
             <a:lnSpc>
               <a:spcPct val="90000"/>
             </a:lnSpc>
@@ -2844,7 +2908,6 @@
             <a:spcAft>
               <a:spcPct val="35000"/>
             </a:spcAft>
-            <a:buNone/>
           </a:pPr>
           <a:r>
             <a:rPr lang="en-US" sz="2100" kern="1200"/>
@@ -2944,7 +3007,7 @@
         </a:bodyPr>
         <a:lstStyle/>
         <a:p>
-          <a:pPr marL="0" lvl="0" indent="0" algn="l" defTabSz="933450">
+          <a:pPr lvl="0" algn="l" defTabSz="933450">
             <a:lnSpc>
               <a:spcPct val="90000"/>
             </a:lnSpc>
@@ -2954,7 +3017,6 @@
             <a:spcAft>
               <a:spcPct val="35000"/>
             </a:spcAft>
-            <a:buNone/>
           </a:pPr>
           <a:r>
             <a:rPr lang="en-US" sz="2100" kern="1200"/>
@@ -6230,7 +6292,7 @@
           <a:p>
             <a:fld id="{846CE7D5-CF57-46EF-B807-FDD0502418D4}" type="datetimeFigureOut">
               <a:rPr lang="en-US" smtClean="0"/>
-              <a:t>10/19/21</a:t>
+              <a:t>10/21/21</a:t>
             </a:fld>
             <a:endParaRPr lang="en-US"/>
           </a:p>
@@ -6400,7 +6462,7 @@
           <a:p>
             <a:fld id="{846CE7D5-CF57-46EF-B807-FDD0502418D4}" type="datetimeFigureOut">
               <a:rPr lang="en-US" smtClean="0"/>
-              <a:t>10/19/21</a:t>
+              <a:t>10/21/21</a:t>
             </a:fld>
             <a:endParaRPr lang="en-US"/>
           </a:p>
@@ -6580,7 +6642,7 @@
           <a:p>
             <a:fld id="{846CE7D5-CF57-46EF-B807-FDD0502418D4}" type="datetimeFigureOut">
               <a:rPr lang="en-US" smtClean="0"/>
-              <a:t>10/19/21</a:t>
+              <a:t>10/21/21</a:t>
             </a:fld>
             <a:endParaRPr lang="en-US"/>
           </a:p>
@@ -6750,7 +6812,7 @@
           <a:p>
             <a:fld id="{846CE7D5-CF57-46EF-B807-FDD0502418D4}" type="datetimeFigureOut">
               <a:rPr lang="en-US" smtClean="0"/>
-              <a:t>10/19/21</a:t>
+              <a:t>10/21/21</a:t>
             </a:fld>
             <a:endParaRPr lang="en-US"/>
           </a:p>
@@ -6996,7 +7058,7 @@
           <a:p>
             <a:fld id="{846CE7D5-CF57-46EF-B807-FDD0502418D4}" type="datetimeFigureOut">
               <a:rPr lang="en-US" smtClean="0"/>
-              <a:t>10/19/21</a:t>
+              <a:t>10/21/21</a:t>
             </a:fld>
             <a:endParaRPr lang="en-US"/>
           </a:p>
@@ -7228,7 +7290,7 @@
           <a:p>
             <a:fld id="{846CE7D5-CF57-46EF-B807-FDD0502418D4}" type="datetimeFigureOut">
               <a:rPr lang="en-US" smtClean="0"/>
-              <a:t>10/19/21</a:t>
+              <a:t>10/21/21</a:t>
             </a:fld>
             <a:endParaRPr lang="en-US"/>
           </a:p>
@@ -7595,7 +7657,7 @@
           <a:p>
             <a:fld id="{846CE7D5-CF57-46EF-B807-FDD0502418D4}" type="datetimeFigureOut">
               <a:rPr lang="en-US" smtClean="0"/>
-              <a:t>10/19/21</a:t>
+              <a:t>10/21/21</a:t>
             </a:fld>
             <a:endParaRPr lang="en-US"/>
           </a:p>
@@ -7713,7 +7775,7 @@
           <a:p>
             <a:fld id="{846CE7D5-CF57-46EF-B807-FDD0502418D4}" type="datetimeFigureOut">
               <a:rPr lang="en-US" smtClean="0"/>
-              <a:t>10/19/21</a:t>
+              <a:t>10/21/21</a:t>
             </a:fld>
             <a:endParaRPr lang="en-US"/>
           </a:p>
@@ -7808,7 +7870,7 @@
           <a:p>
             <a:fld id="{846CE7D5-CF57-46EF-B807-FDD0502418D4}" type="datetimeFigureOut">
               <a:rPr lang="en-US" smtClean="0"/>
-              <a:t>10/19/21</a:t>
+              <a:t>10/21/21</a:t>
             </a:fld>
             <a:endParaRPr lang="en-US"/>
           </a:p>
@@ -8085,7 +8147,7 @@
           <a:p>
             <a:fld id="{846CE7D5-CF57-46EF-B807-FDD0502418D4}" type="datetimeFigureOut">
               <a:rPr lang="en-US" smtClean="0"/>
-              <a:t>10/19/21</a:t>
+              <a:t>10/21/21</a:t>
             </a:fld>
             <a:endParaRPr lang="en-US"/>
           </a:p>
@@ -8342,7 +8404,7 @@
           <a:p>
             <a:fld id="{846CE7D5-CF57-46EF-B807-FDD0502418D4}" type="datetimeFigureOut">
               <a:rPr lang="en-US" smtClean="0"/>
-              <a:t>10/19/21</a:t>
+              <a:t>10/21/21</a:t>
             </a:fld>
             <a:endParaRPr lang="en-US"/>
           </a:p>
@@ -8555,7 +8617,7 @@
           <a:p>
             <a:fld id="{846CE7D5-CF57-46EF-B807-FDD0502418D4}" type="datetimeFigureOut">
               <a:rPr lang="en-US" smtClean="0"/>
-              <a:t>10/19/21</a:t>
+              <a:t>10/21/21</a:t>
             </a:fld>
             <a:endParaRPr lang="en-US"/>
           </a:p>
@@ -8965,7 +9027,7 @@
           <p:cNvPr id="4" name="TextBox 3">
             <a:extLst>
               <a:ext uri="{FF2B5EF4-FFF2-40B4-BE49-F238E27FC236}">
-                <a16:creationId xmlns:a16="http://schemas.microsoft.com/office/drawing/2014/main" id="{B4B37524-4155-4EFE-9C06-C7BE0B5C271B}"/>
+                <a16:creationId xmlns:a16="http://schemas.microsoft.com/office/drawing/2014/main" xmlns="" id="{B4B37524-4155-4EFE-9C06-C7BE0B5C271B}"/>
               </a:ext>
             </a:extLst>
           </p:cNvPr>
@@ -8975,7 +9037,7 @@
         <p:spPr>
           <a:xfrm>
             <a:off x="1335206" y="1665027"/>
-            <a:ext cx="9078034" cy="4308872"/>
+            <a:ext cx="9078034" cy="5539978"/>
           </a:xfrm>
           <a:prstGeom prst="rect">
             <a:avLst/>
@@ -8993,10 +9055,25 @@
           <a:p>
             <a:pPr algn="ctr"/>
             <a:r>
+              <a:rPr lang="en-US" sz="4000" b="1" dirty="0" smtClean="0">
+                <a:latin typeface="Walbaum Display"/>
+              </a:rPr>
+              <a:t>Introduction to</a:t>
+            </a:r>
+          </a:p>
+          <a:p>
+            <a:pPr algn="ctr"/>
+            <a:r>
+              <a:rPr lang="en-US" sz="4000" b="1" dirty="0" smtClean="0">
+                <a:latin typeface="Walbaum Display"/>
+              </a:rPr>
+              <a:t>“(</a:t>
+            </a:r>
+            <a:r>
               <a:rPr lang="en-US" sz="4000" b="1" dirty="0">
                 <a:latin typeface="Walbaum Display"/>
               </a:rPr>
-              <a:t>(Re-)Imag(in)</a:t>
+              <a:t>Re-)Imag(in)</a:t>
             </a:r>
             <a:r>
               <a:rPr lang="en-US" sz="4000" b="1" dirty="0" err="1">
@@ -9008,7 +9085,19 @@
               <a:rPr lang="en-US" sz="4000" b="1" dirty="0">
                 <a:latin typeface="Walbaum Display"/>
               </a:rPr>
-              <a:t> Price Trends </a:t>
+              <a:t> Price </a:t>
+            </a:r>
+            <a:r>
+              <a:rPr lang="en-US" sz="4000" b="1" dirty="0" smtClean="0">
+                <a:latin typeface="Walbaum Display"/>
+              </a:rPr>
+              <a:t>Trends”</a:t>
+            </a:r>
+            <a:r>
+              <a:rPr lang="en-US" sz="4000" b="1" dirty="0">
+                <a:latin typeface="Walbaum Display"/>
+              </a:rPr>
+              <a:t> </a:t>
             </a:r>
           </a:p>
           <a:p>
@@ -9020,10 +9109,37 @@
           <a:p>
             <a:pPr algn="ctr"/>
             <a:r>
+              <a:rPr lang="en-US" sz="2000" dirty="0" smtClean="0">
+                <a:latin typeface="TimesNewRomanPSMT"/>
+              </a:rPr>
+              <a:t>By</a:t>
+            </a:r>
+          </a:p>
+          <a:p>
+            <a:pPr algn="ctr"/>
+            <a:endParaRPr lang="en-US" sz="2000" dirty="0" smtClean="0">
+              <a:latin typeface="TimesNewRomanPSMT"/>
+            </a:endParaRPr>
+          </a:p>
+          <a:p>
+            <a:pPr algn="ctr"/>
+            <a:r>
+              <a:rPr lang="en-US" sz="2000" dirty="0" err="1" smtClean="0">
+                <a:latin typeface="TimesNewRomanPSMT"/>
+              </a:rPr>
+              <a:t>Jingwen</a:t>
+            </a:r>
+            <a:r>
+              <a:rPr lang="en-US" sz="2000" dirty="0" smtClean="0">
+                <a:latin typeface="TimesNewRomanPSMT"/>
+              </a:rPr>
+              <a:t> </a:t>
+            </a:r>
+            <a:r>
               <a:rPr lang="en-US" sz="2000" dirty="0">
                 <a:latin typeface="TimesNewRomanPSMT"/>
               </a:rPr>
-              <a:t>Jingwen Jiang </a:t>
+              <a:t>Jiang </a:t>
             </a:r>
           </a:p>
           <a:p>
@@ -9034,7 +9150,7 @@
               </a:rPr>
               <a:t>University of Chicago </a:t>
             </a:r>
-            <a:endParaRPr lang="en-US" sz="1600">
+            <a:endParaRPr lang="en-US" sz="1600" dirty="0">
               <a:cs typeface="Calibri"/>
             </a:endParaRPr>
           </a:p>
@@ -9098,15 +9214,15 @@
           </a:p>
           <a:p>
             <a:pPr algn="ctr"/>
-            <a:endParaRPr lang="en-US"/>
+            <a:endParaRPr lang="en-US" dirty="0"/>
           </a:p>
           <a:p>
             <a:pPr algn="ctr"/>
-            <a:endParaRPr lang="en-US"/>
+            <a:endParaRPr lang="en-US" dirty="0"/>
           </a:p>
           <a:p>
             <a:pPr algn="ctr"/>
-            <a:endParaRPr lang="en-US"/>
+            <a:endParaRPr lang="en-US" dirty="0"/>
           </a:p>
         </p:txBody>
       </p:sp>
@@ -9145,7 +9261,7 @@
           <p:cNvPr id="2" name="Title 1">
             <a:extLst>
               <a:ext uri="{FF2B5EF4-FFF2-40B4-BE49-F238E27FC236}">
-                <a16:creationId xmlns:a16="http://schemas.microsoft.com/office/drawing/2014/main" id="{96E7475A-A36E-4DE7-AF4C-22507CB0229A}"/>
+                <a16:creationId xmlns:a16="http://schemas.microsoft.com/office/drawing/2014/main" xmlns="" id="{96E7475A-A36E-4DE7-AF4C-22507CB0229A}"/>
               </a:ext>
             </a:extLst>
           </p:cNvPr>
@@ -9176,7 +9292,7 @@
           <p:cNvPr id="3" name="Content Placeholder 2">
             <a:extLst>
               <a:ext uri="{FF2B5EF4-FFF2-40B4-BE49-F238E27FC236}">
-                <a16:creationId xmlns:a16="http://schemas.microsoft.com/office/drawing/2014/main" id="{3455FD44-D2E5-4709-9947-D82F74C0CDED}"/>
+                <a16:creationId xmlns:a16="http://schemas.microsoft.com/office/drawing/2014/main" xmlns="" id="{3455FD44-D2E5-4709-9947-D82F74C0CDED}"/>
               </a:ext>
             </a:extLst>
           </p:cNvPr>
@@ -9415,7 +9531,7 @@
           <p:cNvPr id="3" name="Content Placeholder 2">
             <a:extLst>
               <a:ext uri="{FF2B5EF4-FFF2-40B4-BE49-F238E27FC236}">
-                <a16:creationId xmlns:a16="http://schemas.microsoft.com/office/drawing/2014/main" id="{3455FD44-D2E5-4709-9947-D82F74C0CDED}"/>
+                <a16:creationId xmlns:a16="http://schemas.microsoft.com/office/drawing/2014/main" xmlns="" id="{3455FD44-D2E5-4709-9947-D82F74C0CDED}"/>
               </a:ext>
             </a:extLst>
           </p:cNvPr>
@@ -9525,7 +9641,7 @@
           <p:cNvPr id="5" name="Picture 5">
             <a:extLst>
               <a:ext uri="{FF2B5EF4-FFF2-40B4-BE49-F238E27FC236}">
-                <a16:creationId xmlns:a16="http://schemas.microsoft.com/office/drawing/2014/main" id="{F3116A2E-A776-4C5B-813E-13F939B2A157}"/>
+                <a16:creationId xmlns:a16="http://schemas.microsoft.com/office/drawing/2014/main" xmlns="" id="{F3116A2E-A776-4C5B-813E-13F939B2A157}"/>
               </a:ext>
             </a:extLst>
           </p:cNvPr>
@@ -9554,7 +9670,7 @@
           <p:cNvPr id="6" name="Picture 6">
             <a:extLst>
               <a:ext uri="{FF2B5EF4-FFF2-40B4-BE49-F238E27FC236}">
-                <a16:creationId xmlns:a16="http://schemas.microsoft.com/office/drawing/2014/main" id="{2A79BE47-D85A-4D45-9A23-FB90FDE7B58F}"/>
+                <a16:creationId xmlns:a16="http://schemas.microsoft.com/office/drawing/2014/main" xmlns="" id="{2A79BE47-D85A-4D45-9A23-FB90FDE7B58F}"/>
               </a:ext>
             </a:extLst>
           </p:cNvPr>
@@ -9614,7 +9730,7 @@
           <p:cNvPr id="5" name="Content Placeholder 2">
             <a:extLst>
               <a:ext uri="{FF2B5EF4-FFF2-40B4-BE49-F238E27FC236}">
-                <a16:creationId xmlns:a16="http://schemas.microsoft.com/office/drawing/2014/main" id="{C022AC80-C92F-4C40-898A-3E3C8B5C9596}"/>
+                <a16:creationId xmlns:a16="http://schemas.microsoft.com/office/drawing/2014/main" xmlns="" id="{C022AC80-C92F-4C40-898A-3E3C8B5C9596}"/>
               </a:ext>
             </a:extLst>
           </p:cNvPr>
@@ -9730,7 +9846,7 @@
           <p:cNvPr id="2" name="Title 1">
             <a:extLst>
               <a:ext uri="{FF2B5EF4-FFF2-40B4-BE49-F238E27FC236}">
-                <a16:creationId xmlns:a16="http://schemas.microsoft.com/office/drawing/2014/main" id="{0329E8C4-65C1-4164-8210-62BCEBEF966A}"/>
+                <a16:creationId xmlns:a16="http://schemas.microsoft.com/office/drawing/2014/main" xmlns="" id="{0329E8C4-65C1-4164-8210-62BCEBEF966A}"/>
               </a:ext>
             </a:extLst>
           </p:cNvPr>
@@ -9761,7 +9877,7 @@
           <p:cNvPr id="3" name="Content Placeholder 2">
             <a:extLst>
               <a:ext uri="{FF2B5EF4-FFF2-40B4-BE49-F238E27FC236}">
-                <a16:creationId xmlns:a16="http://schemas.microsoft.com/office/drawing/2014/main" id="{A0990EC5-389E-4D20-AD34-86780E6034AB}"/>
+                <a16:creationId xmlns:a16="http://schemas.microsoft.com/office/drawing/2014/main" xmlns="" id="{A0990EC5-389E-4D20-AD34-86780E6034AB}"/>
               </a:ext>
             </a:extLst>
           </p:cNvPr>
@@ -9813,7 +9929,7 @@
           <p:cNvPr id="4" name="Picture 4" descr="Table&#10;&#10;Description automatically generated">
             <a:extLst>
               <a:ext uri="{FF2B5EF4-FFF2-40B4-BE49-F238E27FC236}">
-                <a16:creationId xmlns:a16="http://schemas.microsoft.com/office/drawing/2014/main" id="{12D47583-42A1-49E1-9E8C-F2E2BF4385CE}"/>
+                <a16:creationId xmlns:a16="http://schemas.microsoft.com/office/drawing/2014/main" xmlns="" id="{12D47583-42A1-49E1-9E8C-F2E2BF4385CE}"/>
               </a:ext>
             </a:extLst>
           </p:cNvPr>
@@ -9873,7 +9989,7 @@
           <p:cNvPr id="4" name="Content Placeholder 2">
             <a:extLst>
               <a:ext uri="{FF2B5EF4-FFF2-40B4-BE49-F238E27FC236}">
-                <a16:creationId xmlns:a16="http://schemas.microsoft.com/office/drawing/2014/main" id="{88DE40A5-0772-44ED-832E-611EFB9ABBDC}"/>
+                <a16:creationId xmlns:a16="http://schemas.microsoft.com/office/drawing/2014/main" xmlns="" id="{88DE40A5-0772-44ED-832E-611EFB9ABBDC}"/>
               </a:ext>
             </a:extLst>
           </p:cNvPr>
@@ -9939,7 +10055,7 @@
           <p:cNvPr id="5" name="Picture 5" descr="Diagram, table&#10;&#10;Description automatically generated">
             <a:extLst>
               <a:ext uri="{FF2B5EF4-FFF2-40B4-BE49-F238E27FC236}">
-                <a16:creationId xmlns:a16="http://schemas.microsoft.com/office/drawing/2014/main" id="{4F2D4AEC-2DEC-4E4E-9696-DED7088874B8}"/>
+                <a16:creationId xmlns:a16="http://schemas.microsoft.com/office/drawing/2014/main" xmlns="" id="{4F2D4AEC-2DEC-4E4E-9696-DED7088874B8}"/>
               </a:ext>
             </a:extLst>
           </p:cNvPr>
@@ -9999,7 +10115,7 @@
           <p:cNvPr id="3" name="Content Placeholder 2">
             <a:extLst>
               <a:ext uri="{FF2B5EF4-FFF2-40B4-BE49-F238E27FC236}">
-                <a16:creationId xmlns:a16="http://schemas.microsoft.com/office/drawing/2014/main" id="{F685CD13-4BA5-4DA7-9130-1C7AF079D3AA}"/>
+                <a16:creationId xmlns:a16="http://schemas.microsoft.com/office/drawing/2014/main" xmlns="" id="{F685CD13-4BA5-4DA7-9130-1C7AF079D3AA}"/>
               </a:ext>
             </a:extLst>
           </p:cNvPr>
@@ -10066,6 +10182,2408 @@
     <p:extLst>
       <p:ext uri="{BB962C8B-B14F-4D97-AF65-F5344CB8AC3E}">
         <p14:creationId xmlns:p14="http://schemas.microsoft.com/office/powerpoint/2010/main" val="4263907173"/>
+      </p:ext>
+    </p:extLst>
+  </p:cSld>
+  <p:clrMapOvr>
+    <a:masterClrMapping/>
+  </p:clrMapOvr>
+</p:sld>
+</file>
+
+<file path=ppt/slides/slide16.xml><?xml version="1.0" encoding="utf-8"?>
+<p:sld xmlns:a="http://schemas.openxmlformats.org/drawingml/2006/main" xmlns:r="http://schemas.openxmlformats.org/officeDocument/2006/relationships" xmlns:p="http://schemas.openxmlformats.org/presentationml/2006/main">
+  <p:cSld>
+    <p:spTree>
+      <p:nvGrpSpPr>
+        <p:cNvPr id="1" name=""/>
+        <p:cNvGrpSpPr/>
+        <p:nvPr/>
+      </p:nvGrpSpPr>
+      <p:grpSpPr>
+        <a:xfrm>
+          <a:off x="0" y="0"/>
+          <a:ext cx="0" cy="0"/>
+          <a:chOff x="0" y="0"/>
+          <a:chExt cx="0" cy="0"/>
+        </a:xfrm>
+      </p:grpSpPr>
+      <p:sp>
+        <p:nvSpPr>
+          <p:cNvPr id="4" name="TextBox 3">
+            <a:extLst>
+              <a:ext uri="{FF2B5EF4-FFF2-40B4-BE49-F238E27FC236}">
+                <a16:creationId xmlns="" xmlns:a16="http://schemas.microsoft.com/office/drawing/2014/main" id="{B4B37524-4155-4EFE-9C06-C7BE0B5C271B}"/>
+              </a:ext>
+            </a:extLst>
+          </p:cNvPr>
+          <p:cNvSpPr txBox="1"/>
+          <p:nvPr/>
+        </p:nvSpPr>
+        <p:spPr>
+          <a:xfrm>
+            <a:off x="1287080" y="1263974"/>
+            <a:ext cx="9078034" cy="5847755"/>
+          </a:xfrm>
+          <a:prstGeom prst="rect">
+            <a:avLst/>
+          </a:prstGeom>
+          <a:noFill/>
+        </p:spPr>
+        <p:txBody>
+          <a:bodyPr rot="0" spcFirstLastPara="0" vertOverflow="overflow" horzOverflow="overflow" vert="horz" wrap="square" lIns="91440" tIns="45720" rIns="91440" bIns="45720" numCol="1" spcCol="0" rtlCol="0" fromWordArt="0" anchor="t" anchorCtr="0" forceAA="0" compatLnSpc="1">
+            <a:prstTxWarp prst="textNoShape">
+              <a:avLst/>
+            </a:prstTxWarp>
+            <a:spAutoFit/>
+          </a:bodyPr>
+          <a:lstStyle/>
+          <a:p>
+            <a:pPr algn="ctr"/>
+            <a:r>
+              <a:rPr lang="en-US" altLang="zh-CN" sz="4000" b="1" dirty="0" smtClean="0">
+                <a:latin typeface="Bell MT" panose="02020503060305020303" pitchFamily="18" charset="0"/>
+                <a:ea typeface="STSong" panose="02010600040101010101" pitchFamily="2" charset="-122"/>
+              </a:rPr>
+              <a:t>Introduction to</a:t>
+            </a:r>
+          </a:p>
+          <a:p>
+            <a:pPr algn="ctr"/>
+            <a:r>
+              <a:rPr lang="en-US" altLang="zh-CN" sz="4000" b="1" dirty="0" smtClean="0">
+                <a:latin typeface="Bell MT" panose="02020503060305020303" pitchFamily="18" charset="0"/>
+                <a:ea typeface="STSong" panose="02010600040101010101" pitchFamily="2" charset="-122"/>
+              </a:rPr>
+              <a:t>“Empirical</a:t>
+            </a:r>
+            <a:r>
+              <a:rPr lang="zh-CN" altLang="en-US" sz="4000" b="1" dirty="0" smtClean="0">
+                <a:latin typeface="Bell MT" panose="02020503060305020303" pitchFamily="18" charset="0"/>
+                <a:ea typeface="STSong" panose="02010600040101010101" pitchFamily="2" charset="-122"/>
+              </a:rPr>
+              <a:t> </a:t>
+            </a:r>
+            <a:r>
+              <a:rPr lang="en-US" altLang="zh-CN" sz="4000" b="1" dirty="0">
+                <a:latin typeface="Bell MT" panose="02020503060305020303" pitchFamily="18" charset="0"/>
+                <a:ea typeface="STSong" panose="02010600040101010101" pitchFamily="2" charset="-122"/>
+              </a:rPr>
+              <a:t>Asset</a:t>
+            </a:r>
+            <a:r>
+              <a:rPr lang="zh-CN" altLang="en-US" sz="4000" b="1" dirty="0">
+                <a:latin typeface="Bell MT" panose="02020503060305020303" pitchFamily="18" charset="0"/>
+                <a:ea typeface="STSong" panose="02010600040101010101" pitchFamily="2" charset="-122"/>
+              </a:rPr>
+              <a:t> </a:t>
+            </a:r>
+            <a:r>
+              <a:rPr lang="en-US" altLang="zh-CN" sz="4000" b="1" dirty="0">
+                <a:latin typeface="Bell MT" panose="02020503060305020303" pitchFamily="18" charset="0"/>
+                <a:ea typeface="STSong" panose="02010600040101010101" pitchFamily="2" charset="-122"/>
+              </a:rPr>
+              <a:t>Pricing</a:t>
+            </a:r>
+            <a:r>
+              <a:rPr lang="zh-CN" altLang="en-US" sz="4000" b="1" dirty="0">
+                <a:latin typeface="Bell MT" panose="02020503060305020303" pitchFamily="18" charset="0"/>
+                <a:ea typeface="STSong" panose="02010600040101010101" pitchFamily="2" charset="-122"/>
+              </a:rPr>
+              <a:t> </a:t>
+            </a:r>
+            <a:r>
+              <a:rPr lang="en-US" altLang="zh-CN" sz="4000" b="1" dirty="0">
+                <a:latin typeface="Bell MT" panose="02020503060305020303" pitchFamily="18" charset="0"/>
+                <a:ea typeface="STSong" panose="02010600040101010101" pitchFamily="2" charset="-122"/>
+              </a:rPr>
+              <a:t>via</a:t>
+            </a:r>
+            <a:r>
+              <a:rPr lang="zh-CN" altLang="en-US" sz="4000" b="1" dirty="0">
+                <a:latin typeface="Bell MT" panose="02020503060305020303" pitchFamily="18" charset="0"/>
+                <a:ea typeface="STSong" panose="02010600040101010101" pitchFamily="2" charset="-122"/>
+              </a:rPr>
+              <a:t> </a:t>
+            </a:r>
+            <a:endParaRPr lang="en-US" altLang="zh-CN" sz="4000" b="1" dirty="0">
+              <a:latin typeface="Bell MT" panose="02020503060305020303" pitchFamily="18" charset="0"/>
+              <a:ea typeface="STSong" panose="02010600040101010101" pitchFamily="2" charset="-122"/>
+            </a:endParaRPr>
+          </a:p>
+          <a:p>
+            <a:pPr algn="ctr"/>
+            <a:r>
+              <a:rPr lang="en-US" altLang="zh-CN" sz="4000" b="1" dirty="0">
+                <a:latin typeface="Bell MT" panose="02020503060305020303" pitchFamily="18" charset="0"/>
+                <a:ea typeface="STSong" panose="02010600040101010101" pitchFamily="2" charset="-122"/>
+              </a:rPr>
+              <a:t>Machine</a:t>
+            </a:r>
+            <a:r>
+              <a:rPr lang="zh-CN" altLang="en-US" sz="4000" b="1" dirty="0">
+                <a:latin typeface="Bell MT" panose="02020503060305020303" pitchFamily="18" charset="0"/>
+                <a:ea typeface="STSong" panose="02010600040101010101" pitchFamily="2" charset="-122"/>
+              </a:rPr>
+              <a:t> </a:t>
+            </a:r>
+            <a:r>
+              <a:rPr lang="en-US" altLang="zh-CN" sz="4000" b="1" dirty="0" smtClean="0">
+                <a:latin typeface="Bell MT" panose="02020503060305020303" pitchFamily="18" charset="0"/>
+                <a:ea typeface="STSong" panose="02010600040101010101" pitchFamily="2" charset="-122"/>
+              </a:rPr>
+              <a:t>Learning”</a:t>
+            </a:r>
+            <a:endParaRPr lang="en-US" sz="4000" b="1" dirty="0">
+              <a:latin typeface="Bell MT" panose="02020503060305020303" pitchFamily="18" charset="0"/>
+              <a:ea typeface="STSong" panose="02010600040101010101" pitchFamily="2" charset="-122"/>
+            </a:endParaRPr>
+          </a:p>
+          <a:p>
+            <a:pPr algn="ctr"/>
+            <a:endParaRPr lang="en-US" sz="2000" dirty="0" smtClean="0">
+              <a:latin typeface="TimesNewRomanPSMT"/>
+            </a:endParaRPr>
+          </a:p>
+          <a:p>
+            <a:pPr algn="ctr"/>
+            <a:r>
+              <a:rPr lang="en-US" sz="2000" dirty="0" smtClean="0">
+                <a:latin typeface="TimesNewRomanPSMT"/>
+              </a:rPr>
+              <a:t>By</a:t>
+            </a:r>
+          </a:p>
+          <a:p>
+            <a:pPr algn="ctr"/>
+            <a:endParaRPr lang="en-US" sz="2000" dirty="0">
+              <a:latin typeface="TimesNewRomanPSMT"/>
+            </a:endParaRPr>
+          </a:p>
+          <a:p>
+            <a:pPr algn="ctr"/>
+            <a:r>
+              <a:rPr lang="en-US" altLang="zh-CN" sz="2000" dirty="0" err="1">
+                <a:latin typeface="TimesNewRomanPSMT"/>
+              </a:rPr>
+              <a:t>Shihao</a:t>
+            </a:r>
+            <a:r>
+              <a:rPr lang="zh-CN" altLang="en-US" sz="2000" dirty="0">
+                <a:latin typeface="TimesNewRomanPSMT"/>
+              </a:rPr>
+              <a:t> </a:t>
+            </a:r>
+            <a:r>
+              <a:rPr lang="en-US" altLang="zh-CN" sz="2000" dirty="0">
+                <a:latin typeface="TimesNewRomanPSMT"/>
+              </a:rPr>
+              <a:t>Gu</a:t>
+            </a:r>
+            <a:r>
+              <a:rPr lang="en-US" sz="2000" dirty="0">
+                <a:latin typeface="TimesNewRomanPSMT"/>
+              </a:rPr>
+              <a:t> </a:t>
+            </a:r>
+          </a:p>
+          <a:p>
+            <a:pPr algn="ctr"/>
+            <a:r>
+              <a:rPr lang="en-US" sz="1600" dirty="0">
+                <a:latin typeface="TimesNewRomanPSMT"/>
+              </a:rPr>
+              <a:t>University of Chicago </a:t>
+            </a:r>
+            <a:endParaRPr lang="en-US" sz="1600" dirty="0">
+              <a:cs typeface="Calibri"/>
+            </a:endParaRPr>
+          </a:p>
+          <a:p>
+            <a:pPr algn="ctr"/>
+            <a:endParaRPr lang="en-US" sz="1600" dirty="0">
+              <a:latin typeface="TimesNewRomanPSMT"/>
+            </a:endParaRPr>
+          </a:p>
+          <a:p>
+            <a:pPr algn="ctr"/>
+            <a:r>
+              <a:rPr lang="en-US" sz="2000" dirty="0">
+                <a:latin typeface="TimesNewRomanPSMT"/>
+              </a:rPr>
+              <a:t>Bryan Kelly</a:t>
+            </a:r>
+            <a:br>
+              <a:rPr lang="en-US" sz="2000" dirty="0">
+                <a:latin typeface="TimesNewRomanPSMT"/>
+              </a:rPr>
+            </a:br>
+            <a:r>
+              <a:rPr lang="en-US" sz="1600" dirty="0">
+                <a:latin typeface="TimesNewRomanPSMT"/>
+              </a:rPr>
+              <a:t>Yale University, AQR Capital Management, and NBER </a:t>
+            </a:r>
+          </a:p>
+          <a:p>
+            <a:pPr algn="ctr"/>
+            <a:endParaRPr lang="en-US" sz="1600" dirty="0">
+              <a:latin typeface="TimesNewRomanPSMT"/>
+            </a:endParaRPr>
+          </a:p>
+          <a:p>
+            <a:pPr algn="ctr"/>
+            <a:r>
+              <a:rPr lang="en-US" sz="2000" dirty="0" err="1">
+                <a:latin typeface="TimesNewRomanPSMT"/>
+              </a:rPr>
+              <a:t>Dacheng</a:t>
+            </a:r>
+            <a:r>
+              <a:rPr lang="en-US" sz="2000" dirty="0">
+                <a:latin typeface="TimesNewRomanPSMT"/>
+              </a:rPr>
+              <a:t> Xiu</a:t>
+            </a:r>
+            <a:br>
+              <a:rPr lang="en-US" sz="2000" dirty="0">
+                <a:latin typeface="TimesNewRomanPSMT"/>
+              </a:rPr>
+            </a:br>
+            <a:r>
+              <a:rPr lang="en-US" sz="1600" dirty="0">
+                <a:latin typeface="TimesNewRomanPSMT"/>
+              </a:rPr>
+              <a:t>University of Chicago Booth School of Business </a:t>
+            </a:r>
+          </a:p>
+          <a:p>
+            <a:pPr algn="ctr"/>
+            <a:endParaRPr lang="en-US" dirty="0"/>
+          </a:p>
+          <a:p>
+            <a:pPr algn="ctr"/>
+            <a:endParaRPr lang="en-US" dirty="0"/>
+          </a:p>
+          <a:p>
+            <a:pPr algn="ctr"/>
+            <a:endParaRPr lang="en-US" dirty="0"/>
+          </a:p>
+        </p:txBody>
+      </p:sp>
+    </p:spTree>
+    <p:extLst>
+      <p:ext uri="{BB962C8B-B14F-4D97-AF65-F5344CB8AC3E}">
+        <p14:creationId xmlns:p14="http://schemas.microsoft.com/office/powerpoint/2010/main" val="450864616"/>
+      </p:ext>
+    </p:extLst>
+  </p:cSld>
+  <p:clrMapOvr>
+    <a:masterClrMapping/>
+  </p:clrMapOvr>
+</p:sld>
+</file>
+
+<file path=ppt/slides/slide17.xml><?xml version="1.0" encoding="utf-8"?>
+<p:sld xmlns:a="http://schemas.openxmlformats.org/drawingml/2006/main" xmlns:r="http://schemas.openxmlformats.org/officeDocument/2006/relationships" xmlns:p="http://schemas.openxmlformats.org/presentationml/2006/main">
+  <p:cSld>
+    <p:spTree>
+      <p:nvGrpSpPr>
+        <p:cNvPr id="1" name=""/>
+        <p:cNvGrpSpPr/>
+        <p:nvPr/>
+      </p:nvGrpSpPr>
+      <p:grpSpPr>
+        <a:xfrm>
+          <a:off x="0" y="0"/>
+          <a:ext cx="0" cy="0"/>
+          <a:chOff x="0" y="0"/>
+          <a:chExt cx="0" cy="0"/>
+        </a:xfrm>
+      </p:grpSpPr>
+      <p:sp>
+        <p:nvSpPr>
+          <p:cNvPr id="4" name="标题 3">
+            <a:extLst>
+              <a:ext uri="{FF2B5EF4-FFF2-40B4-BE49-F238E27FC236}">
+                <a16:creationId xmlns="" xmlns:a16="http://schemas.microsoft.com/office/drawing/2014/main" id="{3C6F6CD6-52AA-5744-A29B-3D176D8B5A97}"/>
+              </a:ext>
+            </a:extLst>
+          </p:cNvPr>
+          <p:cNvSpPr>
+            <a:spLocks noGrp="1"/>
+          </p:cNvSpPr>
+          <p:nvPr>
+            <p:ph type="title"/>
+          </p:nvPr>
+        </p:nvSpPr>
+        <p:spPr/>
+        <p:txBody>
+          <a:bodyPr>
+            <a:normAutofit/>
+          </a:bodyPr>
+          <a:lstStyle/>
+          <a:p>
+            <a:r>
+              <a:rPr lang="en-US" altLang="zh-CN" sz="3200" b="1" dirty="0">
+                <a:solidFill>
+                  <a:schemeClr val="accent5">
+                    <a:lumMod val="50000"/>
+                  </a:schemeClr>
+                </a:solidFill>
+                <a:latin typeface="Bell MT" panose="02020503060305020303" pitchFamily="18" charset="0"/>
+              </a:rPr>
+              <a:t>An</a:t>
+            </a:r>
+            <a:r>
+              <a:rPr lang="zh-CN" altLang="en-US" sz="3200" b="1" dirty="0">
+                <a:solidFill>
+                  <a:schemeClr val="accent5">
+                    <a:lumMod val="50000"/>
+                  </a:schemeClr>
+                </a:solidFill>
+                <a:latin typeface="Bell MT" panose="02020503060305020303" pitchFamily="18" charset="0"/>
+              </a:rPr>
+              <a:t> </a:t>
+            </a:r>
+            <a:r>
+              <a:rPr lang="en-US" altLang="zh-CN" sz="3200" b="1" dirty="0">
+                <a:solidFill>
+                  <a:schemeClr val="accent5">
+                    <a:lumMod val="50000"/>
+                  </a:schemeClr>
+                </a:solidFill>
+                <a:latin typeface="Bell MT" panose="02020503060305020303" pitchFamily="18" charset="0"/>
+              </a:rPr>
+              <a:t>Empirical</a:t>
+            </a:r>
+            <a:r>
+              <a:rPr lang="zh-CN" altLang="en-US" sz="3200" b="1" dirty="0">
+                <a:solidFill>
+                  <a:schemeClr val="accent5">
+                    <a:lumMod val="50000"/>
+                  </a:schemeClr>
+                </a:solidFill>
+                <a:latin typeface="Bell MT" panose="02020503060305020303" pitchFamily="18" charset="0"/>
+              </a:rPr>
+              <a:t> </a:t>
+            </a:r>
+            <a:r>
+              <a:rPr lang="en-US" altLang="zh-CN" sz="3200" b="1" dirty="0">
+                <a:solidFill>
+                  <a:schemeClr val="accent5">
+                    <a:lumMod val="50000"/>
+                  </a:schemeClr>
+                </a:solidFill>
+                <a:latin typeface="Bell MT" panose="02020503060305020303" pitchFamily="18" charset="0"/>
+              </a:rPr>
+              <a:t>Study</a:t>
+            </a:r>
+            <a:r>
+              <a:rPr lang="zh-CN" altLang="en-US" sz="3200" b="1" dirty="0">
+                <a:solidFill>
+                  <a:schemeClr val="accent5">
+                    <a:lumMod val="50000"/>
+                  </a:schemeClr>
+                </a:solidFill>
+                <a:latin typeface="Bell MT" panose="02020503060305020303" pitchFamily="18" charset="0"/>
+              </a:rPr>
+              <a:t> </a:t>
+            </a:r>
+            <a:r>
+              <a:rPr lang="en-US" altLang="zh-CN" sz="3200" b="1" dirty="0">
+                <a:solidFill>
+                  <a:schemeClr val="accent5">
+                    <a:lumMod val="50000"/>
+                  </a:schemeClr>
+                </a:solidFill>
+                <a:latin typeface="Bell MT" panose="02020503060305020303" pitchFamily="18" charset="0"/>
+              </a:rPr>
+              <a:t>of</a:t>
+            </a:r>
+            <a:r>
+              <a:rPr lang="zh-CN" altLang="en-US" sz="3200" b="1" dirty="0">
+                <a:solidFill>
+                  <a:schemeClr val="accent5">
+                    <a:lumMod val="50000"/>
+                  </a:schemeClr>
+                </a:solidFill>
+                <a:latin typeface="Bell MT" panose="02020503060305020303" pitchFamily="18" charset="0"/>
+              </a:rPr>
+              <a:t> </a:t>
+            </a:r>
+            <a:r>
+              <a:rPr lang="en-US" altLang="zh-CN" sz="3200" b="1" dirty="0">
+                <a:solidFill>
+                  <a:schemeClr val="accent5">
+                    <a:lumMod val="50000"/>
+                  </a:schemeClr>
+                </a:solidFill>
+                <a:latin typeface="Bell MT" panose="02020503060305020303" pitchFamily="18" charset="0"/>
+              </a:rPr>
+              <a:t>US</a:t>
+            </a:r>
+            <a:r>
+              <a:rPr lang="zh-CN" altLang="en-US" sz="3200" b="1" dirty="0">
+                <a:solidFill>
+                  <a:schemeClr val="accent5">
+                    <a:lumMod val="50000"/>
+                  </a:schemeClr>
+                </a:solidFill>
+                <a:latin typeface="Bell MT" panose="02020503060305020303" pitchFamily="18" charset="0"/>
+              </a:rPr>
+              <a:t> </a:t>
+            </a:r>
+            <a:r>
+              <a:rPr lang="en-US" altLang="zh-CN" sz="3200" b="1" dirty="0">
+                <a:solidFill>
+                  <a:schemeClr val="accent5">
+                    <a:lumMod val="50000"/>
+                  </a:schemeClr>
+                </a:solidFill>
+                <a:latin typeface="Bell MT" panose="02020503060305020303" pitchFamily="18" charset="0"/>
+              </a:rPr>
+              <a:t>Equity</a:t>
+            </a:r>
+            <a:endParaRPr lang="zh-CN" altLang="en-US" sz="3200" b="1" dirty="0">
+              <a:solidFill>
+                <a:schemeClr val="accent5">
+                  <a:lumMod val="50000"/>
+                </a:schemeClr>
+              </a:solidFill>
+              <a:latin typeface="Bell MT" panose="02020503060305020303" pitchFamily="18" charset="0"/>
+            </a:endParaRPr>
+          </a:p>
+        </p:txBody>
+      </p:sp>
+      <p:sp>
+        <p:nvSpPr>
+          <p:cNvPr id="5" name="文本框 4">
+            <a:extLst>
+              <a:ext uri="{FF2B5EF4-FFF2-40B4-BE49-F238E27FC236}">
+                <a16:creationId xmlns="" xmlns:a16="http://schemas.microsoft.com/office/drawing/2014/main" id="{C2112578-A122-B64E-94FD-BE21D15DCDF3}"/>
+              </a:ext>
+            </a:extLst>
+          </p:cNvPr>
+          <p:cNvSpPr txBox="1"/>
+          <p:nvPr/>
+        </p:nvSpPr>
+        <p:spPr>
+          <a:xfrm>
+            <a:off x="589548" y="1383564"/>
+            <a:ext cx="10764252" cy="5016758"/>
+          </a:xfrm>
+          <a:prstGeom prst="rect">
+            <a:avLst/>
+          </a:prstGeom>
+          <a:noFill/>
+        </p:spPr>
+        <p:txBody>
+          <a:bodyPr wrap="square" rtlCol="0">
+            <a:spAutoFit/>
+          </a:bodyPr>
+          <a:lstStyle/>
+          <a:p>
+            <a:r>
+              <a:rPr kumimoji="1" lang="en-US" altLang="zh-CN" sz="2000" dirty="0">
+                <a:latin typeface="Bell MT" panose="02020503060305020303" pitchFamily="18" charset="0"/>
+              </a:rPr>
+              <a:t>Risk</a:t>
+            </a:r>
+            <a:r>
+              <a:rPr kumimoji="1" lang="zh-CN" altLang="en-US" sz="2000" dirty="0">
+                <a:latin typeface="Bell MT" panose="02020503060305020303" pitchFamily="18" charset="0"/>
+              </a:rPr>
+              <a:t> </a:t>
+            </a:r>
+            <a:r>
+              <a:rPr kumimoji="1" lang="en-US" altLang="zh-CN" sz="2000" dirty="0">
+                <a:latin typeface="Bell MT" panose="02020503060305020303" pitchFamily="18" charset="0"/>
+              </a:rPr>
+              <a:t>premium</a:t>
+            </a:r>
+            <a:r>
+              <a:rPr kumimoji="1" lang="zh-CN" altLang="en-US" sz="2000" dirty="0">
+                <a:latin typeface="Bell MT" panose="02020503060305020303" pitchFamily="18" charset="0"/>
+              </a:rPr>
+              <a:t> </a:t>
+            </a:r>
+            <a:r>
+              <a:rPr kumimoji="1" lang="en-US" altLang="zh-CN" sz="2000" dirty="0">
+                <a:latin typeface="Bell MT" panose="02020503060305020303" pitchFamily="18" charset="0"/>
+              </a:rPr>
+              <a:t>is</a:t>
+            </a:r>
+            <a:r>
+              <a:rPr kumimoji="1" lang="zh-CN" altLang="en-US" sz="2000" dirty="0">
+                <a:latin typeface="Bell MT" panose="02020503060305020303" pitchFamily="18" charset="0"/>
+              </a:rPr>
+              <a:t> </a:t>
+            </a:r>
+            <a:r>
+              <a:rPr kumimoji="1" lang="en-US" altLang="zh-CN" sz="2000" dirty="0">
+                <a:latin typeface="Bell MT" panose="02020503060305020303" pitchFamily="18" charset="0"/>
+              </a:rPr>
+              <a:t>difficult</a:t>
+            </a:r>
+            <a:r>
+              <a:rPr kumimoji="1" lang="zh-CN" altLang="en-US" sz="2000" dirty="0">
+                <a:latin typeface="Bell MT" panose="02020503060305020303" pitchFamily="18" charset="0"/>
+              </a:rPr>
+              <a:t> </a:t>
+            </a:r>
+            <a:r>
+              <a:rPr kumimoji="1" lang="en-US" altLang="zh-CN" sz="2000" dirty="0">
+                <a:latin typeface="Bell MT" panose="02020503060305020303" pitchFamily="18" charset="0"/>
+              </a:rPr>
+              <a:t>to</a:t>
+            </a:r>
+            <a:r>
+              <a:rPr kumimoji="1" lang="zh-CN" altLang="en-US" sz="2000" dirty="0">
+                <a:latin typeface="Bell MT" panose="02020503060305020303" pitchFamily="18" charset="0"/>
+              </a:rPr>
+              <a:t> </a:t>
+            </a:r>
+            <a:r>
+              <a:rPr kumimoji="1" lang="en-US" altLang="zh-CN" sz="2000" dirty="0">
+                <a:latin typeface="Bell MT" panose="02020503060305020303" pitchFamily="18" charset="0"/>
+              </a:rPr>
+              <a:t>measure:</a:t>
+            </a:r>
+            <a:r>
+              <a:rPr kumimoji="1" lang="zh-CN" altLang="en-US" sz="2000" dirty="0">
+                <a:latin typeface="Bell MT" panose="02020503060305020303" pitchFamily="18" charset="0"/>
+              </a:rPr>
+              <a:t> </a:t>
+            </a:r>
+            <a:r>
+              <a:rPr lang="en" altLang="zh-CN" sz="2000" dirty="0">
+                <a:latin typeface="Bell MT" panose="02020503060305020303" pitchFamily="18" charset="0"/>
+              </a:rPr>
+              <a:t>market efficiency forces return variation to be dominated</a:t>
+            </a:r>
+            <a:r>
+              <a:rPr lang="zh-CN" altLang="en-US" sz="2000" dirty="0">
+                <a:latin typeface="Bell MT" panose="02020503060305020303" pitchFamily="18" charset="0"/>
+              </a:rPr>
+              <a:t> </a:t>
+            </a:r>
+            <a:r>
+              <a:rPr lang="en" altLang="zh-CN" sz="2000" dirty="0">
+                <a:latin typeface="Bell MT" panose="02020503060305020303" pitchFamily="18" charset="0"/>
+              </a:rPr>
+              <a:t>by unforecastable news that obscures risk premiums. </a:t>
+            </a:r>
+            <a:endParaRPr kumimoji="1" lang="en-US" altLang="zh-CN" sz="2000" dirty="0">
+              <a:latin typeface="Bell MT" panose="02020503060305020303" pitchFamily="18" charset="0"/>
+            </a:endParaRPr>
+          </a:p>
+          <a:p>
+            <a:endParaRPr kumimoji="1" lang="en-US" altLang="zh-CN" sz="2000" dirty="0">
+              <a:latin typeface="Bell MT" panose="02020503060305020303" pitchFamily="18" charset="0"/>
+            </a:endParaRPr>
+          </a:p>
+          <a:p>
+            <a:r>
+              <a:rPr kumimoji="1" lang="en-US" altLang="zh-CN" sz="2000" dirty="0">
+                <a:latin typeface="Bell MT" panose="02020503060305020303" pitchFamily="18" charset="0"/>
+              </a:rPr>
+              <a:t>This</a:t>
+            </a:r>
+            <a:r>
+              <a:rPr kumimoji="1" lang="zh-CN" altLang="en-US" sz="2000" dirty="0">
+                <a:latin typeface="Bell MT" panose="02020503060305020303" pitchFamily="18" charset="0"/>
+              </a:rPr>
+              <a:t> </a:t>
+            </a:r>
+            <a:r>
+              <a:rPr kumimoji="1" lang="en-US" altLang="zh-CN" sz="2000" dirty="0">
+                <a:latin typeface="Bell MT" panose="02020503060305020303" pitchFamily="18" charset="0"/>
+              </a:rPr>
+              <a:t>paper</a:t>
+            </a:r>
+            <a:r>
+              <a:rPr kumimoji="1" lang="zh-CN" altLang="en-US" sz="2000" dirty="0">
+                <a:latin typeface="Bell MT" panose="02020503060305020303" pitchFamily="18" charset="0"/>
+              </a:rPr>
+              <a:t> </a:t>
+            </a:r>
+            <a:r>
+              <a:rPr kumimoji="1" lang="en-US" altLang="zh-CN" sz="2000" dirty="0">
+                <a:latin typeface="Bell MT" panose="02020503060305020303" pitchFamily="18" charset="0"/>
+              </a:rPr>
+              <a:t>uses</a:t>
+            </a:r>
+            <a:r>
+              <a:rPr kumimoji="1" lang="zh-CN" altLang="en-US" sz="2000" dirty="0">
+                <a:latin typeface="Bell MT" panose="02020503060305020303" pitchFamily="18" charset="0"/>
+              </a:rPr>
+              <a:t> </a:t>
+            </a:r>
+            <a:r>
+              <a:rPr kumimoji="1" lang="en-US" altLang="zh-CN" sz="2000" dirty="0">
+                <a:latin typeface="Bell MT" panose="02020503060305020303" pitchFamily="18" charset="0"/>
+              </a:rPr>
+              <a:t>machine</a:t>
+            </a:r>
+            <a:r>
+              <a:rPr kumimoji="1" lang="zh-CN" altLang="en-US" sz="2000" dirty="0">
+                <a:latin typeface="Bell MT" panose="02020503060305020303" pitchFamily="18" charset="0"/>
+              </a:rPr>
+              <a:t> </a:t>
+            </a:r>
+            <a:r>
+              <a:rPr kumimoji="1" lang="en-US" altLang="zh-CN" sz="2000" dirty="0">
+                <a:latin typeface="Bell MT" panose="02020503060305020303" pitchFamily="18" charset="0"/>
+              </a:rPr>
+              <a:t>learning</a:t>
+            </a:r>
+            <a:r>
+              <a:rPr kumimoji="1" lang="zh-CN" altLang="en-US" sz="2000" dirty="0">
+                <a:latin typeface="Bell MT" panose="02020503060305020303" pitchFamily="18" charset="0"/>
+              </a:rPr>
+              <a:t> </a:t>
+            </a:r>
+            <a:r>
+              <a:rPr kumimoji="1" lang="en-US" altLang="zh-CN" sz="2000" dirty="0">
+                <a:latin typeface="Bell MT" panose="02020503060305020303" pitchFamily="18" charset="0"/>
+              </a:rPr>
+              <a:t>methods</a:t>
+            </a:r>
+            <a:r>
+              <a:rPr kumimoji="1" lang="zh-CN" altLang="en-US" sz="2000" dirty="0">
+                <a:latin typeface="Bell MT" panose="02020503060305020303" pitchFamily="18" charset="0"/>
+              </a:rPr>
+              <a:t> </a:t>
+            </a:r>
+            <a:r>
+              <a:rPr kumimoji="1" lang="en-US" altLang="zh-CN" sz="2000" dirty="0">
+                <a:latin typeface="Bell MT" panose="02020503060305020303" pitchFamily="18" charset="0"/>
+              </a:rPr>
+              <a:t>to</a:t>
+            </a:r>
+            <a:r>
+              <a:rPr kumimoji="1" lang="zh-CN" altLang="en-US" sz="2000" dirty="0">
+                <a:latin typeface="Bell MT" panose="02020503060305020303" pitchFamily="18" charset="0"/>
+              </a:rPr>
+              <a:t> </a:t>
+            </a:r>
+            <a:r>
+              <a:rPr kumimoji="1" lang="en-US" altLang="zh-CN" sz="2000" dirty="0">
+                <a:latin typeface="Bell MT" panose="02020503060305020303" pitchFamily="18" charset="0"/>
+              </a:rPr>
+              <a:t>predict</a:t>
+            </a:r>
+            <a:r>
+              <a:rPr kumimoji="1" lang="zh-CN" altLang="en-US" sz="2000" dirty="0">
+                <a:latin typeface="Bell MT" panose="02020503060305020303" pitchFamily="18" charset="0"/>
+              </a:rPr>
+              <a:t> </a:t>
+            </a:r>
+            <a:r>
+              <a:rPr kumimoji="1" lang="en-US" altLang="zh-CN" sz="2000" dirty="0">
+                <a:latin typeface="Bell MT" panose="02020503060305020303" pitchFamily="18" charset="0"/>
+              </a:rPr>
+              <a:t>asset’s</a:t>
+            </a:r>
+            <a:r>
+              <a:rPr kumimoji="1" lang="zh-CN" altLang="en-US" sz="2000" dirty="0">
+                <a:latin typeface="Bell MT" panose="02020503060305020303" pitchFamily="18" charset="0"/>
+              </a:rPr>
+              <a:t> </a:t>
+            </a:r>
+            <a:r>
+              <a:rPr kumimoji="1" lang="en-US" altLang="zh-CN" sz="2000" dirty="0">
+                <a:latin typeface="Bell MT" panose="02020503060305020303" pitchFamily="18" charset="0"/>
+              </a:rPr>
+              <a:t>excess</a:t>
+            </a:r>
+            <a:r>
+              <a:rPr kumimoji="1" lang="zh-CN" altLang="en-US" sz="2000" dirty="0">
+                <a:latin typeface="Bell MT" panose="02020503060305020303" pitchFamily="18" charset="0"/>
+              </a:rPr>
+              <a:t> </a:t>
+            </a:r>
+            <a:r>
+              <a:rPr kumimoji="1" lang="en-US" altLang="zh-CN" sz="2000" dirty="0">
+                <a:latin typeface="Bell MT" panose="02020503060305020303" pitchFamily="18" charset="0"/>
+              </a:rPr>
+              <a:t>return.</a:t>
+            </a:r>
+          </a:p>
+          <a:p>
+            <a:pPr marL="342900" indent="-342900">
+              <a:buFont typeface="Wingdings" pitchFamily="2" charset="2"/>
+              <a:buChar char="l"/>
+            </a:pPr>
+            <a:r>
+              <a:rPr kumimoji="1" lang="en-US" altLang="zh-CN" sz="2000" dirty="0">
+                <a:latin typeface="Bell MT" panose="02020503060305020303" pitchFamily="18" charset="0"/>
+              </a:rPr>
+              <a:t>Linear</a:t>
+            </a:r>
+            <a:r>
+              <a:rPr kumimoji="1" lang="zh-CN" altLang="en-US" sz="2000" dirty="0">
+                <a:latin typeface="Bell MT" panose="02020503060305020303" pitchFamily="18" charset="0"/>
+              </a:rPr>
+              <a:t> </a:t>
+            </a:r>
+            <a:r>
+              <a:rPr kumimoji="1" lang="en-US" altLang="zh-CN" sz="2000" dirty="0">
+                <a:latin typeface="Bell MT" panose="02020503060305020303" pitchFamily="18" charset="0"/>
+              </a:rPr>
+              <a:t>models:</a:t>
+            </a:r>
+            <a:r>
+              <a:rPr kumimoji="1" lang="zh-CN" altLang="en-US" sz="2000" dirty="0">
+                <a:latin typeface="Bell MT" panose="02020503060305020303" pitchFamily="18" charset="0"/>
+              </a:rPr>
+              <a:t> </a:t>
+            </a:r>
+            <a:r>
+              <a:rPr kumimoji="1" lang="en-US" altLang="zh-CN" sz="2000" dirty="0">
+                <a:latin typeface="Bell MT" panose="02020503060305020303" pitchFamily="18" charset="0"/>
+              </a:rPr>
+              <a:t>OLS,</a:t>
+            </a:r>
+            <a:r>
+              <a:rPr kumimoji="1" lang="zh-CN" altLang="en-US" sz="2000" dirty="0">
+                <a:latin typeface="Bell MT" panose="02020503060305020303" pitchFamily="18" charset="0"/>
+              </a:rPr>
+              <a:t> </a:t>
+            </a:r>
+            <a:r>
+              <a:rPr kumimoji="1" lang="en-US" altLang="zh-CN" sz="2000" dirty="0">
+                <a:latin typeface="Bell MT" panose="02020503060305020303" pitchFamily="18" charset="0"/>
+              </a:rPr>
+              <a:t>elastic</a:t>
+            </a:r>
+            <a:r>
+              <a:rPr kumimoji="1" lang="zh-CN" altLang="en-US" sz="2000" dirty="0">
+                <a:latin typeface="Bell MT" panose="02020503060305020303" pitchFamily="18" charset="0"/>
+              </a:rPr>
+              <a:t> </a:t>
+            </a:r>
+            <a:r>
+              <a:rPr kumimoji="1" lang="en-US" altLang="zh-CN" sz="2000" dirty="0">
+                <a:latin typeface="Bell MT" panose="02020503060305020303" pitchFamily="18" charset="0"/>
+              </a:rPr>
+              <a:t>net</a:t>
+            </a:r>
+          </a:p>
+          <a:p>
+            <a:pPr marL="342900" indent="-342900">
+              <a:buFont typeface="Wingdings" pitchFamily="2" charset="2"/>
+              <a:buChar char="l"/>
+            </a:pPr>
+            <a:r>
+              <a:rPr kumimoji="1" lang="en-US" altLang="zh-CN" sz="2000" dirty="0">
+                <a:latin typeface="Bell MT" panose="02020503060305020303" pitchFamily="18" charset="0"/>
+              </a:rPr>
+              <a:t>Dimension</a:t>
+            </a:r>
+            <a:r>
+              <a:rPr kumimoji="1" lang="zh-CN" altLang="en-US" sz="2000" dirty="0">
+                <a:latin typeface="Bell MT" panose="02020503060305020303" pitchFamily="18" charset="0"/>
+              </a:rPr>
+              <a:t> </a:t>
+            </a:r>
+            <a:r>
+              <a:rPr kumimoji="1" lang="en-US" altLang="zh-CN" sz="2000" dirty="0">
+                <a:latin typeface="Bell MT" panose="02020503060305020303" pitchFamily="18" charset="0"/>
+              </a:rPr>
+              <a:t>reduction:</a:t>
+            </a:r>
+            <a:r>
+              <a:rPr kumimoji="1" lang="zh-CN" altLang="en-US" sz="2000" dirty="0">
+                <a:latin typeface="Bell MT" panose="02020503060305020303" pitchFamily="18" charset="0"/>
+              </a:rPr>
+              <a:t> </a:t>
+            </a:r>
+            <a:r>
+              <a:rPr kumimoji="1" lang="en-US" altLang="zh-CN" sz="2000" dirty="0">
+                <a:latin typeface="Bell MT" panose="02020503060305020303" pitchFamily="18" charset="0"/>
+              </a:rPr>
+              <a:t>PLS,</a:t>
+            </a:r>
+            <a:r>
+              <a:rPr kumimoji="1" lang="zh-CN" altLang="en-US" sz="2000" dirty="0">
+                <a:latin typeface="Bell MT" panose="02020503060305020303" pitchFamily="18" charset="0"/>
+              </a:rPr>
+              <a:t> </a:t>
+            </a:r>
+            <a:r>
+              <a:rPr kumimoji="1" lang="en-US" altLang="zh-CN" sz="2000" dirty="0">
+                <a:latin typeface="Bell MT" panose="02020503060305020303" pitchFamily="18" charset="0"/>
+              </a:rPr>
+              <a:t>PCR</a:t>
+            </a:r>
+          </a:p>
+          <a:p>
+            <a:pPr marL="342900" indent="-342900">
+              <a:buFont typeface="Wingdings" pitchFamily="2" charset="2"/>
+              <a:buChar char="l"/>
+            </a:pPr>
+            <a:r>
+              <a:rPr kumimoji="1" lang="en-US" altLang="zh-CN" sz="2000" dirty="0">
+                <a:latin typeface="Bell MT" panose="02020503060305020303" pitchFamily="18" charset="0"/>
+              </a:rPr>
+              <a:t>Generalized</a:t>
+            </a:r>
+            <a:r>
+              <a:rPr kumimoji="1" lang="zh-CN" altLang="en-US" sz="2000" dirty="0">
+                <a:latin typeface="Bell MT" panose="02020503060305020303" pitchFamily="18" charset="0"/>
+              </a:rPr>
+              <a:t> </a:t>
+            </a:r>
+            <a:r>
+              <a:rPr kumimoji="1" lang="en-US" altLang="zh-CN" sz="2000" dirty="0">
+                <a:latin typeface="Bell MT" panose="02020503060305020303" pitchFamily="18" charset="0"/>
+              </a:rPr>
+              <a:t>linear</a:t>
+            </a:r>
+            <a:r>
+              <a:rPr kumimoji="1" lang="zh-CN" altLang="en-US" sz="2000" dirty="0">
+                <a:latin typeface="Bell MT" panose="02020503060305020303" pitchFamily="18" charset="0"/>
+              </a:rPr>
+              <a:t> </a:t>
+            </a:r>
+            <a:r>
+              <a:rPr kumimoji="1" lang="en-US" altLang="zh-CN" sz="2000" dirty="0">
+                <a:latin typeface="Bell MT" panose="02020503060305020303" pitchFamily="18" charset="0"/>
+              </a:rPr>
+              <a:t>model</a:t>
+            </a:r>
+          </a:p>
+          <a:p>
+            <a:pPr marL="342900" indent="-342900">
+              <a:buFont typeface="Wingdings" pitchFamily="2" charset="2"/>
+              <a:buChar char="l"/>
+            </a:pPr>
+            <a:r>
+              <a:rPr kumimoji="1" lang="en-US" altLang="zh-CN" sz="2000" dirty="0">
+                <a:latin typeface="Bell MT" panose="02020503060305020303" pitchFamily="18" charset="0"/>
+              </a:rPr>
+              <a:t>Tree</a:t>
+            </a:r>
+            <a:r>
+              <a:rPr kumimoji="1" lang="zh-CN" altLang="en-US" sz="2000" dirty="0">
+                <a:latin typeface="Bell MT" panose="02020503060305020303" pitchFamily="18" charset="0"/>
+              </a:rPr>
+              <a:t> </a:t>
+            </a:r>
+            <a:r>
+              <a:rPr kumimoji="1" lang="en-US" altLang="zh-CN" sz="2000" dirty="0">
+                <a:latin typeface="Bell MT" panose="02020503060305020303" pitchFamily="18" charset="0"/>
+              </a:rPr>
+              <a:t>model:</a:t>
+            </a:r>
+            <a:r>
+              <a:rPr kumimoji="1" lang="zh-CN" altLang="en-US" sz="2000" dirty="0">
+                <a:latin typeface="Bell MT" panose="02020503060305020303" pitchFamily="18" charset="0"/>
+              </a:rPr>
+              <a:t> </a:t>
+            </a:r>
+            <a:r>
+              <a:rPr kumimoji="1" lang="en-US" altLang="zh-CN" sz="2000" dirty="0">
+                <a:latin typeface="Bell MT" panose="02020503060305020303" pitchFamily="18" charset="0"/>
+              </a:rPr>
+              <a:t>Gradient</a:t>
+            </a:r>
+            <a:r>
+              <a:rPr kumimoji="1" lang="zh-CN" altLang="en-US" sz="2000" dirty="0">
+                <a:latin typeface="Bell MT" panose="02020503060305020303" pitchFamily="18" charset="0"/>
+              </a:rPr>
+              <a:t> </a:t>
+            </a:r>
+            <a:r>
+              <a:rPr kumimoji="1" lang="en-US" altLang="zh-CN" sz="2000" dirty="0">
+                <a:latin typeface="Bell MT" panose="02020503060305020303" pitchFamily="18" charset="0"/>
+              </a:rPr>
+              <a:t>boosted</a:t>
+            </a:r>
+            <a:r>
+              <a:rPr kumimoji="1" lang="zh-CN" altLang="en-US" sz="2000" dirty="0">
+                <a:latin typeface="Bell MT" panose="02020503060305020303" pitchFamily="18" charset="0"/>
+              </a:rPr>
+              <a:t> </a:t>
+            </a:r>
+            <a:r>
+              <a:rPr kumimoji="1" lang="en-US" altLang="zh-CN" sz="2000" dirty="0">
+                <a:latin typeface="Bell MT" panose="02020503060305020303" pitchFamily="18" charset="0"/>
+              </a:rPr>
+              <a:t>regression</a:t>
+            </a:r>
+            <a:r>
+              <a:rPr kumimoji="1" lang="zh-CN" altLang="en-US" sz="2000" dirty="0">
+                <a:latin typeface="Bell MT" panose="02020503060305020303" pitchFamily="18" charset="0"/>
+              </a:rPr>
+              <a:t> </a:t>
+            </a:r>
+            <a:r>
+              <a:rPr kumimoji="1" lang="en-US" altLang="zh-CN" sz="2000" dirty="0">
+                <a:latin typeface="Bell MT" panose="02020503060305020303" pitchFamily="18" charset="0"/>
+              </a:rPr>
+              <a:t>tree,</a:t>
+            </a:r>
+            <a:r>
+              <a:rPr kumimoji="1" lang="zh-CN" altLang="en-US" sz="2000" dirty="0">
+                <a:latin typeface="Bell MT" panose="02020503060305020303" pitchFamily="18" charset="0"/>
+              </a:rPr>
+              <a:t> </a:t>
+            </a:r>
+            <a:r>
+              <a:rPr kumimoji="1" lang="en-US" altLang="zh-CN" sz="2000" dirty="0">
+                <a:latin typeface="Bell MT" panose="02020503060305020303" pitchFamily="18" charset="0"/>
+              </a:rPr>
+              <a:t>random</a:t>
+            </a:r>
+            <a:r>
+              <a:rPr kumimoji="1" lang="zh-CN" altLang="en-US" sz="2000" dirty="0">
+                <a:latin typeface="Bell MT" panose="02020503060305020303" pitchFamily="18" charset="0"/>
+              </a:rPr>
+              <a:t> </a:t>
+            </a:r>
+            <a:r>
+              <a:rPr kumimoji="1" lang="en-US" altLang="zh-CN" sz="2000" dirty="0">
+                <a:latin typeface="Bell MT" panose="02020503060305020303" pitchFamily="18" charset="0"/>
+              </a:rPr>
+              <a:t>forest</a:t>
+            </a:r>
+          </a:p>
+          <a:p>
+            <a:pPr marL="342900" indent="-342900">
+              <a:buFont typeface="Wingdings" pitchFamily="2" charset="2"/>
+              <a:buChar char="l"/>
+            </a:pPr>
+            <a:r>
+              <a:rPr kumimoji="1" lang="en-US" altLang="zh-CN" sz="2000" dirty="0">
+                <a:latin typeface="Bell MT" panose="02020503060305020303" pitchFamily="18" charset="0"/>
+              </a:rPr>
+              <a:t>Neural</a:t>
+            </a:r>
+            <a:r>
+              <a:rPr kumimoji="1" lang="zh-CN" altLang="en-US" sz="2000" dirty="0">
+                <a:latin typeface="Bell MT" panose="02020503060305020303" pitchFamily="18" charset="0"/>
+              </a:rPr>
+              <a:t> </a:t>
+            </a:r>
+            <a:r>
+              <a:rPr kumimoji="1" lang="en-US" altLang="zh-CN" sz="2000" dirty="0">
+                <a:latin typeface="Bell MT" panose="02020503060305020303" pitchFamily="18" charset="0"/>
+              </a:rPr>
+              <a:t>network</a:t>
+            </a:r>
+          </a:p>
+          <a:p>
+            <a:pPr marL="342900" indent="-342900">
+              <a:buFont typeface="Wingdings" pitchFamily="2" charset="2"/>
+              <a:buChar char="l"/>
+            </a:pPr>
+            <a:endParaRPr kumimoji="1" lang="en-US" altLang="zh-CN" sz="2000" dirty="0">
+              <a:latin typeface="Bell MT" panose="02020503060305020303" pitchFamily="18" charset="0"/>
+            </a:endParaRPr>
+          </a:p>
+          <a:p>
+            <a:r>
+              <a:rPr kumimoji="1" lang="en-US" altLang="zh-CN" sz="2000" b="1" dirty="0">
+                <a:solidFill>
+                  <a:srgbClr val="0070C0"/>
+                </a:solidFill>
+                <a:latin typeface="Bell MT" panose="02020503060305020303" pitchFamily="18" charset="0"/>
+              </a:rPr>
+              <a:t>Data</a:t>
+            </a:r>
+            <a:r>
+              <a:rPr kumimoji="1" lang="zh-CN" altLang="en-US" sz="2000" b="1" dirty="0">
+                <a:solidFill>
+                  <a:srgbClr val="0070C0"/>
+                </a:solidFill>
+                <a:latin typeface="Bell MT" panose="02020503060305020303" pitchFamily="18" charset="0"/>
+              </a:rPr>
+              <a:t> </a:t>
+            </a:r>
+            <a:r>
+              <a:rPr kumimoji="1" lang="en-US" altLang="zh-CN" sz="2000" b="1" dirty="0">
+                <a:solidFill>
+                  <a:srgbClr val="0070C0"/>
+                </a:solidFill>
+                <a:latin typeface="Bell MT" panose="02020503060305020303" pitchFamily="18" charset="0"/>
+              </a:rPr>
+              <a:t>and</a:t>
+            </a:r>
+            <a:r>
+              <a:rPr kumimoji="1" lang="zh-CN" altLang="en-US" sz="2000" b="1" dirty="0">
+                <a:solidFill>
+                  <a:srgbClr val="0070C0"/>
+                </a:solidFill>
+                <a:latin typeface="Bell MT" panose="02020503060305020303" pitchFamily="18" charset="0"/>
+              </a:rPr>
+              <a:t> </a:t>
+            </a:r>
+            <a:r>
+              <a:rPr kumimoji="1" lang="en-US" altLang="zh-CN" sz="2000" b="1" dirty="0">
+                <a:solidFill>
+                  <a:srgbClr val="0070C0"/>
+                </a:solidFill>
+                <a:latin typeface="Bell MT" panose="02020503060305020303" pitchFamily="18" charset="0"/>
+              </a:rPr>
+              <a:t>feature</a:t>
+            </a:r>
+          </a:p>
+          <a:p>
+            <a:r>
+              <a:rPr kumimoji="1" lang="en-US" altLang="zh-CN" sz="2000" dirty="0">
+                <a:latin typeface="Bell MT" panose="02020503060305020303" pitchFamily="18" charset="0"/>
+              </a:rPr>
+              <a:t>Monthly</a:t>
+            </a:r>
+            <a:r>
+              <a:rPr kumimoji="1" lang="zh-CN" altLang="en-US" sz="2000" dirty="0">
+                <a:latin typeface="Bell MT" panose="02020503060305020303" pitchFamily="18" charset="0"/>
+              </a:rPr>
+              <a:t> </a:t>
+            </a:r>
+            <a:r>
+              <a:rPr kumimoji="1" lang="en-US" altLang="zh-CN" sz="2000" dirty="0">
+                <a:latin typeface="Bell MT" panose="02020503060305020303" pitchFamily="18" charset="0"/>
+              </a:rPr>
+              <a:t>total</a:t>
+            </a:r>
+            <a:r>
+              <a:rPr kumimoji="1" lang="zh-CN" altLang="en-US" sz="2000" dirty="0">
+                <a:latin typeface="Bell MT" panose="02020503060305020303" pitchFamily="18" charset="0"/>
+              </a:rPr>
+              <a:t> </a:t>
+            </a:r>
+            <a:r>
+              <a:rPr kumimoji="1" lang="en-US" altLang="zh-CN" sz="2000" dirty="0">
+                <a:latin typeface="Bell MT" panose="02020503060305020303" pitchFamily="18" charset="0"/>
+              </a:rPr>
+              <a:t>individual</a:t>
+            </a:r>
+            <a:r>
+              <a:rPr kumimoji="1" lang="zh-CN" altLang="en-US" sz="2000" dirty="0">
+                <a:latin typeface="Bell MT" panose="02020503060305020303" pitchFamily="18" charset="0"/>
+              </a:rPr>
+              <a:t> </a:t>
+            </a:r>
+            <a:r>
+              <a:rPr kumimoji="1" lang="en-US" altLang="zh-CN" sz="2000" dirty="0">
+                <a:latin typeface="Bell MT" panose="02020503060305020303" pitchFamily="18" charset="0"/>
+              </a:rPr>
+              <a:t>equity</a:t>
+            </a:r>
+            <a:r>
+              <a:rPr kumimoji="1" lang="zh-CN" altLang="en-US" sz="2000" dirty="0">
+                <a:latin typeface="Bell MT" panose="02020503060305020303" pitchFamily="18" charset="0"/>
+              </a:rPr>
+              <a:t> </a:t>
+            </a:r>
+            <a:r>
+              <a:rPr kumimoji="1" lang="en-US" altLang="zh-CN" sz="2000" dirty="0">
+                <a:latin typeface="Bell MT" panose="02020503060305020303" pitchFamily="18" charset="0"/>
+              </a:rPr>
+              <a:t>returns</a:t>
+            </a:r>
+            <a:r>
+              <a:rPr kumimoji="1" lang="zh-CN" altLang="en-US" sz="2000" dirty="0">
+                <a:latin typeface="Bell MT" panose="02020503060305020303" pitchFamily="18" charset="0"/>
+              </a:rPr>
+              <a:t> </a:t>
+            </a:r>
+            <a:r>
+              <a:rPr kumimoji="1" lang="en-US" altLang="zh-CN" sz="2000" dirty="0">
+                <a:latin typeface="Bell MT" panose="02020503060305020303" pitchFamily="18" charset="0"/>
+              </a:rPr>
+              <a:t>for</a:t>
+            </a:r>
+            <a:r>
+              <a:rPr kumimoji="1" lang="zh-CN" altLang="en-US" sz="2000" dirty="0">
+                <a:latin typeface="Bell MT" panose="02020503060305020303" pitchFamily="18" charset="0"/>
+              </a:rPr>
+              <a:t> </a:t>
+            </a:r>
+            <a:r>
+              <a:rPr kumimoji="1" lang="en-US" altLang="zh-CN" sz="2000" dirty="0">
+                <a:latin typeface="Bell MT" panose="02020503060305020303" pitchFamily="18" charset="0"/>
+              </a:rPr>
+              <a:t>all</a:t>
+            </a:r>
+            <a:r>
+              <a:rPr kumimoji="1" lang="zh-CN" altLang="en-US" sz="2000" dirty="0">
+                <a:latin typeface="Bell MT" panose="02020503060305020303" pitchFamily="18" charset="0"/>
+              </a:rPr>
+              <a:t> </a:t>
+            </a:r>
+            <a:r>
+              <a:rPr kumimoji="1" lang="en-US" altLang="zh-CN" sz="2000" dirty="0">
+                <a:latin typeface="Bell MT" panose="02020503060305020303" pitchFamily="18" charset="0"/>
+              </a:rPr>
+              <a:t>firms</a:t>
+            </a:r>
+            <a:r>
+              <a:rPr kumimoji="1" lang="zh-CN" altLang="en-US" sz="2000" dirty="0">
+                <a:latin typeface="Bell MT" panose="02020503060305020303" pitchFamily="18" charset="0"/>
+              </a:rPr>
+              <a:t> </a:t>
+            </a:r>
+            <a:r>
+              <a:rPr kumimoji="1" lang="en-US" altLang="zh-CN" sz="2000" dirty="0">
+                <a:latin typeface="Bell MT" panose="02020503060305020303" pitchFamily="18" charset="0"/>
+              </a:rPr>
+              <a:t>listed</a:t>
+            </a:r>
+            <a:r>
+              <a:rPr kumimoji="1" lang="zh-CN" altLang="en-US" sz="2000" dirty="0">
+                <a:latin typeface="Bell MT" panose="02020503060305020303" pitchFamily="18" charset="0"/>
+              </a:rPr>
+              <a:t> </a:t>
+            </a:r>
+            <a:r>
+              <a:rPr kumimoji="1" lang="en-US" altLang="zh-CN" sz="2000" dirty="0">
+                <a:latin typeface="Bell MT" panose="02020503060305020303" pitchFamily="18" charset="0"/>
+              </a:rPr>
+              <a:t>in</a:t>
+            </a:r>
+            <a:r>
+              <a:rPr kumimoji="1" lang="zh-CN" altLang="en-US" sz="2000" dirty="0">
+                <a:latin typeface="Bell MT" panose="02020503060305020303" pitchFamily="18" charset="0"/>
+              </a:rPr>
+              <a:t> </a:t>
+            </a:r>
+            <a:r>
+              <a:rPr kumimoji="1" lang="en-US" altLang="zh-CN" sz="2000" dirty="0">
+                <a:latin typeface="Bell MT" panose="02020503060305020303" pitchFamily="18" charset="0"/>
+              </a:rPr>
+              <a:t>NYSE,</a:t>
+            </a:r>
+            <a:r>
+              <a:rPr kumimoji="1" lang="zh-CN" altLang="en-US" sz="2000" dirty="0">
+                <a:latin typeface="Bell MT" panose="02020503060305020303" pitchFamily="18" charset="0"/>
+              </a:rPr>
+              <a:t> </a:t>
+            </a:r>
+            <a:r>
+              <a:rPr kumimoji="1" lang="en-US" altLang="zh-CN" sz="2000" dirty="0">
+                <a:latin typeface="Bell MT" panose="02020503060305020303" pitchFamily="18" charset="0"/>
+              </a:rPr>
+              <a:t>AMEX,</a:t>
+            </a:r>
+            <a:r>
+              <a:rPr kumimoji="1" lang="zh-CN" altLang="en-US" sz="2000" dirty="0">
+                <a:latin typeface="Bell MT" panose="02020503060305020303" pitchFamily="18" charset="0"/>
+              </a:rPr>
+              <a:t> </a:t>
+            </a:r>
+            <a:r>
+              <a:rPr kumimoji="1" lang="en-US" altLang="zh-CN" sz="2000" dirty="0">
+                <a:latin typeface="Bell MT" panose="02020503060305020303" pitchFamily="18" charset="0"/>
+              </a:rPr>
+              <a:t>NASDAQ.</a:t>
+            </a:r>
+            <a:r>
+              <a:rPr kumimoji="1" lang="zh-CN" altLang="en-US" sz="2000" dirty="0">
+                <a:latin typeface="Bell MT" panose="02020503060305020303" pitchFamily="18" charset="0"/>
+              </a:rPr>
+              <a:t> </a:t>
+            </a:r>
+            <a:r>
+              <a:rPr kumimoji="1" lang="en-US" altLang="zh-CN" sz="2000" dirty="0">
+                <a:latin typeface="Bell MT" panose="02020503060305020303" pitchFamily="18" charset="0"/>
+              </a:rPr>
+              <a:t>Data</a:t>
+            </a:r>
+            <a:r>
+              <a:rPr kumimoji="1" lang="zh-CN" altLang="en-US" sz="2000" dirty="0">
+                <a:latin typeface="Bell MT" panose="02020503060305020303" pitchFamily="18" charset="0"/>
+              </a:rPr>
+              <a:t> </a:t>
+            </a:r>
+            <a:r>
+              <a:rPr kumimoji="1" lang="en-US" altLang="zh-CN" sz="2000" dirty="0">
+                <a:latin typeface="Bell MT" panose="02020503060305020303" pitchFamily="18" charset="0"/>
+              </a:rPr>
+              <a:t>traverses</a:t>
+            </a:r>
+            <a:r>
+              <a:rPr kumimoji="1" lang="zh-CN" altLang="en-US" sz="2000" dirty="0">
+                <a:latin typeface="Bell MT" panose="02020503060305020303" pitchFamily="18" charset="0"/>
+              </a:rPr>
+              <a:t> </a:t>
+            </a:r>
+            <a:r>
+              <a:rPr kumimoji="1" lang="en-US" altLang="zh-CN" sz="2000" dirty="0">
+                <a:latin typeface="Bell MT" panose="02020503060305020303" pitchFamily="18" charset="0"/>
+              </a:rPr>
+              <a:t>60</a:t>
+            </a:r>
+            <a:r>
+              <a:rPr kumimoji="1" lang="zh-CN" altLang="en-US" sz="2000" dirty="0">
+                <a:latin typeface="Bell MT" panose="02020503060305020303" pitchFamily="18" charset="0"/>
+              </a:rPr>
+              <a:t> </a:t>
+            </a:r>
+            <a:r>
+              <a:rPr kumimoji="1" lang="en-US" altLang="zh-CN" sz="2000" dirty="0">
+                <a:latin typeface="Bell MT" panose="02020503060305020303" pitchFamily="18" charset="0"/>
+              </a:rPr>
+              <a:t>years</a:t>
+            </a:r>
+            <a:r>
+              <a:rPr kumimoji="1" lang="zh-CN" altLang="en-US" sz="2000" dirty="0">
+                <a:latin typeface="Bell MT" panose="02020503060305020303" pitchFamily="18" charset="0"/>
+              </a:rPr>
+              <a:t> </a:t>
+            </a:r>
+            <a:r>
+              <a:rPr kumimoji="1" lang="en-US" altLang="zh-CN" sz="2000" dirty="0">
+                <a:latin typeface="Bell MT" panose="02020503060305020303" pitchFamily="18" charset="0"/>
+              </a:rPr>
+              <a:t>from</a:t>
+            </a:r>
+            <a:r>
+              <a:rPr kumimoji="1" lang="zh-CN" altLang="en-US" sz="2000" dirty="0">
+                <a:latin typeface="Bell MT" panose="02020503060305020303" pitchFamily="18" charset="0"/>
+              </a:rPr>
+              <a:t> </a:t>
+            </a:r>
+            <a:r>
+              <a:rPr kumimoji="1" lang="en-US" altLang="zh-CN" sz="2000" dirty="0">
+                <a:latin typeface="Bell MT" panose="02020503060305020303" pitchFamily="18" charset="0"/>
+              </a:rPr>
+              <a:t>1957</a:t>
+            </a:r>
+            <a:r>
+              <a:rPr kumimoji="1" lang="zh-CN" altLang="en-US" sz="2000" dirty="0">
+                <a:latin typeface="Bell MT" panose="02020503060305020303" pitchFamily="18" charset="0"/>
+              </a:rPr>
+              <a:t> </a:t>
+            </a:r>
+            <a:r>
+              <a:rPr kumimoji="1" lang="en-US" altLang="zh-CN" sz="2000" dirty="0">
+                <a:latin typeface="Bell MT" panose="02020503060305020303" pitchFamily="18" charset="0"/>
+              </a:rPr>
+              <a:t>to</a:t>
+            </a:r>
+            <a:r>
+              <a:rPr kumimoji="1" lang="zh-CN" altLang="en-US" sz="2000" dirty="0">
+                <a:latin typeface="Bell MT" panose="02020503060305020303" pitchFamily="18" charset="0"/>
+              </a:rPr>
+              <a:t> </a:t>
+            </a:r>
+            <a:r>
+              <a:rPr kumimoji="1" lang="en-US" altLang="zh-CN" sz="2000" dirty="0">
+                <a:latin typeface="Bell MT" panose="02020503060305020303" pitchFamily="18" charset="0"/>
+              </a:rPr>
+              <a:t>2016.</a:t>
+            </a:r>
+          </a:p>
+          <a:p>
+            <a:pPr marL="285750" indent="-285750">
+              <a:buFont typeface="Wingdings" pitchFamily="2" charset="2"/>
+              <a:buChar char="l"/>
+            </a:pPr>
+            <a:r>
+              <a:rPr kumimoji="1" lang="en-US" altLang="zh-CN" sz="2000" dirty="0">
+                <a:latin typeface="Bell MT" panose="02020503060305020303" pitchFamily="18" charset="0"/>
+              </a:rPr>
+              <a:t>94</a:t>
+            </a:r>
+            <a:r>
+              <a:rPr kumimoji="1" lang="zh-CN" altLang="en-US" sz="2000" dirty="0">
+                <a:latin typeface="Bell MT" panose="02020503060305020303" pitchFamily="18" charset="0"/>
+              </a:rPr>
+              <a:t> </a:t>
+            </a:r>
+            <a:r>
+              <a:rPr kumimoji="1" lang="en-US" altLang="zh-CN" sz="2000" dirty="0">
+                <a:latin typeface="Bell MT" panose="02020503060305020303" pitchFamily="18" charset="0"/>
+              </a:rPr>
+              <a:t>firm</a:t>
+            </a:r>
+            <a:r>
+              <a:rPr kumimoji="1" lang="zh-CN" altLang="en-US" sz="2000" dirty="0">
+                <a:latin typeface="Bell MT" panose="02020503060305020303" pitchFamily="18" charset="0"/>
+              </a:rPr>
+              <a:t> </a:t>
+            </a:r>
+            <a:r>
+              <a:rPr kumimoji="1" lang="en-US" altLang="zh-CN" sz="2000" dirty="0">
+                <a:latin typeface="Bell MT" panose="02020503060305020303" pitchFamily="18" charset="0"/>
+              </a:rPr>
+              <a:t>characteristics</a:t>
+            </a:r>
+          </a:p>
+          <a:p>
+            <a:pPr marL="285750" indent="-285750">
+              <a:buFont typeface="Wingdings" pitchFamily="2" charset="2"/>
+              <a:buChar char="l"/>
+            </a:pPr>
+            <a:r>
+              <a:rPr kumimoji="1" lang="en-US" altLang="zh-CN" sz="2000" dirty="0">
+                <a:latin typeface="Bell MT" panose="02020503060305020303" pitchFamily="18" charset="0"/>
+              </a:rPr>
+              <a:t>8</a:t>
+            </a:r>
+            <a:r>
+              <a:rPr kumimoji="1" lang="zh-CN" altLang="en-US" sz="2000" dirty="0">
+                <a:latin typeface="Bell MT" panose="02020503060305020303" pitchFamily="18" charset="0"/>
+              </a:rPr>
+              <a:t> </a:t>
+            </a:r>
+            <a:r>
+              <a:rPr kumimoji="1" lang="en-US" altLang="zh-CN" sz="2000" dirty="0">
+                <a:latin typeface="Bell MT" panose="02020503060305020303" pitchFamily="18" charset="0"/>
+              </a:rPr>
+              <a:t>macroeconomic</a:t>
+            </a:r>
+            <a:r>
+              <a:rPr kumimoji="1" lang="zh-CN" altLang="en-US" sz="2000" dirty="0">
+                <a:latin typeface="Bell MT" panose="02020503060305020303" pitchFamily="18" charset="0"/>
+              </a:rPr>
+              <a:t> </a:t>
+            </a:r>
+            <a:r>
+              <a:rPr kumimoji="1" lang="en-US" altLang="zh-CN" sz="2000" dirty="0">
+                <a:latin typeface="Bell MT" panose="02020503060305020303" pitchFamily="18" charset="0"/>
+              </a:rPr>
+              <a:t>predictors</a:t>
+            </a:r>
+          </a:p>
+          <a:p>
+            <a:pPr marL="285750" indent="-285750">
+              <a:buFont typeface="Wingdings" pitchFamily="2" charset="2"/>
+              <a:buChar char="l"/>
+            </a:pPr>
+            <a:r>
+              <a:rPr kumimoji="1" lang="en-US" altLang="zh-CN" sz="2000" dirty="0">
+                <a:latin typeface="Bell MT" panose="02020503060305020303" pitchFamily="18" charset="0"/>
+              </a:rPr>
+              <a:t>74</a:t>
+            </a:r>
+            <a:r>
+              <a:rPr kumimoji="1" lang="zh-CN" altLang="en-US" sz="2000" dirty="0">
+                <a:latin typeface="Bell MT" panose="02020503060305020303" pitchFamily="18" charset="0"/>
+              </a:rPr>
+              <a:t> </a:t>
+            </a:r>
+            <a:r>
+              <a:rPr kumimoji="1" lang="en-US" altLang="zh-CN" sz="2000" dirty="0">
+                <a:latin typeface="Bell MT" panose="02020503060305020303" pitchFamily="18" charset="0"/>
+              </a:rPr>
+              <a:t>industry</a:t>
+            </a:r>
+            <a:r>
+              <a:rPr kumimoji="1" lang="zh-CN" altLang="en-US" sz="2000" dirty="0">
+                <a:latin typeface="Bell MT" panose="02020503060305020303" pitchFamily="18" charset="0"/>
+              </a:rPr>
+              <a:t> </a:t>
+            </a:r>
+            <a:r>
+              <a:rPr kumimoji="1" lang="en-US" altLang="zh-CN" sz="2000" dirty="0">
+                <a:latin typeface="Bell MT" panose="02020503060305020303" pitchFamily="18" charset="0"/>
+              </a:rPr>
+              <a:t>dummies</a:t>
+            </a:r>
+          </a:p>
+        </p:txBody>
+      </p:sp>
+    </p:spTree>
+    <p:extLst>
+      <p:ext uri="{BB962C8B-B14F-4D97-AF65-F5344CB8AC3E}">
+        <p14:creationId xmlns:p14="http://schemas.microsoft.com/office/powerpoint/2010/main" val="1359294496"/>
+      </p:ext>
+    </p:extLst>
+  </p:cSld>
+  <p:clrMapOvr>
+    <a:masterClrMapping/>
+  </p:clrMapOvr>
+</p:sld>
+</file>
+
+<file path=ppt/slides/slide18.xml><?xml version="1.0" encoding="utf-8"?>
+<p:sld xmlns:a="http://schemas.openxmlformats.org/drawingml/2006/main" xmlns:r="http://schemas.openxmlformats.org/officeDocument/2006/relationships" xmlns:p="http://schemas.openxmlformats.org/presentationml/2006/main">
+  <p:cSld>
+    <p:spTree>
+      <p:nvGrpSpPr>
+        <p:cNvPr id="1" name=""/>
+        <p:cNvGrpSpPr/>
+        <p:nvPr/>
+      </p:nvGrpSpPr>
+      <p:grpSpPr>
+        <a:xfrm>
+          <a:off x="0" y="0"/>
+          <a:ext cx="0" cy="0"/>
+          <a:chOff x="0" y="0"/>
+          <a:chExt cx="0" cy="0"/>
+        </a:xfrm>
+      </p:grpSpPr>
+      <p:sp>
+        <p:nvSpPr>
+          <p:cNvPr id="4" name="标题 3">
+            <a:extLst>
+              <a:ext uri="{FF2B5EF4-FFF2-40B4-BE49-F238E27FC236}">
+                <a16:creationId xmlns="" xmlns:a16="http://schemas.microsoft.com/office/drawing/2014/main" id="{3C6F6CD6-52AA-5744-A29B-3D176D8B5A97}"/>
+              </a:ext>
+            </a:extLst>
+          </p:cNvPr>
+          <p:cNvSpPr>
+            <a:spLocks noGrp="1"/>
+          </p:cNvSpPr>
+          <p:nvPr>
+            <p:ph type="title"/>
+          </p:nvPr>
+        </p:nvSpPr>
+        <p:spPr/>
+        <p:txBody>
+          <a:bodyPr>
+            <a:normAutofit/>
+          </a:bodyPr>
+          <a:lstStyle/>
+          <a:p>
+            <a:r>
+              <a:rPr lang="en-US" altLang="zh-CN" sz="3200" b="1" dirty="0">
+                <a:solidFill>
+                  <a:schemeClr val="accent5">
+                    <a:lumMod val="50000"/>
+                  </a:schemeClr>
+                </a:solidFill>
+                <a:latin typeface="Bell MT" panose="02020503060305020303" pitchFamily="18" charset="0"/>
+              </a:rPr>
+              <a:t>A</a:t>
+            </a:r>
+            <a:r>
+              <a:rPr lang="zh-CN" altLang="en-US" sz="3200" b="1" dirty="0">
+                <a:solidFill>
+                  <a:schemeClr val="accent5">
+                    <a:lumMod val="50000"/>
+                  </a:schemeClr>
+                </a:solidFill>
+                <a:latin typeface="Bell MT" panose="02020503060305020303" pitchFamily="18" charset="0"/>
+              </a:rPr>
+              <a:t> </a:t>
+            </a:r>
+            <a:r>
+              <a:rPr lang="en-US" altLang="zh-CN" sz="3200" b="1" dirty="0">
+                <a:solidFill>
+                  <a:schemeClr val="accent5">
+                    <a:lumMod val="50000"/>
+                  </a:schemeClr>
+                </a:solidFill>
+                <a:latin typeface="Bell MT" panose="02020503060305020303" pitchFamily="18" charset="0"/>
+              </a:rPr>
+              <a:t>Recursive</a:t>
+            </a:r>
+            <a:r>
+              <a:rPr lang="zh-CN" altLang="en-US" sz="3200" b="1" dirty="0">
+                <a:solidFill>
+                  <a:schemeClr val="accent5">
+                    <a:lumMod val="50000"/>
+                  </a:schemeClr>
+                </a:solidFill>
+                <a:latin typeface="Bell MT" panose="02020503060305020303" pitchFamily="18" charset="0"/>
+              </a:rPr>
+              <a:t> </a:t>
+            </a:r>
+            <a:r>
+              <a:rPr lang="en-US" altLang="zh-CN" sz="3200" b="1" dirty="0">
+                <a:solidFill>
+                  <a:schemeClr val="accent5">
+                    <a:lumMod val="50000"/>
+                  </a:schemeClr>
+                </a:solidFill>
+                <a:latin typeface="Bell MT" panose="02020503060305020303" pitchFamily="18" charset="0"/>
+              </a:rPr>
+              <a:t>Evaluation</a:t>
+            </a:r>
+            <a:r>
+              <a:rPr lang="zh-CN" altLang="en-US" sz="3200" b="1" dirty="0">
+                <a:solidFill>
+                  <a:schemeClr val="accent5">
+                    <a:lumMod val="50000"/>
+                  </a:schemeClr>
+                </a:solidFill>
+                <a:latin typeface="Bell MT" panose="02020503060305020303" pitchFamily="18" charset="0"/>
+              </a:rPr>
+              <a:t> </a:t>
+            </a:r>
+            <a:r>
+              <a:rPr lang="en-US" altLang="zh-CN" sz="3200" b="1" dirty="0">
+                <a:solidFill>
+                  <a:schemeClr val="accent5">
+                    <a:lumMod val="50000"/>
+                  </a:schemeClr>
+                </a:solidFill>
+                <a:latin typeface="Bell MT" panose="02020503060305020303" pitchFamily="18" charset="0"/>
+              </a:rPr>
+              <a:t>Method</a:t>
+            </a:r>
+            <a:endParaRPr lang="zh-CN" altLang="en-US" sz="3200" b="1" dirty="0">
+              <a:solidFill>
+                <a:schemeClr val="accent5">
+                  <a:lumMod val="50000"/>
+                </a:schemeClr>
+              </a:solidFill>
+              <a:latin typeface="Bell MT" panose="02020503060305020303" pitchFamily="18" charset="0"/>
+            </a:endParaRPr>
+          </a:p>
+        </p:txBody>
+      </p:sp>
+      <p:sp>
+        <p:nvSpPr>
+          <p:cNvPr id="3" name="文本框 2">
+            <a:extLst>
+              <a:ext uri="{FF2B5EF4-FFF2-40B4-BE49-F238E27FC236}">
+                <a16:creationId xmlns="" xmlns:a16="http://schemas.microsoft.com/office/drawing/2014/main" id="{330CA33C-2FB6-8C44-AD50-071443AE5645}"/>
+              </a:ext>
+            </a:extLst>
+          </p:cNvPr>
+          <p:cNvSpPr txBox="1"/>
+          <p:nvPr/>
+        </p:nvSpPr>
+        <p:spPr>
+          <a:xfrm>
+            <a:off x="589548" y="1383564"/>
+            <a:ext cx="10764252" cy="1600438"/>
+          </a:xfrm>
+          <a:prstGeom prst="rect">
+            <a:avLst/>
+          </a:prstGeom>
+          <a:noFill/>
+        </p:spPr>
+        <p:txBody>
+          <a:bodyPr wrap="square" rtlCol="0">
+            <a:spAutoFit/>
+          </a:bodyPr>
+          <a:lstStyle/>
+          <a:p>
+            <a:r>
+              <a:rPr kumimoji="1" lang="en-US" altLang="zh-CN" sz="2000" dirty="0">
+                <a:latin typeface="Bell MT" panose="02020503060305020303" pitchFamily="18" charset="0"/>
+              </a:rPr>
+              <a:t>Divide</a:t>
+            </a:r>
+            <a:r>
+              <a:rPr kumimoji="1" lang="zh-CN" altLang="en-US" sz="2000" dirty="0">
+                <a:latin typeface="Bell MT" panose="02020503060305020303" pitchFamily="18" charset="0"/>
+              </a:rPr>
+              <a:t> </a:t>
+            </a:r>
+            <a:r>
+              <a:rPr kumimoji="1" lang="en-US" altLang="zh-CN" sz="2000" dirty="0">
+                <a:latin typeface="Bell MT" panose="02020503060305020303" pitchFamily="18" charset="0"/>
+              </a:rPr>
+              <a:t>the</a:t>
+            </a:r>
+            <a:r>
+              <a:rPr kumimoji="1" lang="zh-CN" altLang="en-US" sz="2000" dirty="0">
+                <a:latin typeface="Bell MT" panose="02020503060305020303" pitchFamily="18" charset="0"/>
+              </a:rPr>
+              <a:t> </a:t>
+            </a:r>
+            <a:r>
+              <a:rPr kumimoji="1" lang="en-US" altLang="zh-CN" sz="2000" dirty="0">
+                <a:latin typeface="Bell MT" panose="02020503060305020303" pitchFamily="18" charset="0"/>
+              </a:rPr>
+              <a:t>60</a:t>
+            </a:r>
+            <a:r>
+              <a:rPr kumimoji="1" lang="zh-CN" altLang="en-US" sz="2000" dirty="0">
+                <a:latin typeface="Bell MT" panose="02020503060305020303" pitchFamily="18" charset="0"/>
+              </a:rPr>
+              <a:t> </a:t>
+            </a:r>
+            <a:r>
+              <a:rPr kumimoji="1" lang="en-US" altLang="zh-CN" sz="2000" dirty="0">
+                <a:latin typeface="Bell MT" panose="02020503060305020303" pitchFamily="18" charset="0"/>
+              </a:rPr>
+              <a:t>years</a:t>
+            </a:r>
+            <a:r>
+              <a:rPr kumimoji="1" lang="zh-CN" altLang="en-US" sz="2000" dirty="0">
+                <a:latin typeface="Bell MT" panose="02020503060305020303" pitchFamily="18" charset="0"/>
+              </a:rPr>
+              <a:t> </a:t>
+            </a:r>
+            <a:r>
+              <a:rPr kumimoji="1" lang="en-US" altLang="zh-CN" sz="2000" dirty="0">
+                <a:latin typeface="Bell MT" panose="02020503060305020303" pitchFamily="18" charset="0"/>
+              </a:rPr>
+              <a:t>of</a:t>
+            </a:r>
+            <a:r>
+              <a:rPr kumimoji="1" lang="zh-CN" altLang="en-US" sz="2000" dirty="0">
+                <a:latin typeface="Bell MT" panose="02020503060305020303" pitchFamily="18" charset="0"/>
+              </a:rPr>
+              <a:t> </a:t>
+            </a:r>
+            <a:r>
+              <a:rPr kumimoji="1" lang="en-US" altLang="zh-CN" sz="2000" dirty="0">
+                <a:latin typeface="Bell MT" panose="02020503060305020303" pitchFamily="18" charset="0"/>
+              </a:rPr>
+              <a:t>data</a:t>
+            </a:r>
+            <a:r>
+              <a:rPr kumimoji="1" lang="zh-CN" altLang="en-US" sz="2000" dirty="0">
+                <a:latin typeface="Bell MT" panose="02020503060305020303" pitchFamily="18" charset="0"/>
+              </a:rPr>
+              <a:t> </a:t>
+            </a:r>
+            <a:r>
+              <a:rPr kumimoji="1" lang="en-US" altLang="zh-CN" sz="2000" dirty="0">
+                <a:latin typeface="Bell MT" panose="02020503060305020303" pitchFamily="18" charset="0"/>
+              </a:rPr>
+              <a:t>into</a:t>
+            </a:r>
+            <a:r>
+              <a:rPr kumimoji="1" lang="zh-CN" altLang="en-US" sz="2000" dirty="0">
+                <a:latin typeface="Bell MT" panose="02020503060305020303" pitchFamily="18" charset="0"/>
+              </a:rPr>
+              <a:t> </a:t>
+            </a:r>
+            <a:r>
+              <a:rPr kumimoji="1" lang="en-US" altLang="zh-CN" sz="2000" dirty="0">
+                <a:latin typeface="Bell MT" panose="02020503060305020303" pitchFamily="18" charset="0"/>
+              </a:rPr>
+              <a:t>18</a:t>
+            </a:r>
+            <a:r>
+              <a:rPr kumimoji="1" lang="zh-CN" altLang="en-US" sz="2000" dirty="0">
+                <a:latin typeface="Bell MT" panose="02020503060305020303" pitchFamily="18" charset="0"/>
+              </a:rPr>
+              <a:t> </a:t>
+            </a:r>
+            <a:r>
+              <a:rPr kumimoji="1" lang="en-US" altLang="zh-CN" sz="2000" dirty="0">
+                <a:latin typeface="Bell MT" panose="02020503060305020303" pitchFamily="18" charset="0"/>
+              </a:rPr>
+              <a:t>years</a:t>
+            </a:r>
+            <a:r>
+              <a:rPr kumimoji="1" lang="zh-CN" altLang="en-US" sz="2000" dirty="0">
+                <a:latin typeface="Bell MT" panose="02020503060305020303" pitchFamily="18" charset="0"/>
+              </a:rPr>
+              <a:t> </a:t>
+            </a:r>
+            <a:r>
+              <a:rPr kumimoji="1" lang="en-US" altLang="zh-CN" sz="2000" dirty="0">
+                <a:latin typeface="Bell MT" panose="02020503060305020303" pitchFamily="18" charset="0"/>
+              </a:rPr>
+              <a:t>of</a:t>
+            </a:r>
+            <a:r>
+              <a:rPr kumimoji="1" lang="zh-CN" altLang="en-US" sz="2000" dirty="0">
+                <a:latin typeface="Bell MT" panose="02020503060305020303" pitchFamily="18" charset="0"/>
+              </a:rPr>
+              <a:t> </a:t>
+            </a:r>
+            <a:r>
+              <a:rPr kumimoji="1" lang="en-US" altLang="zh-CN" sz="2000" dirty="0">
+                <a:solidFill>
+                  <a:srgbClr val="0070C0"/>
+                </a:solidFill>
+                <a:latin typeface="Bell MT" panose="02020503060305020303" pitchFamily="18" charset="0"/>
+              </a:rPr>
+              <a:t>training</a:t>
+            </a:r>
+            <a:r>
+              <a:rPr kumimoji="1" lang="zh-CN" altLang="en-US" sz="2000" dirty="0">
+                <a:latin typeface="Bell MT" panose="02020503060305020303" pitchFamily="18" charset="0"/>
+              </a:rPr>
+              <a:t> </a:t>
+            </a:r>
+            <a:r>
+              <a:rPr kumimoji="1" lang="en-US" altLang="zh-CN" sz="2000" dirty="0">
+                <a:latin typeface="Bell MT" panose="02020503060305020303" pitchFamily="18" charset="0"/>
+              </a:rPr>
+              <a:t>sample</a:t>
+            </a:r>
+            <a:r>
+              <a:rPr kumimoji="1" lang="zh-CN" altLang="en-US" sz="2000" dirty="0">
+                <a:latin typeface="Bell MT" panose="02020503060305020303" pitchFamily="18" charset="0"/>
+              </a:rPr>
+              <a:t> </a:t>
+            </a:r>
+            <a:r>
+              <a:rPr kumimoji="1" lang="en-US" altLang="zh-CN" sz="2000" dirty="0">
+                <a:latin typeface="Bell MT" panose="02020503060305020303" pitchFamily="18" charset="0"/>
+              </a:rPr>
+              <a:t>(1957-1974),</a:t>
+            </a:r>
+            <a:r>
+              <a:rPr kumimoji="1" lang="zh-CN" altLang="en-US" sz="2000" dirty="0">
+                <a:latin typeface="Bell MT" panose="02020503060305020303" pitchFamily="18" charset="0"/>
+              </a:rPr>
+              <a:t> </a:t>
+            </a:r>
+            <a:r>
+              <a:rPr kumimoji="1" lang="en-US" altLang="zh-CN" sz="2000" dirty="0">
+                <a:latin typeface="Bell MT" panose="02020503060305020303" pitchFamily="18" charset="0"/>
+              </a:rPr>
+              <a:t>12</a:t>
+            </a:r>
+            <a:r>
+              <a:rPr kumimoji="1" lang="zh-CN" altLang="en-US" sz="2000" dirty="0">
+                <a:latin typeface="Bell MT" panose="02020503060305020303" pitchFamily="18" charset="0"/>
+              </a:rPr>
+              <a:t> </a:t>
+            </a:r>
+            <a:r>
+              <a:rPr kumimoji="1" lang="en-US" altLang="zh-CN" sz="2000" dirty="0">
+                <a:latin typeface="Bell MT" panose="02020503060305020303" pitchFamily="18" charset="0"/>
+              </a:rPr>
+              <a:t>years</a:t>
+            </a:r>
+            <a:r>
+              <a:rPr kumimoji="1" lang="zh-CN" altLang="en-US" sz="2000" dirty="0">
+                <a:latin typeface="Bell MT" panose="02020503060305020303" pitchFamily="18" charset="0"/>
+              </a:rPr>
+              <a:t> </a:t>
+            </a:r>
+            <a:r>
+              <a:rPr kumimoji="1" lang="en-US" altLang="zh-CN" sz="2000" dirty="0">
+                <a:latin typeface="Bell MT" panose="02020503060305020303" pitchFamily="18" charset="0"/>
+              </a:rPr>
+              <a:t>of</a:t>
+            </a:r>
+            <a:r>
+              <a:rPr kumimoji="1" lang="zh-CN" altLang="en-US" sz="2000" dirty="0">
+                <a:latin typeface="Bell MT" panose="02020503060305020303" pitchFamily="18" charset="0"/>
+              </a:rPr>
+              <a:t> </a:t>
+            </a:r>
+            <a:r>
+              <a:rPr kumimoji="1" lang="en-US" altLang="zh-CN" sz="2000" dirty="0">
+                <a:solidFill>
+                  <a:srgbClr val="0070C0"/>
+                </a:solidFill>
+                <a:latin typeface="Bell MT" panose="02020503060305020303" pitchFamily="18" charset="0"/>
+              </a:rPr>
+              <a:t>validation</a:t>
+            </a:r>
+            <a:r>
+              <a:rPr kumimoji="1" lang="zh-CN" altLang="en-US" sz="2000" dirty="0">
+                <a:latin typeface="Bell MT" panose="02020503060305020303" pitchFamily="18" charset="0"/>
+              </a:rPr>
+              <a:t> </a:t>
+            </a:r>
+            <a:r>
+              <a:rPr kumimoji="1" lang="en-US" altLang="zh-CN" sz="2000" dirty="0">
+                <a:latin typeface="Bell MT" panose="02020503060305020303" pitchFamily="18" charset="0"/>
+              </a:rPr>
+              <a:t>sample</a:t>
+            </a:r>
+            <a:r>
+              <a:rPr kumimoji="1" lang="zh-CN" altLang="en-US" sz="2000" dirty="0">
+                <a:latin typeface="Bell MT" panose="02020503060305020303" pitchFamily="18" charset="0"/>
+              </a:rPr>
+              <a:t> </a:t>
+            </a:r>
+            <a:r>
+              <a:rPr kumimoji="1" lang="en-US" altLang="zh-CN" sz="2000" dirty="0">
+                <a:latin typeface="Bell MT" panose="02020503060305020303" pitchFamily="18" charset="0"/>
+              </a:rPr>
+              <a:t>(1975-1986),</a:t>
+            </a:r>
+            <a:r>
+              <a:rPr kumimoji="1" lang="zh-CN" altLang="en-US" sz="2000" dirty="0">
+                <a:latin typeface="Bell MT" panose="02020503060305020303" pitchFamily="18" charset="0"/>
+              </a:rPr>
+              <a:t> </a:t>
+            </a:r>
+            <a:r>
+              <a:rPr kumimoji="1" lang="en-US" altLang="zh-CN" sz="2000" dirty="0">
+                <a:latin typeface="Bell MT" panose="02020503060305020303" pitchFamily="18" charset="0"/>
+              </a:rPr>
+              <a:t>and</a:t>
+            </a:r>
+            <a:r>
+              <a:rPr kumimoji="1" lang="zh-CN" altLang="en-US" sz="2000" dirty="0">
+                <a:latin typeface="Bell MT" panose="02020503060305020303" pitchFamily="18" charset="0"/>
+              </a:rPr>
+              <a:t> </a:t>
+            </a:r>
+            <a:r>
+              <a:rPr kumimoji="1" lang="en-US" altLang="zh-CN" sz="2000" dirty="0">
+                <a:latin typeface="Bell MT" panose="02020503060305020303" pitchFamily="18" charset="0"/>
+              </a:rPr>
+              <a:t>the</a:t>
+            </a:r>
+            <a:r>
+              <a:rPr kumimoji="1" lang="zh-CN" altLang="en-US" sz="2000" dirty="0">
+                <a:latin typeface="Bell MT" panose="02020503060305020303" pitchFamily="18" charset="0"/>
+              </a:rPr>
+              <a:t> </a:t>
+            </a:r>
+            <a:r>
+              <a:rPr kumimoji="1" lang="en-US" altLang="zh-CN" sz="2000" dirty="0">
+                <a:latin typeface="Bell MT" panose="02020503060305020303" pitchFamily="18" charset="0"/>
+              </a:rPr>
+              <a:t>remaining</a:t>
+            </a:r>
+            <a:r>
+              <a:rPr kumimoji="1" lang="zh-CN" altLang="en-US" sz="2000" dirty="0">
+                <a:latin typeface="Bell MT" panose="02020503060305020303" pitchFamily="18" charset="0"/>
+              </a:rPr>
+              <a:t> </a:t>
+            </a:r>
+            <a:r>
+              <a:rPr kumimoji="1" lang="en-US" altLang="zh-CN" sz="2000" dirty="0">
+                <a:latin typeface="Bell MT" panose="02020503060305020303" pitchFamily="18" charset="0"/>
+              </a:rPr>
+              <a:t>30</a:t>
+            </a:r>
+            <a:r>
+              <a:rPr kumimoji="1" lang="zh-CN" altLang="en-US" sz="2000" dirty="0">
+                <a:latin typeface="Bell MT" panose="02020503060305020303" pitchFamily="18" charset="0"/>
+              </a:rPr>
+              <a:t> </a:t>
+            </a:r>
+            <a:r>
+              <a:rPr kumimoji="1" lang="en-US" altLang="zh-CN" sz="2000" dirty="0">
+                <a:latin typeface="Bell MT" panose="02020503060305020303" pitchFamily="18" charset="0"/>
+              </a:rPr>
+              <a:t>years</a:t>
+            </a:r>
+            <a:r>
+              <a:rPr kumimoji="1" lang="zh-CN" altLang="en-US" sz="2000" dirty="0">
+                <a:latin typeface="Bell MT" panose="02020503060305020303" pitchFamily="18" charset="0"/>
+              </a:rPr>
+              <a:t> </a:t>
+            </a:r>
+            <a:r>
+              <a:rPr kumimoji="1" lang="en-US" altLang="zh-CN" sz="2000" dirty="0">
+                <a:latin typeface="Bell MT" panose="02020503060305020303" pitchFamily="18" charset="0"/>
+              </a:rPr>
+              <a:t>for</a:t>
+            </a:r>
+            <a:r>
+              <a:rPr kumimoji="1" lang="zh-CN" altLang="en-US" sz="2000" dirty="0">
+                <a:latin typeface="Bell MT" panose="02020503060305020303" pitchFamily="18" charset="0"/>
+              </a:rPr>
+              <a:t> </a:t>
+            </a:r>
+            <a:r>
+              <a:rPr kumimoji="1" lang="en-US" altLang="zh-CN" sz="2000" dirty="0">
+                <a:latin typeface="Bell MT" panose="02020503060305020303" pitchFamily="18" charset="0"/>
+              </a:rPr>
+              <a:t>out-of-sample</a:t>
+            </a:r>
+            <a:r>
+              <a:rPr kumimoji="1" lang="zh-CN" altLang="en-US" sz="2000" dirty="0">
+                <a:latin typeface="Bell MT" panose="02020503060305020303" pitchFamily="18" charset="0"/>
+              </a:rPr>
+              <a:t> </a:t>
+            </a:r>
+            <a:r>
+              <a:rPr kumimoji="1" lang="en-US" altLang="zh-CN" sz="2000" dirty="0">
+                <a:solidFill>
+                  <a:srgbClr val="0070C0"/>
+                </a:solidFill>
+                <a:latin typeface="Bell MT" panose="02020503060305020303" pitchFamily="18" charset="0"/>
+              </a:rPr>
+              <a:t>testing</a:t>
+            </a:r>
+            <a:r>
+              <a:rPr kumimoji="1" lang="zh-CN" altLang="en-US" sz="2000" dirty="0">
+                <a:latin typeface="Bell MT" panose="02020503060305020303" pitchFamily="18" charset="0"/>
+              </a:rPr>
+              <a:t> </a:t>
+            </a:r>
+            <a:r>
+              <a:rPr kumimoji="1" lang="en-US" altLang="zh-CN" sz="2000" dirty="0">
+                <a:latin typeface="Bell MT" panose="02020503060305020303" pitchFamily="18" charset="0"/>
+              </a:rPr>
+              <a:t>(1987-2016).</a:t>
+            </a:r>
+          </a:p>
+          <a:p>
+            <a:endParaRPr kumimoji="1" lang="en-US" altLang="zh-CN" sz="2000" dirty="0">
+              <a:latin typeface="Bell MT" panose="02020503060305020303" pitchFamily="18" charset="0"/>
+            </a:endParaRPr>
+          </a:p>
+          <a:p>
+            <a:r>
+              <a:rPr kumimoji="1" lang="en-US" altLang="zh-CN" sz="2000" dirty="0">
+                <a:latin typeface="Bell MT" panose="02020503060305020303" pitchFamily="18" charset="0"/>
+              </a:rPr>
+              <a:t>Adopt</a:t>
+            </a:r>
+            <a:r>
+              <a:rPr kumimoji="1" lang="zh-CN" altLang="en-US" sz="2000" dirty="0">
+                <a:latin typeface="Bell MT" panose="02020503060305020303" pitchFamily="18" charset="0"/>
+              </a:rPr>
+              <a:t> </a:t>
+            </a:r>
+            <a:r>
+              <a:rPr kumimoji="1" lang="en-US" altLang="zh-CN" sz="2000" dirty="0">
+                <a:latin typeface="Bell MT" panose="02020503060305020303" pitchFamily="18" charset="0"/>
+              </a:rPr>
+              <a:t>a</a:t>
+            </a:r>
+            <a:r>
+              <a:rPr kumimoji="1" lang="zh-CN" altLang="en-US" sz="2000" dirty="0">
+                <a:latin typeface="Bell MT" panose="02020503060305020303" pitchFamily="18" charset="0"/>
+              </a:rPr>
+              <a:t> </a:t>
+            </a:r>
+            <a:r>
+              <a:rPr kumimoji="1" lang="en-US" altLang="zh-CN" sz="2000" b="1" dirty="0">
+                <a:solidFill>
+                  <a:srgbClr val="0070C0"/>
+                </a:solidFill>
+                <a:latin typeface="Bell MT" panose="02020503060305020303" pitchFamily="18" charset="0"/>
+              </a:rPr>
+              <a:t>recursive</a:t>
+            </a:r>
+            <a:r>
+              <a:rPr kumimoji="1" lang="zh-CN" altLang="en-US" sz="2000" b="1" dirty="0">
+                <a:solidFill>
+                  <a:srgbClr val="0070C0"/>
+                </a:solidFill>
+                <a:latin typeface="Bell MT" panose="02020503060305020303" pitchFamily="18" charset="0"/>
+              </a:rPr>
+              <a:t> </a:t>
+            </a:r>
+            <a:r>
+              <a:rPr kumimoji="1" lang="en-US" altLang="zh-CN" sz="2000" b="1" dirty="0">
+                <a:solidFill>
+                  <a:srgbClr val="0070C0"/>
+                </a:solidFill>
+                <a:latin typeface="Bell MT" panose="02020503060305020303" pitchFamily="18" charset="0"/>
+              </a:rPr>
+              <a:t>performance</a:t>
+            </a:r>
+            <a:r>
+              <a:rPr kumimoji="1" lang="zh-CN" altLang="en-US" sz="2000" b="1" dirty="0">
+                <a:solidFill>
+                  <a:srgbClr val="0070C0"/>
+                </a:solidFill>
+                <a:latin typeface="Bell MT" panose="02020503060305020303" pitchFamily="18" charset="0"/>
+              </a:rPr>
+              <a:t> </a:t>
+            </a:r>
+            <a:r>
+              <a:rPr kumimoji="1" lang="en-US" altLang="zh-CN" sz="2000" b="1" dirty="0">
+                <a:solidFill>
+                  <a:srgbClr val="0070C0"/>
+                </a:solidFill>
+                <a:latin typeface="Bell MT" panose="02020503060305020303" pitchFamily="18" charset="0"/>
+              </a:rPr>
+              <a:t>evaluation</a:t>
+            </a:r>
+            <a:r>
+              <a:rPr kumimoji="1" lang="zh-CN" altLang="en-US" sz="2000" b="1" dirty="0">
+                <a:solidFill>
+                  <a:srgbClr val="0070C0"/>
+                </a:solidFill>
+                <a:latin typeface="Bell MT" panose="02020503060305020303" pitchFamily="18" charset="0"/>
+              </a:rPr>
+              <a:t> </a:t>
+            </a:r>
+            <a:r>
+              <a:rPr kumimoji="1" lang="en-US" altLang="zh-CN" sz="2000" b="1" dirty="0">
+                <a:solidFill>
+                  <a:srgbClr val="0070C0"/>
+                </a:solidFill>
+                <a:latin typeface="Bell MT" panose="02020503060305020303" pitchFamily="18" charset="0"/>
+              </a:rPr>
+              <a:t>scheme</a:t>
+            </a:r>
+            <a:r>
+              <a:rPr kumimoji="1" lang="en-US" altLang="zh-CN" sz="2000" dirty="0">
+                <a:latin typeface="Bell MT" panose="02020503060305020303" pitchFamily="18" charset="0"/>
+              </a:rPr>
+              <a:t>.</a:t>
+            </a:r>
+          </a:p>
+          <a:p>
+            <a:endParaRPr kumimoji="1" lang="zh-CN" altLang="en-US" dirty="0"/>
+          </a:p>
+        </p:txBody>
+      </p:sp>
+      <p:pic>
+        <p:nvPicPr>
+          <p:cNvPr id="6" name="图片 5" descr="背景图案&#10;&#10;描述已自动生成">
+            <a:extLst>
+              <a:ext uri="{FF2B5EF4-FFF2-40B4-BE49-F238E27FC236}">
+                <a16:creationId xmlns="" xmlns:a16="http://schemas.microsoft.com/office/drawing/2014/main" id="{9F953266-12C7-7E4A-A82B-CCE10BC5C37A}"/>
+              </a:ext>
+            </a:extLst>
+          </p:cNvPr>
+          <p:cNvPicPr>
+            <a:picLocks noChangeAspect="1"/>
+          </p:cNvPicPr>
+          <p:nvPr/>
+        </p:nvPicPr>
+        <p:blipFill>
+          <a:blip r:embed="rId2"/>
+          <a:stretch>
+            <a:fillRect/>
+          </a:stretch>
+        </p:blipFill>
+        <p:spPr>
+          <a:xfrm>
+            <a:off x="2217822" y="2709127"/>
+            <a:ext cx="6997700" cy="3581400"/>
+          </a:xfrm>
+          <a:prstGeom prst="rect">
+            <a:avLst/>
+          </a:prstGeom>
+        </p:spPr>
+      </p:pic>
+    </p:spTree>
+    <p:extLst>
+      <p:ext uri="{BB962C8B-B14F-4D97-AF65-F5344CB8AC3E}">
+        <p14:creationId xmlns:p14="http://schemas.microsoft.com/office/powerpoint/2010/main" val="731557486"/>
+      </p:ext>
+    </p:extLst>
+  </p:cSld>
+  <p:clrMapOvr>
+    <a:masterClrMapping/>
+  </p:clrMapOvr>
+</p:sld>
+</file>
+
+<file path=ppt/slides/slide19.xml><?xml version="1.0" encoding="utf-8"?>
+<p:sld xmlns:a="http://schemas.openxmlformats.org/drawingml/2006/main" xmlns:r="http://schemas.openxmlformats.org/officeDocument/2006/relationships" xmlns:p="http://schemas.openxmlformats.org/presentationml/2006/main">
+  <p:cSld>
+    <p:spTree>
+      <p:nvGrpSpPr>
+        <p:cNvPr id="1" name=""/>
+        <p:cNvGrpSpPr/>
+        <p:nvPr/>
+      </p:nvGrpSpPr>
+      <p:grpSpPr>
+        <a:xfrm>
+          <a:off x="0" y="0"/>
+          <a:ext cx="0" cy="0"/>
+          <a:chOff x="0" y="0"/>
+          <a:chExt cx="0" cy="0"/>
+        </a:xfrm>
+      </p:grpSpPr>
+      <p:sp>
+        <p:nvSpPr>
+          <p:cNvPr id="4" name="标题 3">
+            <a:extLst>
+              <a:ext uri="{FF2B5EF4-FFF2-40B4-BE49-F238E27FC236}">
+                <a16:creationId xmlns="" xmlns:a16="http://schemas.microsoft.com/office/drawing/2014/main" id="{3C6F6CD6-52AA-5744-A29B-3D176D8B5A97}"/>
+              </a:ext>
+            </a:extLst>
+          </p:cNvPr>
+          <p:cNvSpPr>
+            <a:spLocks noGrp="1"/>
+          </p:cNvSpPr>
+          <p:nvPr>
+            <p:ph type="title"/>
+          </p:nvPr>
+        </p:nvSpPr>
+        <p:spPr/>
+        <p:txBody>
+          <a:bodyPr>
+            <a:normAutofit/>
+          </a:bodyPr>
+          <a:lstStyle/>
+          <a:p>
+            <a:r>
+              <a:rPr lang="en-US" altLang="zh-CN" sz="3200" b="1" dirty="0">
+                <a:solidFill>
+                  <a:schemeClr val="accent5">
+                    <a:lumMod val="50000"/>
+                  </a:schemeClr>
+                </a:solidFill>
+                <a:latin typeface="Bell MT" panose="02020503060305020303" pitchFamily="18" charset="0"/>
+              </a:rPr>
+              <a:t>Individual</a:t>
+            </a:r>
+            <a:r>
+              <a:rPr lang="zh-CN" altLang="en-US" sz="3200" b="1" dirty="0">
+                <a:solidFill>
+                  <a:schemeClr val="accent5">
+                    <a:lumMod val="50000"/>
+                  </a:schemeClr>
+                </a:solidFill>
+                <a:latin typeface="Bell MT" panose="02020503060305020303" pitchFamily="18" charset="0"/>
+              </a:rPr>
+              <a:t> </a:t>
+            </a:r>
+            <a:r>
+              <a:rPr lang="en-US" altLang="zh-CN" sz="3200" b="1" dirty="0">
+                <a:solidFill>
+                  <a:schemeClr val="accent5">
+                    <a:lumMod val="50000"/>
+                  </a:schemeClr>
+                </a:solidFill>
+                <a:latin typeface="Bell MT" panose="02020503060305020303" pitchFamily="18" charset="0"/>
+              </a:rPr>
+              <a:t>Stock</a:t>
+            </a:r>
+            <a:r>
+              <a:rPr lang="zh-CN" altLang="en-US" sz="3200" b="1" dirty="0">
+                <a:solidFill>
+                  <a:schemeClr val="accent5">
+                    <a:lumMod val="50000"/>
+                  </a:schemeClr>
+                </a:solidFill>
+                <a:latin typeface="Bell MT" panose="02020503060305020303" pitchFamily="18" charset="0"/>
+              </a:rPr>
+              <a:t> </a:t>
+            </a:r>
+            <a:r>
+              <a:rPr lang="en-US" altLang="zh-CN" sz="3200" b="1" dirty="0">
+                <a:solidFill>
+                  <a:schemeClr val="accent5">
+                    <a:lumMod val="50000"/>
+                  </a:schemeClr>
+                </a:solidFill>
+                <a:latin typeface="Bell MT" panose="02020503060305020303" pitchFamily="18" charset="0"/>
+              </a:rPr>
+              <a:t>Returns</a:t>
+            </a:r>
+            <a:r>
+              <a:rPr lang="zh-CN" altLang="en-US" sz="3200" b="1" dirty="0">
+                <a:solidFill>
+                  <a:schemeClr val="accent5">
+                    <a:lumMod val="50000"/>
+                  </a:schemeClr>
+                </a:solidFill>
+                <a:latin typeface="Bell MT" panose="02020503060305020303" pitchFamily="18" charset="0"/>
+              </a:rPr>
+              <a:t> </a:t>
+            </a:r>
+            <a:r>
+              <a:rPr lang="en-US" altLang="zh-CN" sz="3200" b="1" dirty="0">
+                <a:solidFill>
+                  <a:schemeClr val="accent5">
+                    <a:lumMod val="50000"/>
+                  </a:schemeClr>
+                </a:solidFill>
+                <a:latin typeface="Bell MT" panose="02020503060305020303" pitchFamily="18" charset="0"/>
+              </a:rPr>
+              <a:t>Prediction</a:t>
+            </a:r>
+            <a:endParaRPr lang="zh-CN" altLang="en-US" sz="3200" b="1" dirty="0">
+              <a:solidFill>
+                <a:schemeClr val="accent5">
+                  <a:lumMod val="50000"/>
+                </a:schemeClr>
+              </a:solidFill>
+              <a:latin typeface="Bell MT" panose="02020503060305020303" pitchFamily="18" charset="0"/>
+            </a:endParaRPr>
+          </a:p>
+        </p:txBody>
+      </p:sp>
+      <p:sp>
+        <p:nvSpPr>
+          <p:cNvPr id="3" name="文本框 2">
+            <a:extLst>
+              <a:ext uri="{FF2B5EF4-FFF2-40B4-BE49-F238E27FC236}">
+                <a16:creationId xmlns="" xmlns:a16="http://schemas.microsoft.com/office/drawing/2014/main" id="{019C3CD9-3A7F-DC4A-95D2-8554D2D92F41}"/>
+              </a:ext>
+            </a:extLst>
+          </p:cNvPr>
+          <p:cNvSpPr txBox="1"/>
+          <p:nvPr/>
+        </p:nvSpPr>
+        <p:spPr>
+          <a:xfrm>
+            <a:off x="589548" y="1383564"/>
+            <a:ext cx="10764252" cy="400110"/>
+          </a:xfrm>
+          <a:prstGeom prst="rect">
+            <a:avLst/>
+          </a:prstGeom>
+          <a:noFill/>
+        </p:spPr>
+        <p:txBody>
+          <a:bodyPr wrap="square" rtlCol="0">
+            <a:spAutoFit/>
+          </a:bodyPr>
+          <a:lstStyle/>
+          <a:p>
+            <a:r>
+              <a:rPr kumimoji="1" lang="en-US" altLang="zh-CN" sz="2000" dirty="0">
+                <a:latin typeface="Bell MT" panose="02020503060305020303" pitchFamily="18" charset="0"/>
+              </a:rPr>
+              <a:t>Empirical</a:t>
+            </a:r>
+            <a:r>
+              <a:rPr kumimoji="1" lang="zh-CN" altLang="en-US" sz="2000" dirty="0">
+                <a:latin typeface="Bell MT" panose="02020503060305020303" pitchFamily="18" charset="0"/>
+              </a:rPr>
+              <a:t> </a:t>
+            </a:r>
+            <a:r>
+              <a:rPr kumimoji="1" lang="en-US" altLang="zh-CN" sz="2000" dirty="0">
+                <a:latin typeface="Bell MT" panose="02020503060305020303" pitchFamily="18" charset="0"/>
+              </a:rPr>
+              <a:t>results</a:t>
+            </a:r>
+            <a:r>
+              <a:rPr kumimoji="1" lang="zh-CN" altLang="en-US" sz="2000" dirty="0">
+                <a:latin typeface="Bell MT" panose="02020503060305020303" pitchFamily="18" charset="0"/>
+              </a:rPr>
+              <a:t> </a:t>
+            </a:r>
+            <a:r>
+              <a:rPr kumimoji="1" lang="en-US" altLang="zh-CN" sz="2000" dirty="0">
+                <a:latin typeface="Bell MT" panose="02020503060305020303" pitchFamily="18" charset="0"/>
+              </a:rPr>
+              <a:t>are</a:t>
+            </a:r>
+            <a:r>
+              <a:rPr kumimoji="1" lang="zh-CN" altLang="en-US" sz="2000" dirty="0">
+                <a:latin typeface="Bell MT" panose="02020503060305020303" pitchFamily="18" charset="0"/>
+              </a:rPr>
+              <a:t> </a:t>
+            </a:r>
+            <a:r>
+              <a:rPr kumimoji="1" lang="en-US" altLang="zh-CN" sz="2000" dirty="0">
+                <a:latin typeface="Bell MT" panose="02020503060305020303" pitchFamily="18" charset="0"/>
+              </a:rPr>
+              <a:t>not</a:t>
+            </a:r>
+            <a:r>
+              <a:rPr kumimoji="1" lang="zh-CN" altLang="en-US" sz="2000" dirty="0">
+                <a:latin typeface="Bell MT" panose="02020503060305020303" pitchFamily="18" charset="0"/>
+              </a:rPr>
+              <a:t> </a:t>
+            </a:r>
+            <a:r>
+              <a:rPr kumimoji="1" lang="en-US" altLang="zh-CN" sz="2000" dirty="0">
+                <a:latin typeface="Bell MT" panose="02020503060305020303" pitchFamily="18" charset="0"/>
+              </a:rPr>
+              <a:t>optimized</a:t>
+            </a:r>
+            <a:r>
+              <a:rPr kumimoji="1" lang="zh-CN" altLang="en-US" sz="2000" dirty="0">
+                <a:latin typeface="Bell MT" panose="02020503060305020303" pitchFamily="18" charset="0"/>
+              </a:rPr>
+              <a:t> </a:t>
+            </a:r>
+            <a:r>
+              <a:rPr kumimoji="1" lang="en-US" altLang="zh-CN" sz="2000" dirty="0">
+                <a:latin typeface="Bell MT" panose="02020503060305020303" pitchFamily="18" charset="0"/>
+              </a:rPr>
+              <a:t>over</a:t>
+            </a:r>
+            <a:r>
+              <a:rPr kumimoji="1" lang="zh-CN" altLang="en-US" sz="2000" dirty="0">
+                <a:latin typeface="Bell MT" panose="02020503060305020303" pitchFamily="18" charset="0"/>
+              </a:rPr>
+              <a:t> </a:t>
+            </a:r>
+            <a:r>
+              <a:rPr kumimoji="1" lang="en-US" altLang="zh-CN" sz="2000" dirty="0">
+                <a:latin typeface="Bell MT" panose="02020503060305020303" pitchFamily="18" charset="0"/>
+              </a:rPr>
+              <a:t>hyperparameters,</a:t>
+            </a:r>
+            <a:r>
+              <a:rPr kumimoji="1" lang="zh-CN" altLang="en-US" sz="2000" dirty="0">
+                <a:latin typeface="Bell MT" panose="02020503060305020303" pitchFamily="18" charset="0"/>
+              </a:rPr>
+              <a:t> </a:t>
+            </a:r>
+            <a:r>
+              <a:rPr kumimoji="1" lang="en-US" altLang="zh-CN" sz="2000" dirty="0">
+                <a:latin typeface="Bell MT" panose="02020503060305020303" pitchFamily="18" charset="0"/>
+              </a:rPr>
+              <a:t>and</a:t>
+            </a:r>
+            <a:r>
+              <a:rPr kumimoji="1" lang="zh-CN" altLang="en-US" sz="2000" dirty="0">
+                <a:latin typeface="Bell MT" panose="02020503060305020303" pitchFamily="18" charset="0"/>
+              </a:rPr>
+              <a:t> </a:t>
+            </a:r>
+            <a:r>
+              <a:rPr kumimoji="1" lang="en-US" altLang="zh-CN" sz="2000" dirty="0">
+                <a:latin typeface="Bell MT" panose="02020503060305020303" pitchFamily="18" charset="0"/>
+              </a:rPr>
+              <a:t>therefore</a:t>
+            </a:r>
+            <a:r>
+              <a:rPr kumimoji="1" lang="zh-CN" altLang="en-US" sz="2000" dirty="0">
+                <a:latin typeface="Bell MT" panose="02020503060305020303" pitchFamily="18" charset="0"/>
+              </a:rPr>
+              <a:t> </a:t>
+            </a:r>
+            <a:r>
+              <a:rPr kumimoji="1" lang="en-US" altLang="zh-CN" sz="2000" dirty="0">
+                <a:latin typeface="Bell MT" panose="02020503060305020303" pitchFamily="18" charset="0"/>
+              </a:rPr>
+              <a:t>are</a:t>
+            </a:r>
+            <a:r>
+              <a:rPr kumimoji="1" lang="zh-CN" altLang="en-US" sz="2000" dirty="0">
+                <a:latin typeface="Bell MT" panose="02020503060305020303" pitchFamily="18" charset="0"/>
+              </a:rPr>
+              <a:t> </a:t>
+            </a:r>
+            <a:r>
+              <a:rPr kumimoji="1" lang="en-US" altLang="zh-CN" sz="2000" dirty="0">
+                <a:latin typeface="Bell MT" panose="02020503060305020303" pitchFamily="18" charset="0"/>
+              </a:rPr>
+              <a:t>more</a:t>
+            </a:r>
+            <a:r>
+              <a:rPr kumimoji="1" lang="zh-CN" altLang="en-US" sz="2000" dirty="0">
+                <a:latin typeface="Bell MT" panose="02020503060305020303" pitchFamily="18" charset="0"/>
+              </a:rPr>
+              <a:t> </a:t>
+            </a:r>
+            <a:r>
+              <a:rPr kumimoji="1" lang="en-US" altLang="zh-CN" sz="2000" dirty="0">
+                <a:latin typeface="Bell MT" panose="02020503060305020303" pitchFamily="18" charset="0"/>
+              </a:rPr>
+              <a:t>conservative.</a:t>
+            </a:r>
+            <a:r>
+              <a:rPr kumimoji="1" lang="zh-CN" altLang="en-US" sz="2000" dirty="0">
+                <a:latin typeface="Bell MT" panose="02020503060305020303" pitchFamily="18" charset="0"/>
+              </a:rPr>
+              <a:t> </a:t>
+            </a:r>
+            <a:endParaRPr kumimoji="1" lang="zh-CN" altLang="en-US" dirty="0"/>
+          </a:p>
+        </p:txBody>
+      </p:sp>
+      <p:pic>
+        <p:nvPicPr>
+          <p:cNvPr id="5" name="图片 4" descr="图表, 条形图&#10;&#10;描述已自动生成">
+            <a:extLst>
+              <a:ext uri="{FF2B5EF4-FFF2-40B4-BE49-F238E27FC236}">
+                <a16:creationId xmlns="" xmlns:a16="http://schemas.microsoft.com/office/drawing/2014/main" id="{AE9CFA41-000A-D14A-88B8-DA9ADA48B6E5}"/>
+              </a:ext>
+            </a:extLst>
+          </p:cNvPr>
+          <p:cNvPicPr>
+            <a:picLocks noChangeAspect="1"/>
+          </p:cNvPicPr>
+          <p:nvPr/>
+        </p:nvPicPr>
+        <p:blipFill>
+          <a:blip r:embed="rId2"/>
+          <a:stretch>
+            <a:fillRect/>
+          </a:stretch>
+        </p:blipFill>
+        <p:spPr>
+          <a:xfrm>
+            <a:off x="1054769" y="1783674"/>
+            <a:ext cx="9601200" cy="4203700"/>
+          </a:xfrm>
+          <a:prstGeom prst="rect">
+            <a:avLst/>
+          </a:prstGeom>
+        </p:spPr>
+      </p:pic>
+    </p:spTree>
+    <p:extLst>
+      <p:ext uri="{BB962C8B-B14F-4D97-AF65-F5344CB8AC3E}">
+        <p14:creationId xmlns:p14="http://schemas.microsoft.com/office/powerpoint/2010/main" val="942788127"/>
       </p:ext>
     </p:extLst>
   </p:cSld>
@@ -10105,10 +12623,10 @@
           <p:cNvPr id="19" name="Rectangle 21">
             <a:extLst>
               <a:ext uri="{FF2B5EF4-FFF2-40B4-BE49-F238E27FC236}">
-                <a16:creationId xmlns:a16="http://schemas.microsoft.com/office/drawing/2014/main" id="{DCC231C8-C761-4B31-9B1C-C6D19248C6B3}"/>
+                <a16:creationId xmlns:a16="http://schemas.microsoft.com/office/drawing/2014/main" xmlns="" id="{DCC231C8-C761-4B31-9B1C-C6D19248C6B3}"/>
               </a:ext>
               <a:ext uri="{C183D7F6-B498-43B3-948B-1728B52AA6E4}">
-                <adec:decorative xmlns:adec="http://schemas.microsoft.com/office/drawing/2017/decorative" val="1"/>
+                <adec:decorative xmlns:adec="http://schemas.microsoft.com/office/drawing/2017/decorative" xmlns="" val="1"/>
               </a:ext>
             </a:extLst>
           </p:cNvPr>
@@ -10165,7 +12683,7 @@
           <p:cNvPr id="2" name="Title 1">
             <a:extLst>
               <a:ext uri="{FF2B5EF4-FFF2-40B4-BE49-F238E27FC236}">
-                <a16:creationId xmlns:a16="http://schemas.microsoft.com/office/drawing/2014/main" id="{DFFBCCDC-1885-48B6-9EE8-475C593DB14D}"/>
+                <a16:creationId xmlns:a16="http://schemas.microsoft.com/office/drawing/2014/main" xmlns="" id="{DFFBCCDC-1885-48B6-9EE8-475C593DB14D}"/>
               </a:ext>
             </a:extLst>
           </p:cNvPr>
@@ -10203,7 +12721,7 @@
           <p:cNvPr id="5" name="Content Placeholder 2">
             <a:extLst>
               <a:ext uri="{FF2B5EF4-FFF2-40B4-BE49-F238E27FC236}">
-                <a16:creationId xmlns:a16="http://schemas.microsoft.com/office/drawing/2014/main" id="{C5F126F4-F679-4666-927A-17F95BD264C1}"/>
+                <a16:creationId xmlns:a16="http://schemas.microsoft.com/office/drawing/2014/main" xmlns="" id="{C5F126F4-F679-4666-927A-17F95BD264C1}"/>
               </a:ext>
             </a:extLst>
           </p:cNvPr>
@@ -10233,6 +12751,965 @@
     <p:extLst>
       <p:ext uri="{BB962C8B-B14F-4D97-AF65-F5344CB8AC3E}">
         <p14:creationId xmlns:p14="http://schemas.microsoft.com/office/powerpoint/2010/main" val="3629144605"/>
+      </p:ext>
+    </p:extLst>
+  </p:cSld>
+  <p:clrMapOvr>
+    <a:masterClrMapping/>
+  </p:clrMapOvr>
+</p:sld>
+</file>
+
+<file path=ppt/slides/slide20.xml><?xml version="1.0" encoding="utf-8"?>
+<p:sld xmlns:a="http://schemas.openxmlformats.org/drawingml/2006/main" xmlns:r="http://schemas.openxmlformats.org/officeDocument/2006/relationships" xmlns:p="http://schemas.openxmlformats.org/presentationml/2006/main">
+  <p:cSld>
+    <p:spTree>
+      <p:nvGrpSpPr>
+        <p:cNvPr id="1" name=""/>
+        <p:cNvGrpSpPr/>
+        <p:nvPr/>
+      </p:nvGrpSpPr>
+      <p:grpSpPr>
+        <a:xfrm>
+          <a:off x="0" y="0"/>
+          <a:ext cx="0" cy="0"/>
+          <a:chOff x="0" y="0"/>
+          <a:chExt cx="0" cy="0"/>
+        </a:xfrm>
+      </p:grpSpPr>
+      <p:sp>
+        <p:nvSpPr>
+          <p:cNvPr id="4" name="标题 3">
+            <a:extLst>
+              <a:ext uri="{FF2B5EF4-FFF2-40B4-BE49-F238E27FC236}">
+                <a16:creationId xmlns="" xmlns:a16="http://schemas.microsoft.com/office/drawing/2014/main" id="{3C6F6CD6-52AA-5744-A29B-3D176D8B5A97}"/>
+              </a:ext>
+            </a:extLst>
+          </p:cNvPr>
+          <p:cNvSpPr>
+            <a:spLocks noGrp="1"/>
+          </p:cNvSpPr>
+          <p:nvPr>
+            <p:ph type="title"/>
+          </p:nvPr>
+        </p:nvSpPr>
+        <p:spPr/>
+        <p:txBody>
+          <a:bodyPr>
+            <a:normAutofit/>
+          </a:bodyPr>
+          <a:lstStyle/>
+          <a:p>
+            <a:r>
+              <a:rPr lang="en-US" altLang="zh-CN" sz="3200" b="1" dirty="0">
+                <a:solidFill>
+                  <a:schemeClr val="accent5">
+                    <a:lumMod val="50000"/>
+                  </a:schemeClr>
+                </a:solidFill>
+                <a:latin typeface="Bell MT" panose="02020503060305020303" pitchFamily="18" charset="0"/>
+              </a:rPr>
+              <a:t>Characteristic</a:t>
+            </a:r>
+            <a:r>
+              <a:rPr lang="zh-CN" altLang="en-US" sz="3200" b="1" dirty="0">
+                <a:solidFill>
+                  <a:schemeClr val="accent5">
+                    <a:lumMod val="50000"/>
+                  </a:schemeClr>
+                </a:solidFill>
+                <a:latin typeface="Bell MT" panose="02020503060305020303" pitchFamily="18" charset="0"/>
+              </a:rPr>
+              <a:t> </a:t>
+            </a:r>
+            <a:r>
+              <a:rPr lang="en-US" altLang="zh-CN" sz="3200" b="1" dirty="0">
+                <a:solidFill>
+                  <a:schemeClr val="accent5">
+                    <a:lumMod val="50000"/>
+                  </a:schemeClr>
+                </a:solidFill>
+                <a:latin typeface="Bell MT" panose="02020503060305020303" pitchFamily="18" charset="0"/>
+              </a:rPr>
+              <a:t>Importance</a:t>
+            </a:r>
+            <a:endParaRPr lang="zh-CN" altLang="en-US" sz="3200" b="1" dirty="0">
+              <a:solidFill>
+                <a:schemeClr val="accent5">
+                  <a:lumMod val="50000"/>
+                </a:schemeClr>
+              </a:solidFill>
+              <a:latin typeface="Bell MT" panose="02020503060305020303" pitchFamily="18" charset="0"/>
+            </a:endParaRPr>
+          </a:p>
+        </p:txBody>
+      </p:sp>
+      <p:pic>
+        <p:nvPicPr>
+          <p:cNvPr id="5" name="图片 4" descr="图表&#10;&#10;描述已自动生成">
+            <a:extLst>
+              <a:ext uri="{FF2B5EF4-FFF2-40B4-BE49-F238E27FC236}">
+                <a16:creationId xmlns="" xmlns:a16="http://schemas.microsoft.com/office/drawing/2014/main" id="{047D9B4E-4779-8344-943D-DA28874A6D93}"/>
+              </a:ext>
+            </a:extLst>
+          </p:cNvPr>
+          <p:cNvPicPr>
+            <a:picLocks noChangeAspect="1"/>
+          </p:cNvPicPr>
+          <p:nvPr/>
+        </p:nvPicPr>
+        <p:blipFill>
+          <a:blip r:embed="rId2"/>
+          <a:stretch>
+            <a:fillRect/>
+          </a:stretch>
+        </p:blipFill>
+        <p:spPr>
+          <a:xfrm>
+            <a:off x="838200" y="1690688"/>
+            <a:ext cx="10210800" cy="4102100"/>
+          </a:xfrm>
+          <a:prstGeom prst="rect">
+            <a:avLst/>
+          </a:prstGeom>
+        </p:spPr>
+      </p:pic>
+    </p:spTree>
+    <p:extLst>
+      <p:ext uri="{BB962C8B-B14F-4D97-AF65-F5344CB8AC3E}">
+        <p14:creationId xmlns:p14="http://schemas.microsoft.com/office/powerpoint/2010/main" val="1305702923"/>
+      </p:ext>
+    </p:extLst>
+  </p:cSld>
+  <p:clrMapOvr>
+    <a:masterClrMapping/>
+  </p:clrMapOvr>
+</p:sld>
+</file>
+
+<file path=ppt/slides/slide21.xml><?xml version="1.0" encoding="utf-8"?>
+<p:sld xmlns:a="http://schemas.openxmlformats.org/drawingml/2006/main" xmlns:r="http://schemas.openxmlformats.org/officeDocument/2006/relationships" xmlns:p="http://schemas.openxmlformats.org/presentationml/2006/main">
+  <p:cSld>
+    <p:spTree>
+      <p:nvGrpSpPr>
+        <p:cNvPr id="1" name=""/>
+        <p:cNvGrpSpPr/>
+        <p:nvPr/>
+      </p:nvGrpSpPr>
+      <p:grpSpPr>
+        <a:xfrm>
+          <a:off x="0" y="0"/>
+          <a:ext cx="0" cy="0"/>
+          <a:chOff x="0" y="0"/>
+          <a:chExt cx="0" cy="0"/>
+        </a:xfrm>
+      </p:grpSpPr>
+      <p:sp>
+        <p:nvSpPr>
+          <p:cNvPr id="4" name="标题 3">
+            <a:extLst>
+              <a:ext uri="{FF2B5EF4-FFF2-40B4-BE49-F238E27FC236}">
+                <a16:creationId xmlns="" xmlns:a16="http://schemas.microsoft.com/office/drawing/2014/main" id="{3C6F6CD6-52AA-5744-A29B-3D176D8B5A97}"/>
+              </a:ext>
+            </a:extLst>
+          </p:cNvPr>
+          <p:cNvSpPr>
+            <a:spLocks noGrp="1"/>
+          </p:cNvSpPr>
+          <p:nvPr>
+            <p:ph type="title"/>
+          </p:nvPr>
+        </p:nvSpPr>
+        <p:spPr/>
+        <p:txBody>
+          <a:bodyPr>
+            <a:normAutofit/>
+          </a:bodyPr>
+          <a:lstStyle/>
+          <a:p>
+            <a:r>
+              <a:rPr lang="en-US" altLang="zh-CN" sz="3200" b="1" dirty="0">
+                <a:solidFill>
+                  <a:schemeClr val="accent5">
+                    <a:lumMod val="50000"/>
+                  </a:schemeClr>
+                </a:solidFill>
+                <a:latin typeface="Bell MT" panose="02020503060305020303" pitchFamily="18" charset="0"/>
+              </a:rPr>
+              <a:t>Requirements</a:t>
+            </a:r>
+            <a:r>
+              <a:rPr lang="zh-CN" altLang="en-US" sz="3200" b="1" dirty="0">
+                <a:solidFill>
+                  <a:schemeClr val="accent5">
+                    <a:lumMod val="50000"/>
+                  </a:schemeClr>
+                </a:solidFill>
+                <a:latin typeface="Bell MT" panose="02020503060305020303" pitchFamily="18" charset="0"/>
+              </a:rPr>
+              <a:t> </a:t>
+            </a:r>
+            <a:r>
+              <a:rPr lang="en-US" altLang="zh-CN" sz="3200" b="1" dirty="0">
+                <a:solidFill>
+                  <a:schemeClr val="accent5">
+                    <a:lumMod val="50000"/>
+                  </a:schemeClr>
+                </a:solidFill>
+                <a:latin typeface="Bell MT" panose="02020503060305020303" pitchFamily="18" charset="0"/>
+              </a:rPr>
+              <a:t>for</a:t>
+            </a:r>
+            <a:r>
+              <a:rPr lang="zh-CN" altLang="en-US" sz="3200" b="1" dirty="0">
+                <a:solidFill>
+                  <a:schemeClr val="accent5">
+                    <a:lumMod val="50000"/>
+                  </a:schemeClr>
+                </a:solidFill>
+                <a:latin typeface="Bell MT" panose="02020503060305020303" pitchFamily="18" charset="0"/>
+              </a:rPr>
+              <a:t> </a:t>
+            </a:r>
+            <a:r>
+              <a:rPr lang="en-US" altLang="zh-CN" sz="3200" b="1" dirty="0">
+                <a:solidFill>
+                  <a:schemeClr val="accent5">
+                    <a:lumMod val="50000"/>
+                  </a:schemeClr>
+                </a:solidFill>
+                <a:latin typeface="Bell MT" panose="02020503060305020303" pitchFamily="18" charset="0"/>
+              </a:rPr>
+              <a:t>replication</a:t>
+            </a:r>
+            <a:endParaRPr lang="zh-CN" altLang="en-US" sz="3200" b="1" dirty="0">
+              <a:solidFill>
+                <a:schemeClr val="accent5">
+                  <a:lumMod val="50000"/>
+                </a:schemeClr>
+              </a:solidFill>
+              <a:latin typeface="Bell MT" panose="02020503060305020303" pitchFamily="18" charset="0"/>
+            </a:endParaRPr>
+          </a:p>
+        </p:txBody>
+      </p:sp>
+      <p:sp>
+        <p:nvSpPr>
+          <p:cNvPr id="3" name="文本框 2">
+            <a:extLst>
+              <a:ext uri="{FF2B5EF4-FFF2-40B4-BE49-F238E27FC236}">
+                <a16:creationId xmlns="" xmlns:a16="http://schemas.microsoft.com/office/drawing/2014/main" id="{330CA33C-2FB6-8C44-AD50-071443AE5645}"/>
+              </a:ext>
+            </a:extLst>
+          </p:cNvPr>
+          <p:cNvSpPr txBox="1"/>
+          <p:nvPr/>
+        </p:nvSpPr>
+        <p:spPr>
+          <a:xfrm>
+            <a:off x="589548" y="1690688"/>
+            <a:ext cx="10764252" cy="3477875"/>
+          </a:xfrm>
+          <a:prstGeom prst="rect">
+            <a:avLst/>
+          </a:prstGeom>
+          <a:noFill/>
+        </p:spPr>
+        <p:txBody>
+          <a:bodyPr wrap="square" rtlCol="0">
+            <a:spAutoFit/>
+          </a:bodyPr>
+          <a:lstStyle/>
+          <a:p>
+            <a:pPr marL="342900" indent="-342900">
+              <a:buFont typeface="Arial" panose="020B0604020202020204" pitchFamily="34" charset="0"/>
+              <a:buChar char="•"/>
+            </a:pPr>
+            <a:r>
+              <a:rPr kumimoji="1" lang="en-US" altLang="zh-CN" sz="2000" dirty="0">
+                <a:latin typeface="Bell MT" panose="02020503060305020303" pitchFamily="18" charset="0"/>
+              </a:rPr>
+              <a:t>Replicate</a:t>
+            </a:r>
+            <a:r>
+              <a:rPr kumimoji="1" lang="zh-CN" altLang="en-US" sz="2000" dirty="0">
+                <a:latin typeface="Bell MT" panose="02020503060305020303" pitchFamily="18" charset="0"/>
+              </a:rPr>
+              <a:t> </a:t>
+            </a:r>
+            <a:r>
+              <a:rPr kumimoji="1" lang="en-US" altLang="zh-CN" sz="2000" b="1" dirty="0">
+                <a:solidFill>
+                  <a:srgbClr val="0070C0"/>
+                </a:solidFill>
+                <a:latin typeface="Bell MT" panose="02020503060305020303" pitchFamily="18" charset="0"/>
+              </a:rPr>
+              <a:t>at</a:t>
+            </a:r>
+            <a:r>
+              <a:rPr kumimoji="1" lang="zh-CN" altLang="en-US" sz="2000" b="1" dirty="0">
+                <a:solidFill>
+                  <a:srgbClr val="0070C0"/>
+                </a:solidFill>
+                <a:latin typeface="Bell MT" panose="02020503060305020303" pitchFamily="18" charset="0"/>
+              </a:rPr>
+              <a:t> </a:t>
+            </a:r>
+            <a:r>
+              <a:rPr kumimoji="1" lang="en-US" altLang="zh-CN" sz="2000" b="1" dirty="0">
+                <a:solidFill>
+                  <a:srgbClr val="0070C0"/>
+                </a:solidFill>
+                <a:latin typeface="Bell MT" panose="02020503060305020303" pitchFamily="18" charset="0"/>
+              </a:rPr>
+              <a:t>least</a:t>
+            </a:r>
+            <a:r>
+              <a:rPr kumimoji="1" lang="zh-CN" altLang="en-US" sz="2000" b="1" dirty="0">
+                <a:solidFill>
+                  <a:srgbClr val="0070C0"/>
+                </a:solidFill>
+                <a:latin typeface="Bell MT" panose="02020503060305020303" pitchFamily="18" charset="0"/>
+              </a:rPr>
+              <a:t> </a:t>
+            </a:r>
+            <a:r>
+              <a:rPr kumimoji="1" lang="en-US" altLang="zh-CN" sz="2000" b="1" dirty="0">
+                <a:solidFill>
+                  <a:srgbClr val="0070C0"/>
+                </a:solidFill>
+                <a:latin typeface="Bell MT" panose="02020503060305020303" pitchFamily="18" charset="0"/>
+              </a:rPr>
+              <a:t>6</a:t>
+            </a:r>
+            <a:r>
+              <a:rPr kumimoji="1" lang="zh-CN" altLang="en-US" sz="2000" b="1" smtClean="0">
+                <a:solidFill>
+                  <a:srgbClr val="0070C0"/>
+                </a:solidFill>
+                <a:latin typeface="Bell MT" panose="02020503060305020303" pitchFamily="18" charset="0"/>
+              </a:rPr>
+              <a:t> </a:t>
+            </a:r>
+            <a:r>
+              <a:rPr kumimoji="1" lang="en-US" altLang="zh-CN" sz="2000" b="1" dirty="0">
+                <a:solidFill>
+                  <a:srgbClr val="0070C0"/>
+                </a:solidFill>
+                <a:latin typeface="Bell MT" panose="02020503060305020303" pitchFamily="18" charset="0"/>
+              </a:rPr>
+              <a:t>methods</a:t>
+            </a:r>
+            <a:r>
+              <a:rPr kumimoji="1" lang="zh-CN" altLang="en-US" sz="2000" dirty="0">
+                <a:solidFill>
+                  <a:srgbClr val="0070C0"/>
+                </a:solidFill>
+                <a:latin typeface="Bell MT" panose="02020503060305020303" pitchFamily="18" charset="0"/>
+              </a:rPr>
+              <a:t> </a:t>
+            </a:r>
+            <a:r>
+              <a:rPr kumimoji="1" lang="en-US" altLang="zh-CN" sz="2000" dirty="0">
+                <a:latin typeface="Bell MT" panose="02020503060305020303" pitchFamily="18" charset="0"/>
+              </a:rPr>
+              <a:t>(e.g.,</a:t>
+            </a:r>
+            <a:r>
+              <a:rPr kumimoji="1" lang="zh-CN" altLang="en-US" sz="2000" dirty="0">
+                <a:latin typeface="Bell MT" panose="02020503060305020303" pitchFamily="18" charset="0"/>
+              </a:rPr>
+              <a:t> </a:t>
+            </a:r>
+            <a:r>
+              <a:rPr lang="en" altLang="zh-CN" sz="2000" dirty="0">
+                <a:latin typeface="Bell MT" panose="02020503060305020303" pitchFamily="18" charset="0"/>
+              </a:rPr>
+              <a:t>OLS,</a:t>
+            </a:r>
+            <a:r>
+              <a:rPr lang="zh-CN" altLang="en-US" sz="2000" dirty="0">
+                <a:latin typeface="Bell MT" panose="02020503060305020303" pitchFamily="18" charset="0"/>
+              </a:rPr>
+              <a:t> </a:t>
+            </a:r>
+            <a:r>
+              <a:rPr lang="en" altLang="zh-CN" sz="2000" dirty="0">
+                <a:latin typeface="Bell MT" panose="02020503060305020303" pitchFamily="18" charset="0"/>
+              </a:rPr>
+              <a:t>elastic net, PLS, PCR, </a:t>
+            </a:r>
+            <a:r>
+              <a:rPr lang="en" altLang="zh-CN" sz="2000" dirty="0" smtClean="0">
+                <a:latin typeface="Bell MT" panose="02020503060305020303" pitchFamily="18" charset="0"/>
+              </a:rPr>
+              <a:t>random </a:t>
+            </a:r>
+            <a:r>
+              <a:rPr lang="en" altLang="zh-CN" sz="2000" dirty="0">
+                <a:latin typeface="Bell MT" panose="02020503060305020303" pitchFamily="18" charset="0"/>
+              </a:rPr>
+              <a:t>forest, </a:t>
+            </a:r>
+            <a:r>
+              <a:rPr lang="en-US" altLang="zh-CN" sz="2000" dirty="0" smtClean="0">
+                <a:latin typeface="Bell MT" panose="02020503060305020303" pitchFamily="18" charset="0"/>
+              </a:rPr>
+              <a:t>Gradient Boosting</a:t>
+            </a:r>
+            <a:r>
+              <a:rPr lang="en-US" altLang="zh-CN" sz="2000" dirty="0" smtClean="0">
+                <a:latin typeface="Bell MT" panose="02020503060305020303" pitchFamily="18" charset="0"/>
+              </a:rPr>
+              <a:t>, </a:t>
+            </a:r>
+            <a:r>
+              <a:rPr lang="en" altLang="zh-CN" sz="2000" dirty="0" smtClean="0">
+                <a:latin typeface="Bell MT" panose="02020503060305020303" pitchFamily="18" charset="0"/>
+              </a:rPr>
+              <a:t>neural network</a:t>
+            </a:r>
+            <a:r>
+              <a:rPr lang="en-US" altLang="zh-CN" sz="2000" dirty="0" smtClean="0">
+                <a:latin typeface="Bell MT" panose="02020503060305020303" pitchFamily="18" charset="0"/>
+              </a:rPr>
+              <a:t>, etc.</a:t>
+            </a:r>
+            <a:r>
+              <a:rPr kumimoji="1" lang="en-US" altLang="zh-CN" sz="2000" dirty="0" smtClean="0">
+                <a:latin typeface="Bell MT" panose="02020503060305020303" pitchFamily="18" charset="0"/>
+              </a:rPr>
+              <a:t>),</a:t>
+            </a:r>
+            <a:r>
+              <a:rPr kumimoji="1" lang="zh-CN" altLang="en-US" sz="2000" dirty="0" smtClean="0">
+                <a:latin typeface="Bell MT" panose="02020503060305020303" pitchFamily="18" charset="0"/>
+              </a:rPr>
+              <a:t> </a:t>
+            </a:r>
+            <a:r>
+              <a:rPr kumimoji="1" lang="en-US" altLang="zh-CN" sz="2000" dirty="0">
+                <a:latin typeface="Bell MT" panose="02020503060305020303" pitchFamily="18" charset="0"/>
+              </a:rPr>
+              <a:t>and</a:t>
+            </a:r>
+            <a:r>
+              <a:rPr kumimoji="1" lang="zh-CN" altLang="en-US" sz="2000" dirty="0">
+                <a:latin typeface="Bell MT" panose="02020503060305020303" pitchFamily="18" charset="0"/>
+              </a:rPr>
+              <a:t> </a:t>
+            </a:r>
+            <a:r>
+              <a:rPr kumimoji="1" lang="en-US" altLang="zh-CN" sz="2000" dirty="0">
+                <a:latin typeface="Bell MT" panose="02020503060305020303" pitchFamily="18" charset="0"/>
+              </a:rPr>
+              <a:t>analyze</a:t>
+            </a:r>
+            <a:r>
+              <a:rPr kumimoji="1" lang="zh-CN" altLang="en-US" sz="2000" dirty="0">
+                <a:latin typeface="Bell MT" panose="02020503060305020303" pitchFamily="18" charset="0"/>
+              </a:rPr>
+              <a:t> </a:t>
+            </a:r>
+            <a:r>
+              <a:rPr kumimoji="1" lang="en-US" altLang="zh-CN" sz="2000" dirty="0">
+                <a:latin typeface="Bell MT" panose="02020503060305020303" pitchFamily="18" charset="0"/>
+              </a:rPr>
+              <a:t>your</a:t>
+            </a:r>
+            <a:r>
+              <a:rPr kumimoji="1" lang="zh-CN" altLang="en-US" sz="2000" dirty="0">
+                <a:latin typeface="Bell MT" panose="02020503060305020303" pitchFamily="18" charset="0"/>
+              </a:rPr>
+              <a:t> </a:t>
+            </a:r>
+            <a:r>
+              <a:rPr kumimoji="1" lang="en-US" altLang="zh-CN" sz="2000" dirty="0">
+                <a:latin typeface="Bell MT" panose="02020503060305020303" pitchFamily="18" charset="0"/>
+              </a:rPr>
+              <a:t>results</a:t>
+            </a:r>
+            <a:r>
+              <a:rPr kumimoji="1" lang="zh-CN" altLang="en-US" sz="2000" dirty="0">
+                <a:latin typeface="Bell MT" panose="02020503060305020303" pitchFamily="18" charset="0"/>
+              </a:rPr>
+              <a:t> </a:t>
+            </a:r>
+            <a:r>
+              <a:rPr kumimoji="1" lang="en-US" altLang="zh-CN" sz="2000" dirty="0">
+                <a:latin typeface="Bell MT" panose="02020503060305020303" pitchFamily="18" charset="0"/>
+              </a:rPr>
+              <a:t>carefully.</a:t>
+            </a:r>
+            <a:r>
+              <a:rPr kumimoji="1" lang="zh-CN" altLang="en-US" sz="2000" dirty="0">
+                <a:latin typeface="Bell MT" panose="02020503060305020303" pitchFamily="18" charset="0"/>
+              </a:rPr>
+              <a:t> </a:t>
+            </a:r>
+            <a:r>
+              <a:rPr lang="en" altLang="zh-CN" sz="2000" dirty="0">
+                <a:latin typeface="Bell MT" panose="02020503060305020303" pitchFamily="18" charset="0"/>
+              </a:rPr>
+              <a:t>Hints of parameter chosen are presented in the paper.</a:t>
+            </a:r>
+            <a:endParaRPr kumimoji="1" lang="en-US" altLang="zh-CN" sz="2000" dirty="0">
+              <a:latin typeface="Bell MT" panose="02020503060305020303" pitchFamily="18" charset="0"/>
+            </a:endParaRPr>
+          </a:p>
+          <a:p>
+            <a:pPr marL="342900" indent="-342900">
+              <a:buFont typeface="Arial" panose="020B0604020202020204" pitchFamily="34" charset="0"/>
+              <a:buChar char="•"/>
+            </a:pPr>
+            <a:endParaRPr kumimoji="1" lang="en-US" altLang="zh-CN" sz="2000" dirty="0">
+              <a:latin typeface="Bell MT" panose="02020503060305020303" pitchFamily="18" charset="0"/>
+            </a:endParaRPr>
+          </a:p>
+          <a:p>
+            <a:pPr marL="342900" indent="-342900">
+              <a:buFont typeface="Arial" panose="020B0604020202020204" pitchFamily="34" charset="0"/>
+              <a:buChar char="•"/>
+            </a:pPr>
+            <a:r>
+              <a:rPr lang="en" altLang="zh-CN" sz="2000" dirty="0">
+                <a:latin typeface="Bell MT" panose="02020503060305020303" pitchFamily="18" charset="0"/>
+              </a:rPr>
+              <a:t>Include the </a:t>
+            </a:r>
+            <a:r>
+              <a:rPr lang="en" altLang="zh-CN" sz="2000" b="1" dirty="0">
+                <a:solidFill>
+                  <a:srgbClr val="0070C0"/>
+                </a:solidFill>
+                <a:latin typeface="Bell MT" panose="02020503060305020303" pitchFamily="18" charset="0"/>
+              </a:rPr>
+              <a:t>variable importance</a:t>
+            </a:r>
+            <a:r>
+              <a:rPr lang="zh-CN" altLang="en-US" sz="2000" dirty="0">
+                <a:solidFill>
+                  <a:srgbClr val="0070C0"/>
+                </a:solidFill>
+                <a:latin typeface="Bell MT" panose="02020503060305020303" pitchFamily="18" charset="0"/>
+              </a:rPr>
+              <a:t> </a:t>
+            </a:r>
+            <a:r>
+              <a:rPr lang="en-US" altLang="zh-CN" sz="2000" dirty="0">
+                <a:latin typeface="Bell MT" panose="02020503060305020303" pitchFamily="18" charset="0"/>
+              </a:rPr>
+              <a:t>in</a:t>
+            </a:r>
+            <a:r>
+              <a:rPr lang="zh-CN" altLang="en-US" sz="2000" dirty="0">
+                <a:latin typeface="Bell MT" panose="02020503060305020303" pitchFamily="18" charset="0"/>
+              </a:rPr>
+              <a:t> </a:t>
+            </a:r>
+            <a:r>
+              <a:rPr lang="en-US" altLang="zh-CN" sz="2000" dirty="0">
+                <a:latin typeface="Bell MT" panose="02020503060305020303" pitchFamily="18" charset="0"/>
+              </a:rPr>
+              <a:t>your</a:t>
+            </a:r>
+            <a:r>
+              <a:rPr lang="zh-CN" altLang="en-US" sz="2000" dirty="0">
+                <a:latin typeface="Bell MT" panose="02020503060305020303" pitchFamily="18" charset="0"/>
+              </a:rPr>
+              <a:t> </a:t>
+            </a:r>
+            <a:r>
+              <a:rPr lang="en-US" altLang="zh-CN" sz="2000" dirty="0">
+                <a:latin typeface="Bell MT" panose="02020503060305020303" pitchFamily="18" charset="0"/>
+              </a:rPr>
+              <a:t>analysis.</a:t>
+            </a:r>
+          </a:p>
+          <a:p>
+            <a:pPr marL="342900" indent="-342900">
+              <a:buFont typeface="Arial" panose="020B0604020202020204" pitchFamily="34" charset="0"/>
+              <a:buChar char="•"/>
+            </a:pPr>
+            <a:endParaRPr kumimoji="1" lang="en-US" altLang="zh-CN" sz="2000" dirty="0">
+              <a:latin typeface="Bell MT" panose="02020503060305020303" pitchFamily="18" charset="0"/>
+            </a:endParaRPr>
+          </a:p>
+          <a:p>
+            <a:pPr marL="342900" indent="-342900">
+              <a:buFont typeface="Arial" panose="020B0604020202020204" pitchFamily="34" charset="0"/>
+              <a:buChar char="•"/>
+            </a:pPr>
+            <a:r>
+              <a:rPr kumimoji="1" lang="en-US" altLang="zh-CN" sz="2000" dirty="0">
+                <a:latin typeface="Bell MT" panose="02020503060305020303" pitchFamily="18" charset="0"/>
+              </a:rPr>
+              <a:t>Adopt</a:t>
+            </a:r>
+            <a:r>
+              <a:rPr kumimoji="1" lang="zh-CN" altLang="en-US" sz="2000" dirty="0">
+                <a:latin typeface="Bell MT" panose="02020503060305020303" pitchFamily="18" charset="0"/>
+              </a:rPr>
+              <a:t> </a:t>
+            </a:r>
+            <a:r>
+              <a:rPr kumimoji="1" lang="en-US" altLang="zh-CN" sz="2000" dirty="0">
+                <a:latin typeface="Bell MT" panose="02020503060305020303" pitchFamily="18" charset="0"/>
+              </a:rPr>
+              <a:t>the</a:t>
+            </a:r>
+            <a:r>
+              <a:rPr kumimoji="1" lang="zh-CN" altLang="en-US" sz="2000" dirty="0">
+                <a:latin typeface="Bell MT" panose="02020503060305020303" pitchFamily="18" charset="0"/>
+              </a:rPr>
+              <a:t> </a:t>
+            </a:r>
+            <a:r>
+              <a:rPr kumimoji="1" lang="en-US" altLang="zh-CN" sz="2000" dirty="0">
+                <a:latin typeface="Bell MT" panose="02020503060305020303" pitchFamily="18" charset="0"/>
+              </a:rPr>
+              <a:t>‘</a:t>
+            </a:r>
+            <a:r>
+              <a:rPr kumimoji="1" lang="en-US" altLang="zh-CN" sz="2000" b="1" dirty="0">
+                <a:solidFill>
+                  <a:srgbClr val="0070C0"/>
+                </a:solidFill>
+                <a:latin typeface="Bell MT" panose="02020503060305020303" pitchFamily="18" charset="0"/>
+              </a:rPr>
+              <a:t>recursive</a:t>
+            </a:r>
+            <a:r>
+              <a:rPr kumimoji="1" lang="zh-CN" altLang="en-US" sz="2000" b="1" dirty="0">
+                <a:solidFill>
+                  <a:srgbClr val="0070C0"/>
+                </a:solidFill>
+                <a:latin typeface="Bell MT" panose="02020503060305020303" pitchFamily="18" charset="0"/>
+              </a:rPr>
+              <a:t> </a:t>
+            </a:r>
+            <a:r>
+              <a:rPr kumimoji="1" lang="en-US" altLang="zh-CN" sz="2000" b="1" dirty="0">
+                <a:solidFill>
+                  <a:srgbClr val="0070C0"/>
+                </a:solidFill>
+                <a:latin typeface="Bell MT" panose="02020503060305020303" pitchFamily="18" charset="0"/>
+              </a:rPr>
+              <a:t>evaluation</a:t>
+            </a:r>
+            <a:r>
+              <a:rPr kumimoji="1" lang="zh-CN" altLang="en-US" sz="2000" b="1" dirty="0">
+                <a:solidFill>
+                  <a:srgbClr val="0070C0"/>
+                </a:solidFill>
+                <a:latin typeface="Bell MT" panose="02020503060305020303" pitchFamily="18" charset="0"/>
+              </a:rPr>
+              <a:t> </a:t>
+            </a:r>
+            <a:r>
+              <a:rPr kumimoji="1" lang="en-US" altLang="zh-CN" sz="2000" b="1" dirty="0">
+                <a:solidFill>
+                  <a:srgbClr val="0070C0"/>
+                </a:solidFill>
+                <a:latin typeface="Bell MT" panose="02020503060305020303" pitchFamily="18" charset="0"/>
+              </a:rPr>
+              <a:t>method</a:t>
+            </a:r>
+            <a:r>
+              <a:rPr kumimoji="1" lang="en-US" altLang="zh-CN" sz="2000" dirty="0">
+                <a:latin typeface="Bell MT" panose="02020503060305020303" pitchFamily="18" charset="0"/>
+              </a:rPr>
+              <a:t>’</a:t>
+            </a:r>
+            <a:r>
+              <a:rPr kumimoji="1" lang="zh-CN" altLang="en-US" sz="2000" dirty="0">
+                <a:latin typeface="Bell MT" panose="02020503060305020303" pitchFamily="18" charset="0"/>
+              </a:rPr>
+              <a:t> </a:t>
+            </a:r>
+            <a:r>
+              <a:rPr kumimoji="1" lang="en-US" altLang="zh-CN" sz="2000" dirty="0">
+                <a:latin typeface="Bell MT" panose="02020503060305020303" pitchFamily="18" charset="0"/>
+              </a:rPr>
+              <a:t>described</a:t>
+            </a:r>
+            <a:r>
+              <a:rPr kumimoji="1" lang="zh-CN" altLang="en-US" sz="2000" dirty="0">
+                <a:latin typeface="Bell MT" panose="02020503060305020303" pitchFamily="18" charset="0"/>
+              </a:rPr>
+              <a:t> </a:t>
+            </a:r>
+            <a:r>
+              <a:rPr kumimoji="1" lang="en-US" altLang="zh-CN" sz="2000" dirty="0">
+                <a:latin typeface="Bell MT" panose="02020503060305020303" pitchFamily="18" charset="0"/>
+              </a:rPr>
+              <a:t>above.</a:t>
+            </a:r>
+          </a:p>
+          <a:p>
+            <a:pPr marL="342900" indent="-342900">
+              <a:buFont typeface="Arial" panose="020B0604020202020204" pitchFamily="34" charset="0"/>
+              <a:buChar char="•"/>
+            </a:pPr>
+            <a:endParaRPr kumimoji="1" lang="en-US" altLang="zh-CN" sz="2000" dirty="0">
+              <a:latin typeface="Bell MT" panose="02020503060305020303" pitchFamily="18" charset="0"/>
+            </a:endParaRPr>
+          </a:p>
+          <a:p>
+            <a:pPr marL="342900" indent="-342900">
+              <a:buFont typeface="Arial" panose="020B0604020202020204" pitchFamily="34" charset="0"/>
+              <a:buChar char="•"/>
+            </a:pPr>
+            <a:r>
+              <a:rPr kumimoji="1" lang="en-US" altLang="zh-CN" sz="2000" dirty="0">
+                <a:latin typeface="Bell MT" panose="02020503060305020303" pitchFamily="18" charset="0"/>
+              </a:rPr>
+              <a:t>You</a:t>
+            </a:r>
+            <a:r>
+              <a:rPr kumimoji="1" lang="zh-CN" altLang="en-US" sz="2000" dirty="0">
+                <a:latin typeface="Bell MT" panose="02020503060305020303" pitchFamily="18" charset="0"/>
+              </a:rPr>
+              <a:t> </a:t>
+            </a:r>
+            <a:r>
+              <a:rPr kumimoji="1" lang="en-US" altLang="zh-CN" sz="2000" dirty="0">
+                <a:latin typeface="Bell MT" panose="02020503060305020303" pitchFamily="18" charset="0"/>
+              </a:rPr>
+              <a:t>do</a:t>
+            </a:r>
+            <a:r>
+              <a:rPr kumimoji="1" lang="zh-CN" altLang="en-US" sz="2000" dirty="0">
+                <a:latin typeface="Bell MT" panose="02020503060305020303" pitchFamily="18" charset="0"/>
+              </a:rPr>
+              <a:t> </a:t>
+            </a:r>
+            <a:r>
+              <a:rPr kumimoji="1" lang="en-US" altLang="zh-CN" sz="2000" dirty="0">
+                <a:latin typeface="Bell MT" panose="02020503060305020303" pitchFamily="18" charset="0"/>
+              </a:rPr>
+              <a:t>not</a:t>
+            </a:r>
+            <a:r>
+              <a:rPr kumimoji="1" lang="zh-CN" altLang="en-US" sz="2000" dirty="0">
+                <a:latin typeface="Bell MT" panose="02020503060305020303" pitchFamily="18" charset="0"/>
+              </a:rPr>
+              <a:t> </a:t>
+            </a:r>
+            <a:r>
+              <a:rPr kumimoji="1" lang="en-US" altLang="zh-CN" sz="2000" dirty="0">
+                <a:latin typeface="Bell MT" panose="02020503060305020303" pitchFamily="18" charset="0"/>
+              </a:rPr>
+              <a:t>need</a:t>
+            </a:r>
+            <a:r>
+              <a:rPr kumimoji="1" lang="zh-CN" altLang="en-US" sz="2000" dirty="0">
+                <a:latin typeface="Bell MT" panose="02020503060305020303" pitchFamily="18" charset="0"/>
+              </a:rPr>
+              <a:t> </a:t>
+            </a:r>
+            <a:r>
+              <a:rPr kumimoji="1" lang="en-US" altLang="zh-CN" sz="2000" dirty="0">
+                <a:latin typeface="Bell MT" panose="02020503060305020303" pitchFamily="18" charset="0"/>
+              </a:rPr>
+              <a:t>to</a:t>
+            </a:r>
+            <a:r>
+              <a:rPr kumimoji="1" lang="zh-CN" altLang="en-US" sz="2000" dirty="0">
+                <a:latin typeface="Bell MT" panose="02020503060305020303" pitchFamily="18" charset="0"/>
+              </a:rPr>
+              <a:t> </a:t>
+            </a:r>
+            <a:r>
+              <a:rPr kumimoji="1" lang="en-US" altLang="zh-CN" sz="2000" dirty="0">
+                <a:latin typeface="Bell MT" panose="02020503060305020303" pitchFamily="18" charset="0"/>
+              </a:rPr>
+              <a:t>replicate</a:t>
+            </a:r>
+            <a:r>
+              <a:rPr kumimoji="1" lang="zh-CN" altLang="en-US" sz="2000" dirty="0">
+                <a:latin typeface="Bell MT" panose="02020503060305020303" pitchFamily="18" charset="0"/>
+              </a:rPr>
+              <a:t> </a:t>
+            </a:r>
+            <a:r>
+              <a:rPr kumimoji="1" lang="en-US" altLang="zh-CN" sz="2000" dirty="0">
+                <a:latin typeface="Bell MT" panose="02020503060305020303" pitchFamily="18" charset="0"/>
+              </a:rPr>
+              <a:t>the</a:t>
+            </a:r>
+            <a:r>
+              <a:rPr kumimoji="1" lang="zh-CN" altLang="en-US" sz="2000" dirty="0">
+                <a:latin typeface="Bell MT" panose="02020503060305020303" pitchFamily="18" charset="0"/>
+              </a:rPr>
+              <a:t> </a:t>
+            </a:r>
+            <a:r>
+              <a:rPr kumimoji="1" lang="en-US" altLang="zh-CN" sz="2000" dirty="0">
+                <a:latin typeface="Bell MT" panose="02020503060305020303" pitchFamily="18" charset="0"/>
+              </a:rPr>
+              <a:t>results</a:t>
+            </a:r>
+            <a:r>
+              <a:rPr kumimoji="1" lang="zh-CN" altLang="en-US" sz="2000" dirty="0">
+                <a:latin typeface="Bell MT" panose="02020503060305020303" pitchFamily="18" charset="0"/>
+              </a:rPr>
+              <a:t> </a:t>
+            </a:r>
+            <a:r>
+              <a:rPr kumimoji="1" lang="en-US" altLang="zh-CN" sz="2000" dirty="0">
+                <a:latin typeface="Bell MT" panose="02020503060305020303" pitchFamily="18" charset="0"/>
+              </a:rPr>
+              <a:t>of</a:t>
+            </a:r>
+            <a:r>
+              <a:rPr kumimoji="1" lang="zh-CN" altLang="en-US" sz="2000" dirty="0">
+                <a:latin typeface="Bell MT" panose="02020503060305020303" pitchFamily="18" charset="0"/>
+              </a:rPr>
+              <a:t> </a:t>
+            </a:r>
+            <a:r>
+              <a:rPr kumimoji="1" lang="en-US" altLang="zh-CN" sz="2000" dirty="0">
+                <a:latin typeface="Bell MT" panose="02020503060305020303" pitchFamily="18" charset="0"/>
+              </a:rPr>
+              <a:t>section</a:t>
+            </a:r>
+            <a:r>
+              <a:rPr kumimoji="1" lang="zh-CN" altLang="en-US" sz="2000" dirty="0">
+                <a:latin typeface="Bell MT" panose="02020503060305020303" pitchFamily="18" charset="0"/>
+              </a:rPr>
+              <a:t> </a:t>
+            </a:r>
+            <a:r>
+              <a:rPr kumimoji="1" lang="en-US" altLang="zh-CN" sz="2000" dirty="0">
+                <a:latin typeface="Bell MT" panose="02020503060305020303" pitchFamily="18" charset="0"/>
+              </a:rPr>
+              <a:t>2.4:</a:t>
+            </a:r>
+            <a:r>
+              <a:rPr kumimoji="1" lang="zh-CN" altLang="en-US" sz="2000" dirty="0">
+                <a:latin typeface="Bell MT" panose="02020503060305020303" pitchFamily="18" charset="0"/>
+              </a:rPr>
+              <a:t> </a:t>
+            </a:r>
+            <a:r>
+              <a:rPr kumimoji="1" lang="en-US" altLang="zh-CN" sz="2000" dirty="0">
+                <a:latin typeface="Bell MT" panose="02020503060305020303" pitchFamily="18" charset="0"/>
+              </a:rPr>
+              <a:t>Portfolio</a:t>
+            </a:r>
+            <a:r>
+              <a:rPr kumimoji="1" lang="zh-CN" altLang="en-US" sz="2000" dirty="0">
+                <a:latin typeface="Bell MT" panose="02020503060305020303" pitchFamily="18" charset="0"/>
+              </a:rPr>
+              <a:t> </a:t>
+            </a:r>
+            <a:r>
+              <a:rPr kumimoji="1" lang="en-US" altLang="zh-CN" sz="2000" dirty="0">
+                <a:latin typeface="Bell MT" panose="02020503060305020303" pitchFamily="18" charset="0"/>
+              </a:rPr>
+              <a:t>forecast.</a:t>
+            </a:r>
+          </a:p>
+          <a:p>
+            <a:pPr marL="342900" indent="-342900">
+              <a:buFont typeface="Arial" panose="020B0604020202020204" pitchFamily="34" charset="0"/>
+              <a:buChar char="•"/>
+            </a:pPr>
+            <a:endParaRPr kumimoji="1" lang="en-US" altLang="zh-CN" sz="2000" dirty="0">
+              <a:latin typeface="Bell MT" panose="02020503060305020303" pitchFamily="18" charset="0"/>
+            </a:endParaRPr>
+          </a:p>
+          <a:p>
+            <a:pPr marL="342900" indent="-342900">
+              <a:buFont typeface="Arial" panose="020B0604020202020204" pitchFamily="34" charset="0"/>
+              <a:buChar char="•"/>
+            </a:pPr>
+            <a:r>
+              <a:rPr kumimoji="1" lang="en-US" altLang="zh-CN" sz="2000" dirty="0">
+                <a:latin typeface="Bell MT" panose="02020503060305020303" pitchFamily="18" charset="0"/>
+              </a:rPr>
+              <a:t>Supplementary</a:t>
+            </a:r>
+            <a:r>
+              <a:rPr kumimoji="1" lang="zh-CN" altLang="en-US" sz="2000" dirty="0">
+                <a:latin typeface="Bell MT" panose="02020503060305020303" pitchFamily="18" charset="0"/>
+              </a:rPr>
+              <a:t> </a:t>
+            </a:r>
+            <a:r>
+              <a:rPr kumimoji="1" lang="en-US" altLang="zh-CN" sz="2000" dirty="0">
+                <a:latin typeface="Bell MT" panose="02020503060305020303" pitchFamily="18" charset="0"/>
+              </a:rPr>
+              <a:t>material</a:t>
+            </a:r>
+            <a:r>
+              <a:rPr kumimoji="1" lang="zh-CN" altLang="en-US" sz="2000" dirty="0">
+                <a:latin typeface="Bell MT" panose="02020503060305020303" pitchFamily="18" charset="0"/>
+              </a:rPr>
+              <a:t> </a:t>
+            </a:r>
+            <a:r>
+              <a:rPr kumimoji="1" lang="en-US" altLang="zh-CN" sz="2000" dirty="0">
+                <a:latin typeface="Bell MT" panose="02020503060305020303" pitchFamily="18" charset="0"/>
+              </a:rPr>
+              <a:t>can</a:t>
+            </a:r>
+            <a:r>
+              <a:rPr kumimoji="1" lang="zh-CN" altLang="en-US" sz="2000" dirty="0">
+                <a:latin typeface="Bell MT" panose="02020503060305020303" pitchFamily="18" charset="0"/>
+              </a:rPr>
+              <a:t> </a:t>
+            </a:r>
+            <a:r>
+              <a:rPr kumimoji="1" lang="en-US" altLang="zh-CN" sz="2000" dirty="0">
+                <a:latin typeface="Bell MT" panose="02020503060305020303" pitchFamily="18" charset="0"/>
+              </a:rPr>
+              <a:t>be</a:t>
+            </a:r>
+            <a:r>
+              <a:rPr kumimoji="1" lang="zh-CN" altLang="en-US" sz="2000" dirty="0">
+                <a:latin typeface="Bell MT" panose="02020503060305020303" pitchFamily="18" charset="0"/>
+              </a:rPr>
+              <a:t> </a:t>
+            </a:r>
+            <a:r>
+              <a:rPr kumimoji="1" lang="en-US" altLang="zh-CN" sz="2000" dirty="0">
+                <a:latin typeface="Bell MT" panose="02020503060305020303" pitchFamily="18" charset="0"/>
+              </a:rPr>
+              <a:t>helpful</a:t>
+            </a:r>
+            <a:r>
+              <a:rPr kumimoji="1" lang="zh-CN" altLang="en-US" sz="2000" dirty="0">
+                <a:latin typeface="Bell MT" panose="02020503060305020303" pitchFamily="18" charset="0"/>
+              </a:rPr>
+              <a:t> </a:t>
+            </a:r>
+            <a:r>
+              <a:rPr kumimoji="1" lang="en-US" altLang="zh-CN" sz="2000" dirty="0">
+                <a:latin typeface="Bell MT" panose="02020503060305020303" pitchFamily="18" charset="0"/>
+              </a:rPr>
+              <a:t>to</a:t>
+            </a:r>
+            <a:r>
+              <a:rPr kumimoji="1" lang="zh-CN" altLang="en-US" sz="2000" dirty="0">
+                <a:latin typeface="Bell MT" panose="02020503060305020303" pitchFamily="18" charset="0"/>
+              </a:rPr>
+              <a:t> </a:t>
+            </a:r>
+            <a:r>
+              <a:rPr kumimoji="1" lang="en-US" altLang="zh-CN" sz="2000" dirty="0">
+                <a:latin typeface="Bell MT" panose="02020503060305020303" pitchFamily="18" charset="0"/>
+              </a:rPr>
+              <a:t>you.</a:t>
+            </a:r>
+          </a:p>
+        </p:txBody>
+      </p:sp>
+    </p:spTree>
+    <p:extLst>
+      <p:ext uri="{BB962C8B-B14F-4D97-AF65-F5344CB8AC3E}">
+        <p14:creationId xmlns:p14="http://schemas.microsoft.com/office/powerpoint/2010/main" val="1961121815"/>
       </p:ext>
     </p:extLst>
   </p:cSld>
@@ -10272,10 +13749,10 @@
           <p:cNvPr id="22" name="Rectangle 21">
             <a:extLst>
               <a:ext uri="{FF2B5EF4-FFF2-40B4-BE49-F238E27FC236}">
-                <a16:creationId xmlns:a16="http://schemas.microsoft.com/office/drawing/2014/main" id="{DCC231C8-C761-4B31-9B1C-C6D19248C6B3}"/>
+                <a16:creationId xmlns:a16="http://schemas.microsoft.com/office/drawing/2014/main" xmlns="" id="{DCC231C8-C761-4B31-9B1C-C6D19248C6B3}"/>
               </a:ext>
               <a:ext uri="{C183D7F6-B498-43B3-948B-1728B52AA6E4}">
-                <adec:decorative xmlns:adec="http://schemas.microsoft.com/office/drawing/2017/decorative" val="1"/>
+                <adec:decorative xmlns:adec="http://schemas.microsoft.com/office/drawing/2017/decorative" xmlns="" val="1"/>
               </a:ext>
             </a:extLst>
           </p:cNvPr>
@@ -10332,7 +13809,7 @@
           <p:cNvPr id="2" name="Title 1">
             <a:extLst>
               <a:ext uri="{FF2B5EF4-FFF2-40B4-BE49-F238E27FC236}">
-                <a16:creationId xmlns:a16="http://schemas.microsoft.com/office/drawing/2014/main" id="{3501DA1F-D7A0-423C-8214-185FDC900A0D}"/>
+                <a16:creationId xmlns:a16="http://schemas.microsoft.com/office/drawing/2014/main" xmlns="" id="{3501DA1F-D7A0-423C-8214-185FDC900A0D}"/>
               </a:ext>
             </a:extLst>
           </p:cNvPr>
@@ -10370,7 +13847,7 @@
           <p:cNvPr id="5" name="Content Placeholder 2">
             <a:extLst>
               <a:ext uri="{FF2B5EF4-FFF2-40B4-BE49-F238E27FC236}">
-                <a16:creationId xmlns:a16="http://schemas.microsoft.com/office/drawing/2014/main" id="{F04F1774-C4DF-4CDA-B9FE-8DDAFF4179DE}"/>
+                <a16:creationId xmlns:a16="http://schemas.microsoft.com/office/drawing/2014/main" xmlns="" id="{F04F1774-C4DF-4CDA-B9FE-8DDAFF4179DE}"/>
               </a:ext>
             </a:extLst>
           </p:cNvPr>
@@ -10439,10 +13916,10 @@
           <p:cNvPr id="21" name="Rectangle 20">
             <a:extLst>
               <a:ext uri="{FF2B5EF4-FFF2-40B4-BE49-F238E27FC236}">
-                <a16:creationId xmlns:a16="http://schemas.microsoft.com/office/drawing/2014/main" id="{87A57295-2710-4920-B99A-4D1FA03A62BD}"/>
+                <a16:creationId xmlns:a16="http://schemas.microsoft.com/office/drawing/2014/main" xmlns="" id="{87A57295-2710-4920-B99A-4D1FA03A62BD}"/>
               </a:ext>
               <a:ext uri="{C183D7F6-B498-43B3-948B-1728B52AA6E4}">
-                <adec:decorative xmlns:adec="http://schemas.microsoft.com/office/drawing/2017/decorative" val="1"/>
+                <adec:decorative xmlns:adec="http://schemas.microsoft.com/office/drawing/2017/decorative" xmlns="" val="1"/>
               </a:ext>
             </a:extLst>
           </p:cNvPr>
@@ -10505,10 +13982,10 @@
           <p:cNvPr id="23" name="Rectangle 22">
             <a:extLst>
               <a:ext uri="{FF2B5EF4-FFF2-40B4-BE49-F238E27FC236}">
-                <a16:creationId xmlns:a16="http://schemas.microsoft.com/office/drawing/2014/main" id="{78067929-4D33-4306-9E2F-67C49CDDB5DE}"/>
+                <a16:creationId xmlns:a16="http://schemas.microsoft.com/office/drawing/2014/main" xmlns="" id="{78067929-4D33-4306-9E2F-67C49CDDB5DE}"/>
               </a:ext>
               <a:ext uri="{C183D7F6-B498-43B3-948B-1728B52AA6E4}">
-                <adec:decorative xmlns:adec="http://schemas.microsoft.com/office/drawing/2017/decorative" val="1"/>
+                <adec:decorative xmlns:adec="http://schemas.microsoft.com/office/drawing/2017/decorative" xmlns="" val="1"/>
               </a:ext>
             </a:extLst>
           </p:cNvPr>
@@ -10565,7 +14042,7 @@
           <p:cNvPr id="2" name="Title 1">
             <a:extLst>
               <a:ext uri="{FF2B5EF4-FFF2-40B4-BE49-F238E27FC236}">
-                <a16:creationId xmlns:a16="http://schemas.microsoft.com/office/drawing/2014/main" id="{77E5B152-A231-43CF-A6A9-69F5A02F7DAD}"/>
+                <a16:creationId xmlns:a16="http://schemas.microsoft.com/office/drawing/2014/main" xmlns="" id="{77E5B152-A231-43CF-A6A9-69F5A02F7DAD}"/>
               </a:ext>
             </a:extLst>
           </p:cNvPr>
@@ -10608,10 +14085,10 @@
           <p:cNvPr id="25" name="Straight Connector 24">
             <a:extLst>
               <a:ext uri="{FF2B5EF4-FFF2-40B4-BE49-F238E27FC236}">
-                <a16:creationId xmlns:a16="http://schemas.microsoft.com/office/drawing/2014/main" id="{2D72A2C9-F3CA-4216-8BAD-FA4C970C3C4E}"/>
+                <a16:creationId xmlns:a16="http://schemas.microsoft.com/office/drawing/2014/main" xmlns="" id="{2D72A2C9-F3CA-4216-8BAD-FA4C970C3C4E}"/>
               </a:ext>
               <a:ext uri="{C183D7F6-B498-43B3-948B-1728B52AA6E4}">
-                <adec:decorative xmlns:adec="http://schemas.microsoft.com/office/drawing/2017/decorative" val="1"/>
+                <adec:decorative xmlns:adec="http://schemas.microsoft.com/office/drawing/2017/decorative" xmlns="" val="1"/>
               </a:ext>
             </a:extLst>
           </p:cNvPr>
@@ -10662,7 +14139,7 @@
           <p:cNvPr id="3" name="Content Placeholder 2">
             <a:extLst>
               <a:ext uri="{FF2B5EF4-FFF2-40B4-BE49-F238E27FC236}">
-                <a16:creationId xmlns:a16="http://schemas.microsoft.com/office/drawing/2014/main" id="{BE7DFB3F-4A5C-446E-9B3F-A8BEEEB70526}"/>
+                <a16:creationId xmlns:a16="http://schemas.microsoft.com/office/drawing/2014/main" xmlns="" id="{BE7DFB3F-4A5C-446E-9B3F-A8BEEEB70526}"/>
               </a:ext>
             </a:extLst>
           </p:cNvPr>
@@ -10782,7 +14259,7 @@
           <p:cNvPr id="2" name="Title 1">
             <a:extLst>
               <a:ext uri="{FF2B5EF4-FFF2-40B4-BE49-F238E27FC236}">
-                <a16:creationId xmlns:a16="http://schemas.microsoft.com/office/drawing/2014/main" id="{96E7475A-A36E-4DE7-AF4C-22507CB0229A}"/>
+                <a16:creationId xmlns:a16="http://schemas.microsoft.com/office/drawing/2014/main" xmlns="" id="{96E7475A-A36E-4DE7-AF4C-22507CB0229A}"/>
               </a:ext>
             </a:extLst>
           </p:cNvPr>
@@ -10813,7 +14290,7 @@
           <p:cNvPr id="3" name="Content Placeholder 2">
             <a:extLst>
               <a:ext uri="{FF2B5EF4-FFF2-40B4-BE49-F238E27FC236}">
-                <a16:creationId xmlns:a16="http://schemas.microsoft.com/office/drawing/2014/main" id="{3455FD44-D2E5-4709-9947-D82F74C0CDED}"/>
+                <a16:creationId xmlns:a16="http://schemas.microsoft.com/office/drawing/2014/main" xmlns="" id="{3455FD44-D2E5-4709-9947-D82F74C0CDED}"/>
               </a:ext>
             </a:extLst>
           </p:cNvPr>
@@ -10900,7 +14377,7 @@
           <p:cNvPr id="4" name="Picture 4" descr="Chart, line chart&#10;&#10;Description automatically generated">
             <a:extLst>
               <a:ext uri="{FF2B5EF4-FFF2-40B4-BE49-F238E27FC236}">
-                <a16:creationId xmlns:a16="http://schemas.microsoft.com/office/drawing/2014/main" id="{4DF40C05-EA00-43AE-8ED8-6BAC370B1640}"/>
+                <a16:creationId xmlns:a16="http://schemas.microsoft.com/office/drawing/2014/main" xmlns="" id="{4DF40C05-EA00-43AE-8ED8-6BAC370B1640}"/>
               </a:ext>
             </a:extLst>
           </p:cNvPr>
@@ -10960,7 +14437,7 @@
           <p:cNvPr id="2" name="Title 1">
             <a:extLst>
               <a:ext uri="{FF2B5EF4-FFF2-40B4-BE49-F238E27FC236}">
-                <a16:creationId xmlns:a16="http://schemas.microsoft.com/office/drawing/2014/main" id="{96E7475A-A36E-4DE7-AF4C-22507CB0229A}"/>
+                <a16:creationId xmlns:a16="http://schemas.microsoft.com/office/drawing/2014/main" xmlns="" id="{96E7475A-A36E-4DE7-AF4C-22507CB0229A}"/>
               </a:ext>
             </a:extLst>
           </p:cNvPr>
@@ -10991,7 +14468,7 @@
           <p:cNvPr id="3" name="Content Placeholder 2">
             <a:extLst>
               <a:ext uri="{FF2B5EF4-FFF2-40B4-BE49-F238E27FC236}">
-                <a16:creationId xmlns:a16="http://schemas.microsoft.com/office/drawing/2014/main" id="{3455FD44-D2E5-4709-9947-D82F74C0CDED}"/>
+                <a16:creationId xmlns:a16="http://schemas.microsoft.com/office/drawing/2014/main" xmlns="" id="{3455FD44-D2E5-4709-9947-D82F74C0CDED}"/>
               </a:ext>
             </a:extLst>
           </p:cNvPr>
@@ -11096,7 +14573,7 @@
           <p:cNvPr id="4" name="Picture 4" descr="Table&#10;&#10;Description automatically generated">
             <a:extLst>
               <a:ext uri="{FF2B5EF4-FFF2-40B4-BE49-F238E27FC236}">
-                <a16:creationId xmlns:a16="http://schemas.microsoft.com/office/drawing/2014/main" id="{C859E526-C4E3-44D8-BD85-8C6DF2E76469}"/>
+                <a16:creationId xmlns:a16="http://schemas.microsoft.com/office/drawing/2014/main" xmlns="" id="{C859E526-C4E3-44D8-BD85-8C6DF2E76469}"/>
               </a:ext>
             </a:extLst>
           </p:cNvPr>
@@ -11155,7 +14632,7 @@
           <p:cNvPr id="2" name="Title 1">
             <a:extLst>
               <a:ext uri="{FF2B5EF4-FFF2-40B4-BE49-F238E27FC236}">
-                <a16:creationId xmlns:a16="http://schemas.microsoft.com/office/drawing/2014/main" id="{96E7475A-A36E-4DE7-AF4C-22507CB0229A}"/>
+                <a16:creationId xmlns:a16="http://schemas.microsoft.com/office/drawing/2014/main" xmlns="" id="{96E7475A-A36E-4DE7-AF4C-22507CB0229A}"/>
               </a:ext>
             </a:extLst>
           </p:cNvPr>
@@ -11186,7 +14663,7 @@
           <p:cNvPr id="4" name="Picture 4" descr="Text&#10;&#10;Description automatically generated">
             <a:extLst>
               <a:ext uri="{FF2B5EF4-FFF2-40B4-BE49-F238E27FC236}">
-                <a16:creationId xmlns:a16="http://schemas.microsoft.com/office/drawing/2014/main" id="{09E64289-25FB-4F78-9D01-03C82E666976}"/>
+                <a16:creationId xmlns:a16="http://schemas.microsoft.com/office/drawing/2014/main" xmlns="" id="{09E64289-25FB-4F78-9D01-03C82E666976}"/>
               </a:ext>
             </a:extLst>
           </p:cNvPr>
@@ -11215,7 +14692,7 @@
           <p:cNvPr id="5" name="Straight Arrow Connector 4">
             <a:extLst>
               <a:ext uri="{FF2B5EF4-FFF2-40B4-BE49-F238E27FC236}">
-                <a16:creationId xmlns:a16="http://schemas.microsoft.com/office/drawing/2014/main" id="{14FC9ED1-F89B-4EAE-83A3-81DBCEFE2B99}"/>
+                <a16:creationId xmlns:a16="http://schemas.microsoft.com/office/drawing/2014/main" xmlns="" id="{14FC9ED1-F89B-4EAE-83A3-81DBCEFE2B99}"/>
               </a:ext>
             </a:extLst>
           </p:cNvPr>
@@ -11254,7 +14731,7 @@
           <p:cNvPr id="6" name="Straight Arrow Connector 5">
             <a:extLst>
               <a:ext uri="{FF2B5EF4-FFF2-40B4-BE49-F238E27FC236}">
-                <a16:creationId xmlns:a16="http://schemas.microsoft.com/office/drawing/2014/main" id="{7D55DF07-0C1D-41C1-B862-8289630656B9}"/>
+                <a16:creationId xmlns:a16="http://schemas.microsoft.com/office/drawing/2014/main" xmlns="" id="{7D55DF07-0C1D-41C1-B862-8289630656B9}"/>
               </a:ext>
             </a:extLst>
           </p:cNvPr>
@@ -11297,7 +14774,7 @@
               <p14:cNvPr id="10" name="Ink 9">
                 <a:extLst>
                   <a:ext uri="{FF2B5EF4-FFF2-40B4-BE49-F238E27FC236}">
-                    <a16:creationId xmlns:a16="http://schemas.microsoft.com/office/drawing/2014/main" id="{450E0F8E-BFA6-494E-973B-9DE635DF0CAA}"/>
+                    <a16:creationId xmlns:a16="http://schemas.microsoft.com/office/drawing/2014/main" xmlns="" id="{450E0F8E-BFA6-494E-973B-9DE635DF0CAA}"/>
                   </a:ext>
                 </a:extLst>
               </p14:cNvPr>
@@ -11348,7 +14825,7 @@
               <p14:cNvPr id="11" name="Ink 10">
                 <a:extLst>
                   <a:ext uri="{FF2B5EF4-FFF2-40B4-BE49-F238E27FC236}">
-                    <a16:creationId xmlns:a16="http://schemas.microsoft.com/office/drawing/2014/main" id="{11168480-609B-4C90-8480-272911863139}"/>
+                    <a16:creationId xmlns:a16="http://schemas.microsoft.com/office/drawing/2014/main" xmlns="" id="{11168480-609B-4C90-8480-272911863139}"/>
                   </a:ext>
                 </a:extLst>
               </p14:cNvPr>
@@ -11399,7 +14876,7 @@
               <p14:cNvPr id="13" name="Ink 12">
                 <a:extLst>
                   <a:ext uri="{FF2B5EF4-FFF2-40B4-BE49-F238E27FC236}">
-                    <a16:creationId xmlns:a16="http://schemas.microsoft.com/office/drawing/2014/main" id="{F80F1569-DFB7-46B2-8E51-B80AE2F9F96A}"/>
+                    <a16:creationId xmlns:a16="http://schemas.microsoft.com/office/drawing/2014/main" xmlns="" id="{F80F1569-DFB7-46B2-8E51-B80AE2F9F96A}"/>
                   </a:ext>
                 </a:extLst>
               </p14:cNvPr>
@@ -11450,7 +14927,7 @@
               <p14:cNvPr id="14" name="Ink 13">
                 <a:extLst>
                   <a:ext uri="{FF2B5EF4-FFF2-40B4-BE49-F238E27FC236}">
-                    <a16:creationId xmlns:a16="http://schemas.microsoft.com/office/drawing/2014/main" id="{86E3678B-D8B3-4A6B-8C4B-42F7A7A322EC}"/>
+                    <a16:creationId xmlns:a16="http://schemas.microsoft.com/office/drawing/2014/main" xmlns="" id="{86E3678B-D8B3-4A6B-8C4B-42F7A7A322EC}"/>
                   </a:ext>
                 </a:extLst>
               </p14:cNvPr>
@@ -11499,7 +14976,7 @@
           <p:cNvPr id="20" name="TextBox 19">
             <a:extLst>
               <a:ext uri="{FF2B5EF4-FFF2-40B4-BE49-F238E27FC236}">
-                <a16:creationId xmlns:a16="http://schemas.microsoft.com/office/drawing/2014/main" id="{B6F4848A-6EA7-47AC-8079-824EA1C476C0}"/>
+                <a16:creationId xmlns:a16="http://schemas.microsoft.com/office/drawing/2014/main" xmlns="" id="{B6F4848A-6EA7-47AC-8079-824EA1C476C0}"/>
               </a:ext>
             </a:extLst>
           </p:cNvPr>
@@ -11580,7 +15057,7 @@
           <p:cNvPr id="2" name="Title 1">
             <a:extLst>
               <a:ext uri="{FF2B5EF4-FFF2-40B4-BE49-F238E27FC236}">
-                <a16:creationId xmlns:a16="http://schemas.microsoft.com/office/drawing/2014/main" id="{96E7475A-A36E-4DE7-AF4C-22507CB0229A}"/>
+                <a16:creationId xmlns:a16="http://schemas.microsoft.com/office/drawing/2014/main" xmlns="" id="{96E7475A-A36E-4DE7-AF4C-22507CB0229A}"/>
               </a:ext>
             </a:extLst>
           </p:cNvPr>
@@ -11612,7 +15089,7 @@
           <p:cNvPr id="3" name="Content Placeholder 2">
             <a:extLst>
               <a:ext uri="{FF2B5EF4-FFF2-40B4-BE49-F238E27FC236}">
-                <a16:creationId xmlns:a16="http://schemas.microsoft.com/office/drawing/2014/main" id="{3455FD44-D2E5-4709-9947-D82F74C0CDED}"/>
+                <a16:creationId xmlns:a16="http://schemas.microsoft.com/office/drawing/2014/main" xmlns="" id="{3455FD44-D2E5-4709-9947-D82F74C0CDED}"/>
               </a:ext>
             </a:extLst>
           </p:cNvPr>
@@ -11723,7 +15200,7 @@
           <p:cNvPr id="4" name="Picture 4" descr="Diagram&#10;&#10;Description automatically generated">
             <a:extLst>
               <a:ext uri="{FF2B5EF4-FFF2-40B4-BE49-F238E27FC236}">
-                <a16:creationId xmlns:a16="http://schemas.microsoft.com/office/drawing/2014/main" id="{719EC125-1AAD-4C1A-A02C-B3B2404E3C10}"/>
+                <a16:creationId xmlns:a16="http://schemas.microsoft.com/office/drawing/2014/main" xmlns="" id="{719EC125-1AAD-4C1A-A02C-B3B2404E3C10}"/>
               </a:ext>
             </a:extLst>
           </p:cNvPr>
@@ -11752,7 +15229,7 @@
           <p:cNvPr id="5" name="TextBox 4">
             <a:extLst>
               <a:ext uri="{FF2B5EF4-FFF2-40B4-BE49-F238E27FC236}">
-                <a16:creationId xmlns:a16="http://schemas.microsoft.com/office/drawing/2014/main" id="{4A85C41D-FCEF-4C57-96C2-62D34CBAA7B5}"/>
+                <a16:creationId xmlns:a16="http://schemas.microsoft.com/office/drawing/2014/main" xmlns="" id="{4A85C41D-FCEF-4C57-96C2-62D34CBAA7B5}"/>
               </a:ext>
             </a:extLst>
           </p:cNvPr>
